--- a/Modules/Software engineering (P175B015)/Video/Waterfall.pptx
+++ b/Modules/Software engineering (P175B015)/Video/Waterfall.pptx
@@ -1959,6 +1959,13 @@
         </dgm:presLayoutVars>
       </dgm:prSet>
       <dgm:spPr/>
+      <dgm:t>
+        <a:bodyPr/>
+        <a:lstStyle/>
+        <a:p>
+          <a:endParaRPr lang="en-US"/>
+        </a:p>
+      </dgm:t>
     </dgm:pt>
     <dgm:pt modelId="{2A06B7E4-445E-4B8E-A046-8350B972C173}" type="pres">
       <dgm:prSet presAssocID="{F2803D47-4C90-402C-B243-A675E3F4E60E}" presName="composite" presStyleCnt="0"/>
@@ -1977,6 +1984,13 @@
         </dgm:presLayoutVars>
       </dgm:prSet>
       <dgm:spPr/>
+      <dgm:t>
+        <a:bodyPr/>
+        <a:lstStyle/>
+        <a:p>
+          <a:endParaRPr lang="en-US"/>
+        </a:p>
+      </dgm:t>
     </dgm:pt>
     <dgm:pt modelId="{69616DFE-4697-480A-ADEB-006724904149}" type="pres">
       <dgm:prSet presAssocID="{F2803D47-4C90-402C-B243-A675E3F4E60E}" presName="Triangle" presStyleLbl="alignNode1" presStyleIdx="1" presStyleCnt="9"/>
@@ -2007,6 +2021,13 @@
         </dgm:presLayoutVars>
       </dgm:prSet>
       <dgm:spPr/>
+      <dgm:t>
+        <a:bodyPr/>
+        <a:lstStyle/>
+        <a:p>
+          <a:endParaRPr lang="en-US"/>
+        </a:p>
+      </dgm:t>
     </dgm:pt>
     <dgm:pt modelId="{C6C02A0C-E5AC-4550-A35B-83572995622F}" type="pres">
       <dgm:prSet presAssocID="{07D0DC10-5B68-4B32-9BC2-3ED8476E026A}" presName="Triangle" presStyleLbl="alignNode1" presStyleIdx="3" presStyleCnt="9"/>
@@ -2037,6 +2058,13 @@
         </dgm:presLayoutVars>
       </dgm:prSet>
       <dgm:spPr/>
+      <dgm:t>
+        <a:bodyPr/>
+        <a:lstStyle/>
+        <a:p>
+          <a:endParaRPr lang="en-US"/>
+        </a:p>
+      </dgm:t>
     </dgm:pt>
     <dgm:pt modelId="{C250917D-9CD6-48D0-95F9-58E2314B4D7A}" type="pres">
       <dgm:prSet presAssocID="{7855DB71-D586-4AA0-8897-D179499B29B5}" presName="Triangle" presStyleLbl="alignNode1" presStyleIdx="5" presStyleCnt="9"/>
@@ -2067,6 +2095,13 @@
         </dgm:presLayoutVars>
       </dgm:prSet>
       <dgm:spPr/>
+      <dgm:t>
+        <a:bodyPr/>
+        <a:lstStyle/>
+        <a:p>
+          <a:endParaRPr lang="en-US"/>
+        </a:p>
+      </dgm:t>
     </dgm:pt>
     <dgm:pt modelId="{C4349A5C-530E-4842-99E5-7DB3C0818A1E}" type="pres">
       <dgm:prSet presAssocID="{90D190B1-FD2C-4E7E-8889-2B66274EC0B6}" presName="Triangle" presStyleLbl="alignNode1" presStyleIdx="7" presStyleCnt="9"/>
@@ -2097,20 +2132,27 @@
         </dgm:presLayoutVars>
       </dgm:prSet>
       <dgm:spPr/>
+      <dgm:t>
+        <a:bodyPr/>
+        <a:lstStyle/>
+        <a:p>
+          <a:endParaRPr lang="en-US"/>
+        </a:p>
+      </dgm:t>
     </dgm:pt>
   </dgm:ptLst>
   <dgm:cxnLst>
+    <dgm:cxn modelId="{A39B4B14-596A-4622-A380-03165385F6E2}" type="presOf" srcId="{DAF03B14-A6E5-44A6-98B8-FA9AB7519ACD}" destId="{8CE22776-378C-4DD7-BD95-9938B039704E}" srcOrd="0" destOrd="0" presId="urn:microsoft.com/office/officeart/2009/3/layout/StepUpProcess"/>
+    <dgm:cxn modelId="{F1396160-516A-4F08-B4E6-912C66755451}" type="presOf" srcId="{7855DB71-D586-4AA0-8897-D179499B29B5}" destId="{04FAE965-D6F6-4981-BCC7-31FF53A955FD}" srcOrd="0" destOrd="0" presId="urn:microsoft.com/office/officeart/2009/3/layout/StepUpProcess"/>
+    <dgm:cxn modelId="{98417883-7AB6-40E6-8BB2-2D1A49AF3CE2}" type="presOf" srcId="{90D190B1-FD2C-4E7E-8889-2B66274EC0B6}" destId="{00C07322-5AC2-4EB8-BFD0-4B01E2F0BB09}" srcOrd="0" destOrd="0" presId="urn:microsoft.com/office/officeart/2009/3/layout/StepUpProcess"/>
     <dgm:cxn modelId="{5AF8B005-E599-4816-AF0D-3D76FFC58480}" type="presOf" srcId="{07D0DC10-5B68-4B32-9BC2-3ED8476E026A}" destId="{55E179FC-D1E9-437B-99A3-AD15EE17BF8F}" srcOrd="0" destOrd="0" presId="urn:microsoft.com/office/officeart/2009/3/layout/StepUpProcess"/>
     <dgm:cxn modelId="{DAA5BD0C-2336-4375-B5E0-3ADAA1F10EF6}" srcId="{DAF03B14-A6E5-44A6-98B8-FA9AB7519ACD}" destId="{F2803D47-4C90-402C-B243-A675E3F4E60E}" srcOrd="0" destOrd="0" parTransId="{B3175DA4-8668-4C57-B407-3AF85AFA32BD}" sibTransId="{2455F4A6-FE77-4F35-8026-5214BE8CB41E}"/>
-    <dgm:cxn modelId="{A39B4B14-596A-4622-A380-03165385F6E2}" type="presOf" srcId="{DAF03B14-A6E5-44A6-98B8-FA9AB7519ACD}" destId="{8CE22776-378C-4DD7-BD95-9938B039704E}" srcOrd="0" destOrd="0" presId="urn:microsoft.com/office/officeart/2009/3/layout/StepUpProcess"/>
     <dgm:cxn modelId="{54E31D35-E9EA-4316-89B0-25EFCC648C96}" srcId="{DAF03B14-A6E5-44A6-98B8-FA9AB7519ACD}" destId="{43B339BB-2887-44AD-A91C-EDC552AF4B16}" srcOrd="4" destOrd="0" parTransId="{4BCAB17A-3401-42AA-975D-13F8997F2135}" sibTransId="{83A6A8BA-43C3-48B4-8BF8-948EFD004BFA}"/>
-    <dgm:cxn modelId="{F1396160-516A-4F08-B4E6-912C66755451}" type="presOf" srcId="{7855DB71-D586-4AA0-8897-D179499B29B5}" destId="{04FAE965-D6F6-4981-BCC7-31FF53A955FD}" srcOrd="0" destOrd="0" presId="urn:microsoft.com/office/officeart/2009/3/layout/StepUpProcess"/>
-    <dgm:cxn modelId="{69C92569-E2A9-4162-AABD-A3B49EEFF17C}" srcId="{DAF03B14-A6E5-44A6-98B8-FA9AB7519ACD}" destId="{90D190B1-FD2C-4E7E-8889-2B66274EC0B6}" srcOrd="3" destOrd="0" parTransId="{F9C031D3-B763-4970-9E02-33458E460846}" sibTransId="{7D6FC4F3-FE1B-4643-B2CE-F099279B4D57}"/>
+    <dgm:cxn modelId="{3C068CEF-E796-4E73-86F6-439B2FCC1D30}" srcId="{DAF03B14-A6E5-44A6-98B8-FA9AB7519ACD}" destId="{7855DB71-D586-4AA0-8897-D179499B29B5}" srcOrd="2" destOrd="0" parTransId="{45CF9DFB-250D-40F3-A691-C642DCF14C9A}" sibTransId="{0862E32D-3E92-4F95-9BD3-CCB4F34215B4}"/>
+    <dgm:cxn modelId="{11FBB6FB-C7B6-40DE-967E-16A94973FACF}" type="presOf" srcId="{F2803D47-4C90-402C-B243-A675E3F4E60E}" destId="{E4F6E4DC-C09F-4DC8-9CF9-7F6C66EC4000}" srcOrd="0" destOrd="0" presId="urn:microsoft.com/office/officeart/2009/3/layout/StepUpProcess"/>
     <dgm:cxn modelId="{D80A7D49-7117-4587-9706-1F7CE82A6F7A}" srcId="{DAF03B14-A6E5-44A6-98B8-FA9AB7519ACD}" destId="{07D0DC10-5B68-4B32-9BC2-3ED8476E026A}" srcOrd="1" destOrd="0" parTransId="{981E17D0-3FD2-4721-9595-9AC9D28A17CB}" sibTransId="{3B657452-6A76-4A76-804D-24847F94A419}"/>
     <dgm:cxn modelId="{20B34C74-D93E-479E-A050-1FFA0C3E188A}" type="presOf" srcId="{43B339BB-2887-44AD-A91C-EDC552AF4B16}" destId="{3A9ED688-A313-4C83-AC05-488766732BA0}" srcOrd="0" destOrd="0" presId="urn:microsoft.com/office/officeart/2009/3/layout/StepUpProcess"/>
-    <dgm:cxn modelId="{98417883-7AB6-40E6-8BB2-2D1A49AF3CE2}" type="presOf" srcId="{90D190B1-FD2C-4E7E-8889-2B66274EC0B6}" destId="{00C07322-5AC2-4EB8-BFD0-4B01E2F0BB09}" srcOrd="0" destOrd="0" presId="urn:microsoft.com/office/officeart/2009/3/layout/StepUpProcess"/>
-    <dgm:cxn modelId="{3C068CEF-E796-4E73-86F6-439B2FCC1D30}" srcId="{DAF03B14-A6E5-44A6-98B8-FA9AB7519ACD}" destId="{7855DB71-D586-4AA0-8897-D179499B29B5}" srcOrd="2" destOrd="0" parTransId="{45CF9DFB-250D-40F3-A691-C642DCF14C9A}" sibTransId="{0862E32D-3E92-4F95-9BD3-CCB4F34215B4}"/>
-    <dgm:cxn modelId="{11FBB6FB-C7B6-40DE-967E-16A94973FACF}" type="presOf" srcId="{F2803D47-4C90-402C-B243-A675E3F4E60E}" destId="{E4F6E4DC-C09F-4DC8-9CF9-7F6C66EC4000}" srcOrd="0" destOrd="0" presId="urn:microsoft.com/office/officeart/2009/3/layout/StepUpProcess"/>
+    <dgm:cxn modelId="{69C92569-E2A9-4162-AABD-A3B49EEFF17C}" srcId="{DAF03B14-A6E5-44A6-98B8-FA9AB7519ACD}" destId="{90D190B1-FD2C-4E7E-8889-2B66274EC0B6}" srcOrd="3" destOrd="0" parTransId="{F9C031D3-B763-4970-9E02-33458E460846}" sibTransId="{7D6FC4F3-FE1B-4643-B2CE-F099279B4D57}"/>
     <dgm:cxn modelId="{252047A5-E96D-4B0A-ADEF-246A361257A4}" type="presParOf" srcId="{8CE22776-378C-4DD7-BD95-9938B039704E}" destId="{2A06B7E4-445E-4B8E-A046-8350B972C173}" srcOrd="0" destOrd="0" presId="urn:microsoft.com/office/officeart/2009/3/layout/StepUpProcess"/>
     <dgm:cxn modelId="{441C8E34-9E48-47DC-BA22-03CD706D7936}" type="presParOf" srcId="{2A06B7E4-445E-4B8E-A046-8350B972C173}" destId="{8FA16E64-89F1-4AFE-BDF7-C0100DA46968}" srcOrd="0" destOrd="0" presId="urn:microsoft.com/office/officeart/2009/3/layout/StepUpProcess"/>
     <dgm:cxn modelId="{9840ADAE-68DF-4671-A999-FB1040495E7D}" type="presParOf" srcId="{2A06B7E4-445E-4B8E-A046-8350B972C173}" destId="{E4F6E4DC-C09F-4DC8-9CF9-7F6C66EC4000}" srcOrd="1" destOrd="0" presId="urn:microsoft.com/office/officeart/2009/3/layout/StepUpProcess"/>
@@ -2358,6 +2400,13 @@
         </dgm:presLayoutVars>
       </dgm:prSet>
       <dgm:spPr/>
+      <dgm:t>
+        <a:bodyPr/>
+        <a:lstStyle/>
+        <a:p>
+          <a:endParaRPr lang="en-US"/>
+        </a:p>
+      </dgm:t>
     </dgm:pt>
     <dgm:pt modelId="{2A06B7E4-445E-4B8E-A046-8350B972C173}" type="pres">
       <dgm:prSet presAssocID="{F2803D47-4C90-402C-B243-A675E3F4E60E}" presName="composite" presStyleCnt="0"/>
@@ -2376,6 +2425,13 @@
         </dgm:presLayoutVars>
       </dgm:prSet>
       <dgm:spPr/>
+      <dgm:t>
+        <a:bodyPr/>
+        <a:lstStyle/>
+        <a:p>
+          <a:endParaRPr lang="en-US"/>
+        </a:p>
+      </dgm:t>
     </dgm:pt>
     <dgm:pt modelId="{69616DFE-4697-480A-ADEB-006724904149}" type="pres">
       <dgm:prSet presAssocID="{F2803D47-4C90-402C-B243-A675E3F4E60E}" presName="Triangle" presStyleLbl="alignNode1" presStyleIdx="1" presStyleCnt="9"/>
@@ -2406,6 +2462,13 @@
         </dgm:presLayoutVars>
       </dgm:prSet>
       <dgm:spPr/>
+      <dgm:t>
+        <a:bodyPr/>
+        <a:lstStyle/>
+        <a:p>
+          <a:endParaRPr lang="en-US"/>
+        </a:p>
+      </dgm:t>
     </dgm:pt>
     <dgm:pt modelId="{C6C02A0C-E5AC-4550-A35B-83572995622F}" type="pres">
       <dgm:prSet presAssocID="{07D0DC10-5B68-4B32-9BC2-3ED8476E026A}" presName="Triangle" presStyleLbl="alignNode1" presStyleIdx="3" presStyleCnt="9"/>
@@ -2436,6 +2499,13 @@
         </dgm:presLayoutVars>
       </dgm:prSet>
       <dgm:spPr/>
+      <dgm:t>
+        <a:bodyPr/>
+        <a:lstStyle/>
+        <a:p>
+          <a:endParaRPr lang="en-US"/>
+        </a:p>
+      </dgm:t>
     </dgm:pt>
     <dgm:pt modelId="{C250917D-9CD6-48D0-95F9-58E2314B4D7A}" type="pres">
       <dgm:prSet presAssocID="{7855DB71-D586-4AA0-8897-D179499B29B5}" presName="Triangle" presStyleLbl="alignNode1" presStyleIdx="5" presStyleCnt="9"/>
@@ -2466,6 +2536,13 @@
         </dgm:presLayoutVars>
       </dgm:prSet>
       <dgm:spPr/>
+      <dgm:t>
+        <a:bodyPr/>
+        <a:lstStyle/>
+        <a:p>
+          <a:endParaRPr lang="en-US"/>
+        </a:p>
+      </dgm:t>
     </dgm:pt>
     <dgm:pt modelId="{C4349A5C-530E-4842-99E5-7DB3C0818A1E}" type="pres">
       <dgm:prSet presAssocID="{90D190B1-FD2C-4E7E-8889-2B66274EC0B6}" presName="Triangle" presStyleLbl="alignNode1" presStyleIdx="7" presStyleCnt="9"/>
@@ -2496,20 +2573,27 @@
         </dgm:presLayoutVars>
       </dgm:prSet>
       <dgm:spPr/>
+      <dgm:t>
+        <a:bodyPr/>
+        <a:lstStyle/>
+        <a:p>
+          <a:endParaRPr lang="en-US"/>
+        </a:p>
+      </dgm:t>
     </dgm:pt>
   </dgm:ptLst>
   <dgm:cxnLst>
+    <dgm:cxn modelId="{A39B4B14-596A-4622-A380-03165385F6E2}" type="presOf" srcId="{DAF03B14-A6E5-44A6-98B8-FA9AB7519ACD}" destId="{8CE22776-378C-4DD7-BD95-9938B039704E}" srcOrd="0" destOrd="0" presId="urn:microsoft.com/office/officeart/2009/3/layout/StepUpProcess"/>
+    <dgm:cxn modelId="{F1396160-516A-4F08-B4E6-912C66755451}" type="presOf" srcId="{7855DB71-D586-4AA0-8897-D179499B29B5}" destId="{04FAE965-D6F6-4981-BCC7-31FF53A955FD}" srcOrd="0" destOrd="0" presId="urn:microsoft.com/office/officeart/2009/3/layout/StepUpProcess"/>
+    <dgm:cxn modelId="{98417883-7AB6-40E6-8BB2-2D1A49AF3CE2}" type="presOf" srcId="{90D190B1-FD2C-4E7E-8889-2B66274EC0B6}" destId="{00C07322-5AC2-4EB8-BFD0-4B01E2F0BB09}" srcOrd="0" destOrd="0" presId="urn:microsoft.com/office/officeart/2009/3/layout/StepUpProcess"/>
     <dgm:cxn modelId="{5AF8B005-E599-4816-AF0D-3D76FFC58480}" type="presOf" srcId="{07D0DC10-5B68-4B32-9BC2-3ED8476E026A}" destId="{55E179FC-D1E9-437B-99A3-AD15EE17BF8F}" srcOrd="0" destOrd="0" presId="urn:microsoft.com/office/officeart/2009/3/layout/StepUpProcess"/>
     <dgm:cxn modelId="{DAA5BD0C-2336-4375-B5E0-3ADAA1F10EF6}" srcId="{DAF03B14-A6E5-44A6-98B8-FA9AB7519ACD}" destId="{F2803D47-4C90-402C-B243-A675E3F4E60E}" srcOrd="0" destOrd="0" parTransId="{B3175DA4-8668-4C57-B407-3AF85AFA32BD}" sibTransId="{2455F4A6-FE77-4F35-8026-5214BE8CB41E}"/>
-    <dgm:cxn modelId="{A39B4B14-596A-4622-A380-03165385F6E2}" type="presOf" srcId="{DAF03B14-A6E5-44A6-98B8-FA9AB7519ACD}" destId="{8CE22776-378C-4DD7-BD95-9938B039704E}" srcOrd="0" destOrd="0" presId="urn:microsoft.com/office/officeart/2009/3/layout/StepUpProcess"/>
     <dgm:cxn modelId="{54E31D35-E9EA-4316-89B0-25EFCC648C96}" srcId="{DAF03B14-A6E5-44A6-98B8-FA9AB7519ACD}" destId="{43B339BB-2887-44AD-A91C-EDC552AF4B16}" srcOrd="4" destOrd="0" parTransId="{4BCAB17A-3401-42AA-975D-13F8997F2135}" sibTransId="{83A6A8BA-43C3-48B4-8BF8-948EFD004BFA}"/>
-    <dgm:cxn modelId="{F1396160-516A-4F08-B4E6-912C66755451}" type="presOf" srcId="{7855DB71-D586-4AA0-8897-D179499B29B5}" destId="{04FAE965-D6F6-4981-BCC7-31FF53A955FD}" srcOrd="0" destOrd="0" presId="urn:microsoft.com/office/officeart/2009/3/layout/StepUpProcess"/>
-    <dgm:cxn modelId="{69C92569-E2A9-4162-AABD-A3B49EEFF17C}" srcId="{DAF03B14-A6E5-44A6-98B8-FA9AB7519ACD}" destId="{90D190B1-FD2C-4E7E-8889-2B66274EC0B6}" srcOrd="3" destOrd="0" parTransId="{F9C031D3-B763-4970-9E02-33458E460846}" sibTransId="{7D6FC4F3-FE1B-4643-B2CE-F099279B4D57}"/>
+    <dgm:cxn modelId="{3C068CEF-E796-4E73-86F6-439B2FCC1D30}" srcId="{DAF03B14-A6E5-44A6-98B8-FA9AB7519ACD}" destId="{7855DB71-D586-4AA0-8897-D179499B29B5}" srcOrd="2" destOrd="0" parTransId="{45CF9DFB-250D-40F3-A691-C642DCF14C9A}" sibTransId="{0862E32D-3E92-4F95-9BD3-CCB4F34215B4}"/>
+    <dgm:cxn modelId="{11FBB6FB-C7B6-40DE-967E-16A94973FACF}" type="presOf" srcId="{F2803D47-4C90-402C-B243-A675E3F4E60E}" destId="{E4F6E4DC-C09F-4DC8-9CF9-7F6C66EC4000}" srcOrd="0" destOrd="0" presId="urn:microsoft.com/office/officeart/2009/3/layout/StepUpProcess"/>
     <dgm:cxn modelId="{D80A7D49-7117-4587-9706-1F7CE82A6F7A}" srcId="{DAF03B14-A6E5-44A6-98B8-FA9AB7519ACD}" destId="{07D0DC10-5B68-4B32-9BC2-3ED8476E026A}" srcOrd="1" destOrd="0" parTransId="{981E17D0-3FD2-4721-9595-9AC9D28A17CB}" sibTransId="{3B657452-6A76-4A76-804D-24847F94A419}"/>
     <dgm:cxn modelId="{20B34C74-D93E-479E-A050-1FFA0C3E188A}" type="presOf" srcId="{43B339BB-2887-44AD-A91C-EDC552AF4B16}" destId="{3A9ED688-A313-4C83-AC05-488766732BA0}" srcOrd="0" destOrd="0" presId="urn:microsoft.com/office/officeart/2009/3/layout/StepUpProcess"/>
-    <dgm:cxn modelId="{98417883-7AB6-40E6-8BB2-2D1A49AF3CE2}" type="presOf" srcId="{90D190B1-FD2C-4E7E-8889-2B66274EC0B6}" destId="{00C07322-5AC2-4EB8-BFD0-4B01E2F0BB09}" srcOrd="0" destOrd="0" presId="urn:microsoft.com/office/officeart/2009/3/layout/StepUpProcess"/>
-    <dgm:cxn modelId="{3C068CEF-E796-4E73-86F6-439B2FCC1D30}" srcId="{DAF03B14-A6E5-44A6-98B8-FA9AB7519ACD}" destId="{7855DB71-D586-4AA0-8897-D179499B29B5}" srcOrd="2" destOrd="0" parTransId="{45CF9DFB-250D-40F3-A691-C642DCF14C9A}" sibTransId="{0862E32D-3E92-4F95-9BD3-CCB4F34215B4}"/>
-    <dgm:cxn modelId="{11FBB6FB-C7B6-40DE-967E-16A94973FACF}" type="presOf" srcId="{F2803D47-4C90-402C-B243-A675E3F4E60E}" destId="{E4F6E4DC-C09F-4DC8-9CF9-7F6C66EC4000}" srcOrd="0" destOrd="0" presId="urn:microsoft.com/office/officeart/2009/3/layout/StepUpProcess"/>
+    <dgm:cxn modelId="{69C92569-E2A9-4162-AABD-A3B49EEFF17C}" srcId="{DAF03B14-A6E5-44A6-98B8-FA9AB7519ACD}" destId="{90D190B1-FD2C-4E7E-8889-2B66274EC0B6}" srcOrd="3" destOrd="0" parTransId="{F9C031D3-B763-4970-9E02-33458E460846}" sibTransId="{7D6FC4F3-FE1B-4643-B2CE-F099279B4D57}"/>
     <dgm:cxn modelId="{252047A5-E96D-4B0A-ADEF-246A361257A4}" type="presParOf" srcId="{8CE22776-378C-4DD7-BD95-9938B039704E}" destId="{2A06B7E4-445E-4B8E-A046-8350B972C173}" srcOrd="0" destOrd="0" presId="urn:microsoft.com/office/officeart/2009/3/layout/StepUpProcess"/>
     <dgm:cxn modelId="{441C8E34-9E48-47DC-BA22-03CD706D7936}" type="presParOf" srcId="{2A06B7E4-445E-4B8E-A046-8350B972C173}" destId="{8FA16E64-89F1-4AFE-BDF7-C0100DA46968}" srcOrd="0" destOrd="0" presId="urn:microsoft.com/office/officeart/2009/3/layout/StepUpProcess"/>
     <dgm:cxn modelId="{9840ADAE-68DF-4671-A999-FB1040495E7D}" type="presParOf" srcId="{2A06B7E4-445E-4B8E-A046-8350B972C173}" destId="{E4F6E4DC-C09F-4DC8-9CF9-7F6C66EC4000}" srcOrd="1" destOrd="0" presId="urn:microsoft.com/office/officeart/2009/3/layout/StepUpProcess"/>
@@ -2645,7 +2729,7 @@
         </a:bodyPr>
         <a:lstStyle/>
         <a:p>
-          <a:pPr marL="0" lvl="0" indent="0" algn="l" defTabSz="711200">
+          <a:pPr lvl="0" algn="l" defTabSz="711200">
             <a:lnSpc>
               <a:spcPct val="90000"/>
             </a:lnSpc>
@@ -2655,7 +2739,6 @@
             <a:spcAft>
               <a:spcPct val="35000"/>
             </a:spcAft>
-            <a:buNone/>
           </a:pPr>
           <a:r>
             <a:rPr lang="lt-LT" sz="1600" kern="1200" dirty="0"/>
@@ -2809,7 +2892,7 @@
         </a:bodyPr>
         <a:lstStyle/>
         <a:p>
-          <a:pPr marL="0" lvl="0" indent="0" algn="l" defTabSz="711200">
+          <a:pPr lvl="0" algn="l" defTabSz="711200">
             <a:lnSpc>
               <a:spcPct val="90000"/>
             </a:lnSpc>
@@ -2819,7 +2902,6 @@
             <a:spcAft>
               <a:spcPct val="35000"/>
             </a:spcAft>
-            <a:buNone/>
           </a:pPr>
           <a:r>
             <a:rPr lang="lt-LT" sz="1600" kern="1200" dirty="0"/>
@@ -2973,7 +3055,7 @@
         </a:bodyPr>
         <a:lstStyle/>
         <a:p>
-          <a:pPr marL="0" lvl="0" indent="0" algn="l" defTabSz="711200">
+          <a:pPr lvl="0" algn="l" defTabSz="711200">
             <a:lnSpc>
               <a:spcPct val="90000"/>
             </a:lnSpc>
@@ -2983,7 +3065,6 @@
             <a:spcAft>
               <a:spcPct val="35000"/>
             </a:spcAft>
-            <a:buNone/>
           </a:pPr>
           <a:r>
             <a:rPr lang="lt-LT" sz="1600" kern="1200" dirty="0"/>
@@ -3137,7 +3218,7 @@
         </a:bodyPr>
         <a:lstStyle/>
         <a:p>
-          <a:pPr marL="0" lvl="0" indent="0" algn="l" defTabSz="711200">
+          <a:pPr lvl="0" algn="l" defTabSz="711200">
             <a:lnSpc>
               <a:spcPct val="90000"/>
             </a:lnSpc>
@@ -3147,7 +3228,6 @@
             <a:spcAft>
               <a:spcPct val="35000"/>
             </a:spcAft>
-            <a:buNone/>
           </a:pPr>
           <a:r>
             <a:rPr lang="lt-LT" sz="1600" kern="1200" dirty="0"/>
@@ -3301,7 +3381,7 @@
         </a:bodyPr>
         <a:lstStyle/>
         <a:p>
-          <a:pPr marL="0" lvl="0" indent="0" algn="l" defTabSz="711200">
+          <a:pPr lvl="0" algn="l" defTabSz="711200">
             <a:lnSpc>
               <a:spcPct val="90000"/>
             </a:lnSpc>
@@ -3311,7 +3391,6 @@
             <a:spcAft>
               <a:spcPct val="35000"/>
             </a:spcAft>
-            <a:buNone/>
           </a:pPr>
           <a:r>
             <a:rPr lang="lt-LT" sz="1600" kern="1200" dirty="0"/>
@@ -3426,7 +3505,7 @@
         </a:bodyPr>
         <a:lstStyle/>
         <a:p>
-          <a:pPr marL="0" lvl="0" indent="0" algn="l" defTabSz="711200">
+          <a:pPr lvl="0" algn="l" defTabSz="711200">
             <a:lnSpc>
               <a:spcPct val="90000"/>
             </a:lnSpc>
@@ -3436,7 +3515,6 @@
             <a:spcAft>
               <a:spcPct val="35000"/>
             </a:spcAft>
-            <a:buNone/>
           </a:pPr>
           <a:r>
             <a:rPr lang="lt-LT" sz="1600" kern="1200" dirty="0"/>
@@ -3590,7 +3668,7 @@
         </a:bodyPr>
         <a:lstStyle/>
         <a:p>
-          <a:pPr marL="0" lvl="0" indent="0" algn="l" defTabSz="711200">
+          <a:pPr lvl="0" algn="l" defTabSz="711200">
             <a:lnSpc>
               <a:spcPct val="90000"/>
             </a:lnSpc>
@@ -3600,7 +3678,6 @@
             <a:spcAft>
               <a:spcPct val="35000"/>
             </a:spcAft>
-            <a:buNone/>
           </a:pPr>
           <a:r>
             <a:rPr lang="lt-LT" sz="1600" kern="1200" dirty="0"/>
@@ -3754,7 +3831,7 @@
         </a:bodyPr>
         <a:lstStyle/>
         <a:p>
-          <a:pPr marL="0" lvl="0" indent="0" algn="l" defTabSz="711200">
+          <a:pPr lvl="0" algn="l" defTabSz="711200">
             <a:lnSpc>
               <a:spcPct val="90000"/>
             </a:lnSpc>
@@ -3764,7 +3841,6 @@
             <a:spcAft>
               <a:spcPct val="35000"/>
             </a:spcAft>
-            <a:buNone/>
           </a:pPr>
           <a:r>
             <a:rPr lang="lt-LT" sz="1600" kern="1200" dirty="0"/>
@@ -3918,7 +3994,7 @@
         </a:bodyPr>
         <a:lstStyle/>
         <a:p>
-          <a:pPr marL="0" lvl="0" indent="0" algn="l" defTabSz="711200">
+          <a:pPr lvl="0" algn="l" defTabSz="711200">
             <a:lnSpc>
               <a:spcPct val="90000"/>
             </a:lnSpc>
@@ -3928,7 +4004,6 @@
             <a:spcAft>
               <a:spcPct val="35000"/>
             </a:spcAft>
-            <a:buNone/>
           </a:pPr>
           <a:r>
             <a:rPr lang="lt-LT" sz="1600" kern="1200" dirty="0"/>
@@ -4082,7 +4157,7 @@
         </a:bodyPr>
         <a:lstStyle/>
         <a:p>
-          <a:pPr marL="0" lvl="0" indent="0" algn="l" defTabSz="711200">
+          <a:pPr lvl="0" algn="l" defTabSz="711200">
             <a:lnSpc>
               <a:spcPct val="90000"/>
             </a:lnSpc>
@@ -4092,7 +4167,6 @@
             <a:spcAft>
               <a:spcPct val="35000"/>
             </a:spcAft>
-            <a:buNone/>
           </a:pPr>
           <a:r>
             <a:rPr lang="lt-LT" sz="1600" kern="1200" dirty="0"/>
@@ -7641,6 +7715,11 @@
         </p:txBody>
       </p:sp>
     </p:spTree>
+    <p:extLst>
+      <p:ext uri="{BB962C8B-B14F-4D97-AF65-F5344CB8AC3E}">
+        <p14:creationId xmlns:p14="http://schemas.microsoft.com/office/powerpoint/2010/main" val="4182430951"/>
+      </p:ext>
+    </p:extLst>
   </p:cSld>
   <p:clrMap bg1="lt1" tx1="dk1" bg2="dk2" tx2="lt2" accent1="accent1" accent2="accent2" accent3="accent3" accent4="accent4" accent5="accent5" accent6="accent6" hlink="hlink" folHlink="folHlink"/>
   <p:notesStyle>
@@ -7972,6 +8051,11 @@
         </p:spPr>
       </p:sp>
     </p:spTree>
+    <p:extLst>
+      <p:ext uri="{BB962C8B-B14F-4D97-AF65-F5344CB8AC3E}">
+        <p14:creationId xmlns:p14="http://schemas.microsoft.com/office/powerpoint/2010/main" val="3020567306"/>
+      </p:ext>
+    </p:extLst>
   </p:cSld>
   <p:clrMapOvr>
     <a:masterClrMapping/>
@@ -8129,6 +8213,11 @@
         </p:spPr>
       </p:sp>
     </p:spTree>
+    <p:extLst>
+      <p:ext uri="{BB962C8B-B14F-4D97-AF65-F5344CB8AC3E}">
+        <p14:creationId xmlns:p14="http://schemas.microsoft.com/office/powerpoint/2010/main" val="2370623046"/>
+      </p:ext>
+    </p:extLst>
   </p:cSld>
   <p:clrMapOvr>
     <a:masterClrMapping/>
@@ -8868,6 +8957,11 @@
         </p:spPr>
       </p:sp>
     </p:spTree>
+    <p:extLst>
+      <p:ext uri="{BB962C8B-B14F-4D97-AF65-F5344CB8AC3E}">
+        <p14:creationId xmlns:p14="http://schemas.microsoft.com/office/powerpoint/2010/main" val="3007450977"/>
+      </p:ext>
+    </p:extLst>
   </p:cSld>
   <p:clrMapOvr>
     <a:masterClrMapping/>
@@ -8972,6 +9066,11 @@
         </p:spPr>
       </p:sp>
     </p:spTree>
+    <p:extLst>
+      <p:ext uri="{BB962C8B-B14F-4D97-AF65-F5344CB8AC3E}">
+        <p14:creationId xmlns:p14="http://schemas.microsoft.com/office/powerpoint/2010/main" val="3113999496"/>
+      </p:ext>
+    </p:extLst>
   </p:cSld>
   <p:clrMapOvr>
     <a:masterClrMapping/>
@@ -13758,6 +13857,13 @@
   <p:clrMapOvr>
     <a:masterClrMapping/>
   </p:clrMapOvr>
+  <p:timing>
+    <p:tnLst>
+      <p:par>
+        <p:cTn id="1" dur="indefinite" restart="never" nodeType="tmRoot"/>
+      </p:par>
+    </p:tnLst>
+  </p:timing>
 </p:sld>
 </file>
 
@@ -13783,7 +13889,7 @@
           <p:cNvPr id="12" name="Group 11">
             <a:extLst>
               <a:ext uri="{FF2B5EF4-FFF2-40B4-BE49-F238E27FC236}">
-                <a16:creationId xmlns:a16="http://schemas.microsoft.com/office/drawing/2014/main" id="{359C54E7-2C86-48C5-BB8A-3F47492D58D9}"/>
+                <a16:creationId xmlns:a16="http://schemas.microsoft.com/office/drawing/2014/main" xmlns="" id="{359C54E7-2C86-48C5-BB8A-3F47492D58D9}"/>
               </a:ext>
             </a:extLst>
           </p:cNvPr>
@@ -13803,7 +13909,7 @@
             <p:cNvPr id="13" name="Picture 12">
               <a:extLst>
                 <a:ext uri="{FF2B5EF4-FFF2-40B4-BE49-F238E27FC236}">
-                  <a16:creationId xmlns:a16="http://schemas.microsoft.com/office/drawing/2014/main" id="{FC4CCA8F-0253-4F85-9781-1D87F7373F13}"/>
+                  <a16:creationId xmlns:a16="http://schemas.microsoft.com/office/drawing/2014/main" xmlns="" id="{FC4CCA8F-0253-4F85-9781-1D87F7373F13}"/>
                 </a:ext>
               </a:extLst>
             </p:cNvPr>
@@ -13833,7 +13939,7 @@
             <p:cNvPr id="14" name="TextBox 13">
               <a:extLst>
                 <a:ext uri="{FF2B5EF4-FFF2-40B4-BE49-F238E27FC236}">
-                  <a16:creationId xmlns:a16="http://schemas.microsoft.com/office/drawing/2014/main" id="{DCDC4FD0-315A-4B26-9B5D-07FA213E0F7D}"/>
+                  <a16:creationId xmlns:a16="http://schemas.microsoft.com/office/drawing/2014/main" xmlns="" id="{DCDC4FD0-315A-4B26-9B5D-07FA213E0F7D}"/>
                 </a:ext>
               </a:extLst>
             </p:cNvPr>
@@ -13869,7 +13975,7 @@
             <p:cNvPr id="15" name="TextBox 14">
               <a:extLst>
                 <a:ext uri="{FF2B5EF4-FFF2-40B4-BE49-F238E27FC236}">
-                  <a16:creationId xmlns:a16="http://schemas.microsoft.com/office/drawing/2014/main" id="{C088A869-1375-48EB-90AF-6151E3EBDEDD}"/>
+                  <a16:creationId xmlns:a16="http://schemas.microsoft.com/office/drawing/2014/main" xmlns="" id="{C088A869-1375-48EB-90AF-6151E3EBDEDD}"/>
                 </a:ext>
               </a:extLst>
             </p:cNvPr>
@@ -13905,7 +14011,7 @@
             <p:cNvPr id="16" name="TextBox 15">
               <a:extLst>
                 <a:ext uri="{FF2B5EF4-FFF2-40B4-BE49-F238E27FC236}">
-                  <a16:creationId xmlns:a16="http://schemas.microsoft.com/office/drawing/2014/main" id="{814DF880-3529-497A-885F-6C0FE6160ECA}"/>
+                  <a16:creationId xmlns:a16="http://schemas.microsoft.com/office/drawing/2014/main" xmlns="" id="{814DF880-3529-497A-885F-6C0FE6160ECA}"/>
                 </a:ext>
               </a:extLst>
             </p:cNvPr>
@@ -13941,7 +14047,7 @@
             <p:cNvPr id="17" name="TextBox 16">
               <a:extLst>
                 <a:ext uri="{FF2B5EF4-FFF2-40B4-BE49-F238E27FC236}">
-                  <a16:creationId xmlns:a16="http://schemas.microsoft.com/office/drawing/2014/main" id="{98388024-CEB1-4E2D-AD64-E9F17F619663}"/>
+                  <a16:creationId xmlns:a16="http://schemas.microsoft.com/office/drawing/2014/main" xmlns="" id="{98388024-CEB1-4E2D-AD64-E9F17F619663}"/>
                 </a:ext>
               </a:extLst>
             </p:cNvPr>
@@ -13977,7 +14083,7 @@
             <p:cNvPr id="18" name="TextBox 17">
               <a:extLst>
                 <a:ext uri="{FF2B5EF4-FFF2-40B4-BE49-F238E27FC236}">
-                  <a16:creationId xmlns:a16="http://schemas.microsoft.com/office/drawing/2014/main" id="{B9D367BE-E2A0-45DD-9F05-F3F4B78C884E}"/>
+                  <a16:creationId xmlns:a16="http://schemas.microsoft.com/office/drawing/2014/main" xmlns="" id="{B9D367BE-E2A0-45DD-9F05-F3F4B78C884E}"/>
                 </a:ext>
               </a:extLst>
             </p:cNvPr>
@@ -14174,7 +14280,7 @@
           <p:cNvPr id="4" name="Rectangle 3">
             <a:extLst>
               <a:ext uri="{FF2B5EF4-FFF2-40B4-BE49-F238E27FC236}">
-                <a16:creationId xmlns:a16="http://schemas.microsoft.com/office/drawing/2014/main" id="{70865D4E-208B-4F1C-8B7F-1A220865E49B}"/>
+                <a16:creationId xmlns:a16="http://schemas.microsoft.com/office/drawing/2014/main" xmlns="" id="{70865D4E-208B-4F1C-8B7F-1A220865E49B}"/>
               </a:ext>
             </a:extLst>
           </p:cNvPr>
@@ -14235,6 +14341,139 @@
   <p:clrMapOvr>
     <a:masterClrMapping/>
   </p:clrMapOvr>
+  <p:timing>
+    <p:tnLst>
+      <p:par>
+        <p:cTn id="1" dur="indefinite" restart="never" nodeType="tmRoot">
+          <p:childTnLst>
+            <p:seq concurrent="1" nextAc="seek">
+              <p:cTn id="2" dur="indefinite" nodeType="mainSeq">
+                <p:childTnLst>
+                  <p:par>
+                    <p:cTn id="3" fill="hold">
+                      <p:stCondLst>
+                        <p:cond delay="indefinite"/>
+                        <p:cond evt="onBegin" delay="0">
+                          <p:tn val="2"/>
+                        </p:cond>
+                      </p:stCondLst>
+                      <p:childTnLst>
+                        <p:par>
+                          <p:cTn id="4" fill="hold">
+                            <p:stCondLst>
+                              <p:cond delay="0"/>
+                            </p:stCondLst>
+                            <p:childTnLst>
+                              <p:par>
+                                <p:cTn id="5" presetID="22" presetClass="entr" presetSubtype="1" fill="hold" nodeType="withEffect">
+                                  <p:stCondLst>
+                                    <p:cond delay="0"/>
+                                  </p:stCondLst>
+                                  <p:childTnLst>
+                                    <p:set>
+                                      <p:cBhvr>
+                                        <p:cTn id="6" dur="1" fill="hold">
+                                          <p:stCondLst>
+                                            <p:cond delay="0"/>
+                                          </p:stCondLst>
+                                        </p:cTn>
+                                        <p:tgtEl>
+                                          <p:spTgt spid="12"/>
+                                        </p:tgtEl>
+                                        <p:attrNameLst>
+                                          <p:attrName>style.visibility</p:attrName>
+                                        </p:attrNameLst>
+                                      </p:cBhvr>
+                                      <p:to>
+                                        <p:strVal val="visible"/>
+                                      </p:to>
+                                    </p:set>
+                                    <p:animEffect transition="in" filter="wipe(up)">
+                                      <p:cBhvr>
+                                        <p:cTn id="7" dur="5000"/>
+                                        <p:tgtEl>
+                                          <p:spTgt spid="12"/>
+                                        </p:tgtEl>
+                                      </p:cBhvr>
+                                    </p:animEffect>
+                                  </p:childTnLst>
+                                </p:cTn>
+                              </p:par>
+                            </p:childTnLst>
+                          </p:cTn>
+                        </p:par>
+                        <p:par>
+                          <p:cTn id="8" fill="hold">
+                            <p:stCondLst>
+                              <p:cond delay="5000"/>
+                            </p:stCondLst>
+                            <p:childTnLst>
+                              <p:par>
+                                <p:cTn id="9" presetID="10" presetClass="entr" presetSubtype="0" fill="hold" grpId="0" nodeType="afterEffect">
+                                  <p:stCondLst>
+                                    <p:cond delay="0"/>
+                                  </p:stCondLst>
+                                  <p:childTnLst>
+                                    <p:set>
+                                      <p:cBhvr>
+                                        <p:cTn id="10" dur="1" fill="hold">
+                                          <p:stCondLst>
+                                            <p:cond delay="0"/>
+                                          </p:stCondLst>
+                                        </p:cTn>
+                                        <p:tgtEl>
+                                          <p:spTgt spid="4"/>
+                                        </p:tgtEl>
+                                        <p:attrNameLst>
+                                          <p:attrName>style.visibility</p:attrName>
+                                        </p:attrNameLst>
+                                      </p:cBhvr>
+                                      <p:to>
+                                        <p:strVal val="visible"/>
+                                      </p:to>
+                                    </p:set>
+                                    <p:animEffect transition="in" filter="fade">
+                                      <p:cBhvr>
+                                        <p:cTn id="11" dur="500"/>
+                                        <p:tgtEl>
+                                          <p:spTgt spid="4"/>
+                                        </p:tgtEl>
+                                      </p:cBhvr>
+                                    </p:animEffect>
+                                  </p:childTnLst>
+                                </p:cTn>
+                              </p:par>
+                            </p:childTnLst>
+                          </p:cTn>
+                        </p:par>
+                      </p:childTnLst>
+                    </p:cTn>
+                  </p:par>
+                </p:childTnLst>
+              </p:cTn>
+              <p:prevCondLst>
+                <p:cond evt="onPrev" delay="0">
+                  <p:tgtEl>
+                    <p:sldTgt/>
+                  </p:tgtEl>
+                </p:cond>
+              </p:prevCondLst>
+              <p:nextCondLst>
+                <p:cond evt="onNext" delay="0">
+                  <p:tgtEl>
+                    <p:sldTgt/>
+                  </p:tgtEl>
+                </p:cond>
+              </p:nextCondLst>
+            </p:seq>
+          </p:childTnLst>
+        </p:cTn>
+      </p:par>
+    </p:tnLst>
+    <p:bldLst>
+      <p:bldP spid="4" grpId="0"/>
+    </p:bldLst>
+  </p:timing>
 </p:sld>
 </file>
 
@@ -14360,7 +14599,7 @@
           <p:cNvPr id="11" name="Diagram 10">
             <a:extLst>
               <a:ext uri="{FF2B5EF4-FFF2-40B4-BE49-F238E27FC236}">
-                <a16:creationId xmlns:a16="http://schemas.microsoft.com/office/drawing/2014/main" id="{1665F02D-F0B9-4958-B1A2-AADE17D0B673}"/>
+                <a16:creationId xmlns:a16="http://schemas.microsoft.com/office/drawing/2014/main" xmlns="" id="{1665F02D-F0B9-4958-B1A2-AADE17D0B673}"/>
               </a:ext>
             </a:extLst>
           </p:cNvPr>
@@ -14388,7 +14627,7 @@
           <p:cNvPr id="12" name="Arrow: Bent-Up 11">
             <a:extLst>
               <a:ext uri="{FF2B5EF4-FFF2-40B4-BE49-F238E27FC236}">
-                <a16:creationId xmlns:a16="http://schemas.microsoft.com/office/drawing/2014/main" id="{FD241AF5-23B2-445C-A2A6-F400FDFBABF3}"/>
+                <a16:creationId xmlns:a16="http://schemas.microsoft.com/office/drawing/2014/main" xmlns="" id="{FD241AF5-23B2-445C-A2A6-F400FDFBABF3}"/>
               </a:ext>
             </a:extLst>
           </p:cNvPr>
@@ -14440,7 +14679,7 @@
           <p:cNvPr id="16" name="Arrow: Bent-Up 15">
             <a:extLst>
               <a:ext uri="{FF2B5EF4-FFF2-40B4-BE49-F238E27FC236}">
-                <a16:creationId xmlns:a16="http://schemas.microsoft.com/office/drawing/2014/main" id="{4AEF0D3F-6371-46FF-A8F8-8D87C48FA25B}"/>
+                <a16:creationId xmlns:a16="http://schemas.microsoft.com/office/drawing/2014/main" xmlns="" id="{4AEF0D3F-6371-46FF-A8F8-8D87C48FA25B}"/>
               </a:ext>
             </a:extLst>
           </p:cNvPr>
@@ -14492,7 +14731,7 @@
           <p:cNvPr id="17" name="Arrow: Bent-Up 16">
             <a:extLst>
               <a:ext uri="{FF2B5EF4-FFF2-40B4-BE49-F238E27FC236}">
-                <a16:creationId xmlns:a16="http://schemas.microsoft.com/office/drawing/2014/main" id="{84049944-4F48-4A1F-8C2F-AA96BB11E820}"/>
+                <a16:creationId xmlns:a16="http://schemas.microsoft.com/office/drawing/2014/main" xmlns="" id="{84049944-4F48-4A1F-8C2F-AA96BB11E820}"/>
               </a:ext>
             </a:extLst>
           </p:cNvPr>
@@ -14544,7 +14783,7 @@
           <p:cNvPr id="18" name="Arrow: Bent-Up 17">
             <a:extLst>
               <a:ext uri="{FF2B5EF4-FFF2-40B4-BE49-F238E27FC236}">
-                <a16:creationId xmlns:a16="http://schemas.microsoft.com/office/drawing/2014/main" id="{E0532B11-C289-44E7-843C-91BA563B3904}"/>
+                <a16:creationId xmlns:a16="http://schemas.microsoft.com/office/drawing/2014/main" xmlns="" id="{E0532B11-C289-44E7-843C-91BA563B3904}"/>
               </a:ext>
             </a:extLst>
           </p:cNvPr>
@@ -14596,7 +14835,7 @@
           <p:cNvPr id="23" name="L-Shape 22">
             <a:extLst>
               <a:ext uri="{FF2B5EF4-FFF2-40B4-BE49-F238E27FC236}">
-                <a16:creationId xmlns:a16="http://schemas.microsoft.com/office/drawing/2014/main" id="{24918A8D-99EB-4617-9472-C757708B4573}"/>
+                <a16:creationId xmlns:a16="http://schemas.microsoft.com/office/drawing/2014/main" xmlns="" id="{24918A8D-99EB-4617-9472-C757708B4573}"/>
               </a:ext>
             </a:extLst>
           </p:cNvPr>
@@ -14650,7 +14889,7 @@
           <p:cNvPr id="24" name="Isosceles Triangle 23">
             <a:extLst>
               <a:ext uri="{FF2B5EF4-FFF2-40B4-BE49-F238E27FC236}">
-                <a16:creationId xmlns:a16="http://schemas.microsoft.com/office/drawing/2014/main" id="{90A470B4-555F-40C4-880B-01ACABAE06ED}"/>
+                <a16:creationId xmlns:a16="http://schemas.microsoft.com/office/drawing/2014/main" xmlns="" id="{90A470B4-555F-40C4-880B-01ACABAE06ED}"/>
               </a:ext>
             </a:extLst>
           </p:cNvPr>
@@ -14703,7 +14942,7 @@
           <p:cNvPr id="13" name="TextBox 12">
             <a:extLst>
               <a:ext uri="{FF2B5EF4-FFF2-40B4-BE49-F238E27FC236}">
-                <a16:creationId xmlns:a16="http://schemas.microsoft.com/office/drawing/2014/main" id="{7A8DA1D0-9DDE-4BF1-B3DF-F18F704265FC}"/>
+                <a16:creationId xmlns:a16="http://schemas.microsoft.com/office/drawing/2014/main" xmlns="" id="{7A8DA1D0-9DDE-4BF1-B3DF-F18F704265FC}"/>
               </a:ext>
             </a:extLst>
           </p:cNvPr>
@@ -14739,7 +14978,7 @@
           <p:cNvPr id="26" name="TextBox 25">
             <a:extLst>
               <a:ext uri="{FF2B5EF4-FFF2-40B4-BE49-F238E27FC236}">
-                <a16:creationId xmlns:a16="http://schemas.microsoft.com/office/drawing/2014/main" id="{9C06B8AB-BAFD-4A97-B2D0-42FC65D6DA04}"/>
+                <a16:creationId xmlns:a16="http://schemas.microsoft.com/office/drawing/2014/main" xmlns="" id="{9C06B8AB-BAFD-4A97-B2D0-42FC65D6DA04}"/>
               </a:ext>
             </a:extLst>
           </p:cNvPr>
@@ -14780,6 +15019,254 @@
   <p:clrMapOvr>
     <a:masterClrMapping/>
   </p:clrMapOvr>
+  <p:timing>
+    <p:tnLst>
+      <p:par>
+        <p:cTn id="1" dur="indefinite" restart="never" nodeType="tmRoot">
+          <p:childTnLst>
+            <p:seq concurrent="1" nextAc="seek">
+              <p:cTn id="2" dur="indefinite" nodeType="mainSeq">
+                <p:childTnLst>
+                  <p:par>
+                    <p:cTn id="3" fill="hold">
+                      <p:stCondLst>
+                        <p:cond delay="indefinite"/>
+                      </p:stCondLst>
+                      <p:childTnLst>
+                        <p:par>
+                          <p:cTn id="4" fill="hold">
+                            <p:stCondLst>
+                              <p:cond delay="0"/>
+                            </p:stCondLst>
+                            <p:childTnLst>
+                              <p:par>
+                                <p:cTn id="5" presetID="10" presetClass="entr" presetSubtype="0" fill="hold" grpId="0" nodeType="clickEffect">
+                                  <p:stCondLst>
+                                    <p:cond delay="0"/>
+                                  </p:stCondLst>
+                                  <p:childTnLst>
+                                    <p:set>
+                                      <p:cBhvr>
+                                        <p:cTn id="6" dur="1" fill="hold">
+                                          <p:stCondLst>
+                                            <p:cond delay="0"/>
+                                          </p:stCondLst>
+                                        </p:cTn>
+                                        <p:tgtEl>
+                                          <p:spTgt spid="12"/>
+                                        </p:tgtEl>
+                                        <p:attrNameLst>
+                                          <p:attrName>style.visibility</p:attrName>
+                                        </p:attrNameLst>
+                                      </p:cBhvr>
+                                      <p:to>
+                                        <p:strVal val="visible"/>
+                                      </p:to>
+                                    </p:set>
+                                    <p:animEffect transition="in" filter="fade">
+                                      <p:cBhvr>
+                                        <p:cTn id="7" dur="500"/>
+                                        <p:tgtEl>
+                                          <p:spTgt spid="12"/>
+                                        </p:tgtEl>
+                                      </p:cBhvr>
+                                    </p:animEffect>
+                                  </p:childTnLst>
+                                </p:cTn>
+                              </p:par>
+                            </p:childTnLst>
+                          </p:cTn>
+                        </p:par>
+                      </p:childTnLst>
+                    </p:cTn>
+                  </p:par>
+                  <p:par>
+                    <p:cTn id="8" fill="hold">
+                      <p:stCondLst>
+                        <p:cond delay="indefinite"/>
+                      </p:stCondLst>
+                      <p:childTnLst>
+                        <p:par>
+                          <p:cTn id="9" fill="hold">
+                            <p:stCondLst>
+                              <p:cond delay="0"/>
+                            </p:stCondLst>
+                            <p:childTnLst>
+                              <p:par>
+                                <p:cTn id="10" presetID="10" presetClass="entr" presetSubtype="0" fill="hold" grpId="0" nodeType="clickEffect">
+                                  <p:stCondLst>
+                                    <p:cond delay="0"/>
+                                  </p:stCondLst>
+                                  <p:childTnLst>
+                                    <p:set>
+                                      <p:cBhvr>
+                                        <p:cTn id="11" dur="1" fill="hold">
+                                          <p:stCondLst>
+                                            <p:cond delay="0"/>
+                                          </p:stCondLst>
+                                        </p:cTn>
+                                        <p:tgtEl>
+                                          <p:spTgt spid="16"/>
+                                        </p:tgtEl>
+                                        <p:attrNameLst>
+                                          <p:attrName>style.visibility</p:attrName>
+                                        </p:attrNameLst>
+                                      </p:cBhvr>
+                                      <p:to>
+                                        <p:strVal val="visible"/>
+                                      </p:to>
+                                    </p:set>
+                                    <p:animEffect transition="in" filter="fade">
+                                      <p:cBhvr>
+                                        <p:cTn id="12" dur="500"/>
+                                        <p:tgtEl>
+                                          <p:spTgt spid="16"/>
+                                        </p:tgtEl>
+                                      </p:cBhvr>
+                                    </p:animEffect>
+                                  </p:childTnLst>
+                                </p:cTn>
+                              </p:par>
+                            </p:childTnLst>
+                          </p:cTn>
+                        </p:par>
+                      </p:childTnLst>
+                    </p:cTn>
+                  </p:par>
+                  <p:par>
+                    <p:cTn id="13" fill="hold">
+                      <p:stCondLst>
+                        <p:cond delay="indefinite"/>
+                      </p:stCondLst>
+                      <p:childTnLst>
+                        <p:par>
+                          <p:cTn id="14" fill="hold">
+                            <p:stCondLst>
+                              <p:cond delay="0"/>
+                            </p:stCondLst>
+                            <p:childTnLst>
+                              <p:par>
+                                <p:cTn id="15" presetID="10" presetClass="entr" presetSubtype="0" fill="hold" grpId="0" nodeType="clickEffect">
+                                  <p:stCondLst>
+                                    <p:cond delay="0"/>
+                                  </p:stCondLst>
+                                  <p:childTnLst>
+                                    <p:set>
+                                      <p:cBhvr>
+                                        <p:cTn id="16" dur="1" fill="hold">
+                                          <p:stCondLst>
+                                            <p:cond delay="0"/>
+                                          </p:stCondLst>
+                                        </p:cTn>
+                                        <p:tgtEl>
+                                          <p:spTgt spid="17"/>
+                                        </p:tgtEl>
+                                        <p:attrNameLst>
+                                          <p:attrName>style.visibility</p:attrName>
+                                        </p:attrNameLst>
+                                      </p:cBhvr>
+                                      <p:to>
+                                        <p:strVal val="visible"/>
+                                      </p:to>
+                                    </p:set>
+                                    <p:animEffect transition="in" filter="fade">
+                                      <p:cBhvr>
+                                        <p:cTn id="17" dur="500"/>
+                                        <p:tgtEl>
+                                          <p:spTgt spid="17"/>
+                                        </p:tgtEl>
+                                      </p:cBhvr>
+                                    </p:animEffect>
+                                  </p:childTnLst>
+                                </p:cTn>
+                              </p:par>
+                            </p:childTnLst>
+                          </p:cTn>
+                        </p:par>
+                      </p:childTnLst>
+                    </p:cTn>
+                  </p:par>
+                  <p:par>
+                    <p:cTn id="18" fill="hold">
+                      <p:stCondLst>
+                        <p:cond delay="indefinite"/>
+                      </p:stCondLst>
+                      <p:childTnLst>
+                        <p:par>
+                          <p:cTn id="19" fill="hold">
+                            <p:stCondLst>
+                              <p:cond delay="0"/>
+                            </p:stCondLst>
+                            <p:childTnLst>
+                              <p:par>
+                                <p:cTn id="20" presetID="10" presetClass="entr" presetSubtype="0" fill="hold" grpId="0" nodeType="clickEffect">
+                                  <p:stCondLst>
+                                    <p:cond delay="0"/>
+                                  </p:stCondLst>
+                                  <p:childTnLst>
+                                    <p:set>
+                                      <p:cBhvr>
+                                        <p:cTn id="21" dur="1" fill="hold">
+                                          <p:stCondLst>
+                                            <p:cond delay="0"/>
+                                          </p:stCondLst>
+                                        </p:cTn>
+                                        <p:tgtEl>
+                                          <p:spTgt spid="18"/>
+                                        </p:tgtEl>
+                                        <p:attrNameLst>
+                                          <p:attrName>style.visibility</p:attrName>
+                                        </p:attrNameLst>
+                                      </p:cBhvr>
+                                      <p:to>
+                                        <p:strVal val="visible"/>
+                                      </p:to>
+                                    </p:set>
+                                    <p:animEffect transition="in" filter="fade">
+                                      <p:cBhvr>
+                                        <p:cTn id="22" dur="500"/>
+                                        <p:tgtEl>
+                                          <p:spTgt spid="18"/>
+                                        </p:tgtEl>
+                                      </p:cBhvr>
+                                    </p:animEffect>
+                                  </p:childTnLst>
+                                </p:cTn>
+                              </p:par>
+                            </p:childTnLst>
+                          </p:cTn>
+                        </p:par>
+                      </p:childTnLst>
+                    </p:cTn>
+                  </p:par>
+                </p:childTnLst>
+              </p:cTn>
+              <p:prevCondLst>
+                <p:cond evt="onPrev" delay="0">
+                  <p:tgtEl>
+                    <p:sldTgt/>
+                  </p:tgtEl>
+                </p:cond>
+              </p:prevCondLst>
+              <p:nextCondLst>
+                <p:cond evt="onNext" delay="0">
+                  <p:tgtEl>
+                    <p:sldTgt/>
+                  </p:tgtEl>
+                </p:cond>
+              </p:nextCondLst>
+            </p:seq>
+          </p:childTnLst>
+        </p:cTn>
+      </p:par>
+    </p:tnLst>
+    <p:bldLst>
+      <p:bldP spid="12" grpId="0" animBg="1"/>
+      <p:bldP spid="16" grpId="0" animBg="1"/>
+      <p:bldP spid="17" grpId="0" animBg="1"/>
+      <p:bldP spid="18" grpId="0" animBg="1"/>
+    </p:bldLst>
+  </p:timing>
 </p:sld>
 </file>
 
@@ -14909,7 +15396,7 @@
           <p:cNvPr id="11" name="Diagram 10">
             <a:extLst>
               <a:ext uri="{FF2B5EF4-FFF2-40B4-BE49-F238E27FC236}">
-                <a16:creationId xmlns:a16="http://schemas.microsoft.com/office/drawing/2014/main" id="{1665F02D-F0B9-4958-B1A2-AADE17D0B673}"/>
+                <a16:creationId xmlns:a16="http://schemas.microsoft.com/office/drawing/2014/main" xmlns="" id="{1665F02D-F0B9-4958-B1A2-AADE17D0B673}"/>
               </a:ext>
             </a:extLst>
           </p:cNvPr>
@@ -14931,7 +15418,7 @@
           <p:cNvPr id="12" name="Arrow: Bent-Up 11">
             <a:extLst>
               <a:ext uri="{FF2B5EF4-FFF2-40B4-BE49-F238E27FC236}">
-                <a16:creationId xmlns:a16="http://schemas.microsoft.com/office/drawing/2014/main" id="{FD241AF5-23B2-445C-A2A6-F400FDFBABF3}"/>
+                <a16:creationId xmlns:a16="http://schemas.microsoft.com/office/drawing/2014/main" xmlns="" id="{FD241AF5-23B2-445C-A2A6-F400FDFBABF3}"/>
               </a:ext>
             </a:extLst>
           </p:cNvPr>
@@ -14983,7 +15470,7 @@
           <p:cNvPr id="16" name="Arrow: Bent-Up 15">
             <a:extLst>
               <a:ext uri="{FF2B5EF4-FFF2-40B4-BE49-F238E27FC236}">
-                <a16:creationId xmlns:a16="http://schemas.microsoft.com/office/drawing/2014/main" id="{4AEF0D3F-6371-46FF-A8F8-8D87C48FA25B}"/>
+                <a16:creationId xmlns:a16="http://schemas.microsoft.com/office/drawing/2014/main" xmlns="" id="{4AEF0D3F-6371-46FF-A8F8-8D87C48FA25B}"/>
               </a:ext>
             </a:extLst>
           </p:cNvPr>
@@ -15035,7 +15522,7 @@
           <p:cNvPr id="17" name="Arrow: Bent-Up 16">
             <a:extLst>
               <a:ext uri="{FF2B5EF4-FFF2-40B4-BE49-F238E27FC236}">
-                <a16:creationId xmlns:a16="http://schemas.microsoft.com/office/drawing/2014/main" id="{84049944-4F48-4A1F-8C2F-AA96BB11E820}"/>
+                <a16:creationId xmlns:a16="http://schemas.microsoft.com/office/drawing/2014/main" xmlns="" id="{84049944-4F48-4A1F-8C2F-AA96BB11E820}"/>
               </a:ext>
             </a:extLst>
           </p:cNvPr>
@@ -15087,7 +15574,7 @@
           <p:cNvPr id="18" name="Arrow: Bent-Up 17">
             <a:extLst>
               <a:ext uri="{FF2B5EF4-FFF2-40B4-BE49-F238E27FC236}">
-                <a16:creationId xmlns:a16="http://schemas.microsoft.com/office/drawing/2014/main" id="{E0532B11-C289-44E7-843C-91BA563B3904}"/>
+                <a16:creationId xmlns:a16="http://schemas.microsoft.com/office/drawing/2014/main" xmlns="" id="{E0532B11-C289-44E7-843C-91BA563B3904}"/>
               </a:ext>
             </a:extLst>
           </p:cNvPr>
@@ -15139,7 +15626,7 @@
           <p:cNvPr id="19" name="Arrow: Bent-Up 18">
             <a:extLst>
               <a:ext uri="{FF2B5EF4-FFF2-40B4-BE49-F238E27FC236}">
-                <a16:creationId xmlns:a16="http://schemas.microsoft.com/office/drawing/2014/main" id="{81B86CB4-563F-4E8E-97AF-2DD049DF77CC}"/>
+                <a16:creationId xmlns:a16="http://schemas.microsoft.com/office/drawing/2014/main" xmlns="" id="{81B86CB4-563F-4E8E-97AF-2DD049DF77CC}"/>
               </a:ext>
             </a:extLst>
           </p:cNvPr>
@@ -15191,7 +15678,7 @@
           <p:cNvPr id="20" name="Arrow: Bent-Up 19">
             <a:extLst>
               <a:ext uri="{FF2B5EF4-FFF2-40B4-BE49-F238E27FC236}">
-                <a16:creationId xmlns:a16="http://schemas.microsoft.com/office/drawing/2014/main" id="{D172BEF6-3B5D-4038-9FB3-BC30990ABC26}"/>
+                <a16:creationId xmlns:a16="http://schemas.microsoft.com/office/drawing/2014/main" xmlns="" id="{D172BEF6-3B5D-4038-9FB3-BC30990ABC26}"/>
               </a:ext>
             </a:extLst>
           </p:cNvPr>
@@ -15243,7 +15730,7 @@
           <p:cNvPr id="21" name="Arrow: Bent-Up 20">
             <a:extLst>
               <a:ext uri="{FF2B5EF4-FFF2-40B4-BE49-F238E27FC236}">
-                <a16:creationId xmlns:a16="http://schemas.microsoft.com/office/drawing/2014/main" id="{B7A1E5A2-A8AB-49D8-9898-66B1E1A92E0D}"/>
+                <a16:creationId xmlns:a16="http://schemas.microsoft.com/office/drawing/2014/main" xmlns="" id="{B7A1E5A2-A8AB-49D8-9898-66B1E1A92E0D}"/>
               </a:ext>
             </a:extLst>
           </p:cNvPr>
@@ -15295,7 +15782,7 @@
           <p:cNvPr id="22" name="Arrow: Bent-Up 21">
             <a:extLst>
               <a:ext uri="{FF2B5EF4-FFF2-40B4-BE49-F238E27FC236}">
-                <a16:creationId xmlns:a16="http://schemas.microsoft.com/office/drawing/2014/main" id="{89F5CED7-7CF5-40DB-AAD0-2751B0EEFE8F}"/>
+                <a16:creationId xmlns:a16="http://schemas.microsoft.com/office/drawing/2014/main" xmlns="" id="{89F5CED7-7CF5-40DB-AAD0-2751B0EEFE8F}"/>
               </a:ext>
             </a:extLst>
           </p:cNvPr>
@@ -15347,7 +15834,7 @@
           <p:cNvPr id="23" name="L-Shape 22">
             <a:extLst>
               <a:ext uri="{FF2B5EF4-FFF2-40B4-BE49-F238E27FC236}">
-                <a16:creationId xmlns:a16="http://schemas.microsoft.com/office/drawing/2014/main" id="{24918A8D-99EB-4617-9472-C757708B4573}"/>
+                <a16:creationId xmlns:a16="http://schemas.microsoft.com/office/drawing/2014/main" xmlns="" id="{24918A8D-99EB-4617-9472-C757708B4573}"/>
               </a:ext>
             </a:extLst>
           </p:cNvPr>
@@ -15401,7 +15888,7 @@
           <p:cNvPr id="24" name="Isosceles Triangle 23">
             <a:extLst>
               <a:ext uri="{FF2B5EF4-FFF2-40B4-BE49-F238E27FC236}">
-                <a16:creationId xmlns:a16="http://schemas.microsoft.com/office/drawing/2014/main" id="{90A470B4-555F-40C4-880B-01ACABAE06ED}"/>
+                <a16:creationId xmlns:a16="http://schemas.microsoft.com/office/drawing/2014/main" xmlns="" id="{90A470B4-555F-40C4-880B-01ACABAE06ED}"/>
               </a:ext>
             </a:extLst>
           </p:cNvPr>
@@ -15454,7 +15941,7 @@
           <p:cNvPr id="13" name="TextBox 12">
             <a:extLst>
               <a:ext uri="{FF2B5EF4-FFF2-40B4-BE49-F238E27FC236}">
-                <a16:creationId xmlns:a16="http://schemas.microsoft.com/office/drawing/2014/main" id="{7A8DA1D0-9DDE-4BF1-B3DF-F18F704265FC}"/>
+                <a16:creationId xmlns:a16="http://schemas.microsoft.com/office/drawing/2014/main" xmlns="" id="{7A8DA1D0-9DDE-4BF1-B3DF-F18F704265FC}"/>
               </a:ext>
             </a:extLst>
           </p:cNvPr>
@@ -15490,7 +15977,7 @@
           <p:cNvPr id="26" name="TextBox 25">
             <a:extLst>
               <a:ext uri="{FF2B5EF4-FFF2-40B4-BE49-F238E27FC236}">
-                <a16:creationId xmlns:a16="http://schemas.microsoft.com/office/drawing/2014/main" id="{9C06B8AB-BAFD-4A97-B2D0-42FC65D6DA04}"/>
+                <a16:creationId xmlns:a16="http://schemas.microsoft.com/office/drawing/2014/main" xmlns="" id="{9C06B8AB-BAFD-4A97-B2D0-42FC65D6DA04}"/>
               </a:ext>
             </a:extLst>
           </p:cNvPr>
@@ -15531,6 +16018,470 @@
   <p:clrMapOvr>
     <a:masterClrMapping/>
   </p:clrMapOvr>
+  <p:timing>
+    <p:tnLst>
+      <p:par>
+        <p:cTn id="1" dur="indefinite" restart="never" nodeType="tmRoot">
+          <p:childTnLst>
+            <p:seq concurrent="1" nextAc="seek">
+              <p:cTn id="2" dur="indefinite" nodeType="mainSeq">
+                <p:childTnLst>
+                  <p:par>
+                    <p:cTn id="3" fill="hold">
+                      <p:stCondLst>
+                        <p:cond delay="indefinite"/>
+                      </p:stCondLst>
+                      <p:childTnLst>
+                        <p:par>
+                          <p:cTn id="4" fill="hold">
+                            <p:stCondLst>
+                              <p:cond delay="0"/>
+                            </p:stCondLst>
+                            <p:childTnLst>
+                              <p:par>
+                                <p:cTn id="5" presetID="10" presetClass="entr" presetSubtype="0" fill="hold" grpId="0" nodeType="clickEffect">
+                                  <p:stCondLst>
+                                    <p:cond delay="0"/>
+                                  </p:stCondLst>
+                                  <p:childTnLst>
+                                    <p:set>
+                                      <p:cBhvr>
+                                        <p:cTn id="6" dur="1" fill="hold">
+                                          <p:stCondLst>
+                                            <p:cond delay="0"/>
+                                          </p:stCondLst>
+                                        </p:cTn>
+                                        <p:tgtEl>
+                                          <p:spTgt spid="12"/>
+                                        </p:tgtEl>
+                                        <p:attrNameLst>
+                                          <p:attrName>style.visibility</p:attrName>
+                                        </p:attrNameLst>
+                                      </p:cBhvr>
+                                      <p:to>
+                                        <p:strVal val="visible"/>
+                                      </p:to>
+                                    </p:set>
+                                    <p:animEffect transition="in" filter="fade">
+                                      <p:cBhvr>
+                                        <p:cTn id="7" dur="500"/>
+                                        <p:tgtEl>
+                                          <p:spTgt spid="12"/>
+                                        </p:tgtEl>
+                                      </p:cBhvr>
+                                    </p:animEffect>
+                                  </p:childTnLst>
+                                </p:cTn>
+                              </p:par>
+                            </p:childTnLst>
+                          </p:cTn>
+                        </p:par>
+                      </p:childTnLst>
+                    </p:cTn>
+                  </p:par>
+                  <p:par>
+                    <p:cTn id="8" fill="hold">
+                      <p:stCondLst>
+                        <p:cond delay="indefinite"/>
+                      </p:stCondLst>
+                      <p:childTnLst>
+                        <p:par>
+                          <p:cTn id="9" fill="hold">
+                            <p:stCondLst>
+                              <p:cond delay="0"/>
+                            </p:stCondLst>
+                            <p:childTnLst>
+                              <p:par>
+                                <p:cTn id="10" presetID="10" presetClass="entr" presetSubtype="0" fill="hold" grpId="0" nodeType="clickEffect">
+                                  <p:stCondLst>
+                                    <p:cond delay="0"/>
+                                  </p:stCondLst>
+                                  <p:childTnLst>
+                                    <p:set>
+                                      <p:cBhvr>
+                                        <p:cTn id="11" dur="1" fill="hold">
+                                          <p:stCondLst>
+                                            <p:cond delay="0"/>
+                                          </p:stCondLst>
+                                        </p:cTn>
+                                        <p:tgtEl>
+                                          <p:spTgt spid="22"/>
+                                        </p:tgtEl>
+                                        <p:attrNameLst>
+                                          <p:attrName>style.visibility</p:attrName>
+                                        </p:attrNameLst>
+                                      </p:cBhvr>
+                                      <p:to>
+                                        <p:strVal val="visible"/>
+                                      </p:to>
+                                    </p:set>
+                                    <p:animEffect transition="in" filter="fade">
+                                      <p:cBhvr>
+                                        <p:cTn id="12" dur="500"/>
+                                        <p:tgtEl>
+                                          <p:spTgt spid="22"/>
+                                        </p:tgtEl>
+                                      </p:cBhvr>
+                                    </p:animEffect>
+                                  </p:childTnLst>
+                                </p:cTn>
+                              </p:par>
+                            </p:childTnLst>
+                          </p:cTn>
+                        </p:par>
+                      </p:childTnLst>
+                    </p:cTn>
+                  </p:par>
+                  <p:par>
+                    <p:cTn id="13" fill="hold">
+                      <p:stCondLst>
+                        <p:cond delay="indefinite"/>
+                      </p:stCondLst>
+                      <p:childTnLst>
+                        <p:par>
+                          <p:cTn id="14" fill="hold">
+                            <p:stCondLst>
+                              <p:cond delay="0"/>
+                            </p:stCondLst>
+                            <p:childTnLst>
+                              <p:par>
+                                <p:cTn id="15" presetID="10" presetClass="entr" presetSubtype="0" fill="hold" grpId="0" nodeType="clickEffect">
+                                  <p:stCondLst>
+                                    <p:cond delay="0"/>
+                                  </p:stCondLst>
+                                  <p:childTnLst>
+                                    <p:set>
+                                      <p:cBhvr>
+                                        <p:cTn id="16" dur="1" fill="hold">
+                                          <p:stCondLst>
+                                            <p:cond delay="0"/>
+                                          </p:stCondLst>
+                                        </p:cTn>
+                                        <p:tgtEl>
+                                          <p:spTgt spid="16"/>
+                                        </p:tgtEl>
+                                        <p:attrNameLst>
+                                          <p:attrName>style.visibility</p:attrName>
+                                        </p:attrNameLst>
+                                      </p:cBhvr>
+                                      <p:to>
+                                        <p:strVal val="visible"/>
+                                      </p:to>
+                                    </p:set>
+                                    <p:animEffect transition="in" filter="fade">
+                                      <p:cBhvr>
+                                        <p:cTn id="17" dur="500"/>
+                                        <p:tgtEl>
+                                          <p:spTgt spid="16"/>
+                                        </p:tgtEl>
+                                      </p:cBhvr>
+                                    </p:animEffect>
+                                  </p:childTnLst>
+                                </p:cTn>
+                              </p:par>
+                            </p:childTnLst>
+                          </p:cTn>
+                        </p:par>
+                      </p:childTnLst>
+                    </p:cTn>
+                  </p:par>
+                  <p:par>
+                    <p:cTn id="18" fill="hold">
+                      <p:stCondLst>
+                        <p:cond delay="indefinite"/>
+                      </p:stCondLst>
+                      <p:childTnLst>
+                        <p:par>
+                          <p:cTn id="19" fill="hold">
+                            <p:stCondLst>
+                              <p:cond delay="0"/>
+                            </p:stCondLst>
+                            <p:childTnLst>
+                              <p:par>
+                                <p:cTn id="20" presetID="10" presetClass="entr" presetSubtype="0" fill="hold" grpId="0" nodeType="clickEffect">
+                                  <p:stCondLst>
+                                    <p:cond delay="0"/>
+                                  </p:stCondLst>
+                                  <p:childTnLst>
+                                    <p:set>
+                                      <p:cBhvr>
+                                        <p:cTn id="21" dur="1" fill="hold">
+                                          <p:stCondLst>
+                                            <p:cond delay="0"/>
+                                          </p:stCondLst>
+                                        </p:cTn>
+                                        <p:tgtEl>
+                                          <p:spTgt spid="21"/>
+                                        </p:tgtEl>
+                                        <p:attrNameLst>
+                                          <p:attrName>style.visibility</p:attrName>
+                                        </p:attrNameLst>
+                                      </p:cBhvr>
+                                      <p:to>
+                                        <p:strVal val="visible"/>
+                                      </p:to>
+                                    </p:set>
+                                    <p:animEffect transition="in" filter="fade">
+                                      <p:cBhvr>
+                                        <p:cTn id="22" dur="500"/>
+                                        <p:tgtEl>
+                                          <p:spTgt spid="21"/>
+                                        </p:tgtEl>
+                                      </p:cBhvr>
+                                    </p:animEffect>
+                                  </p:childTnLst>
+                                </p:cTn>
+                              </p:par>
+                            </p:childTnLst>
+                          </p:cTn>
+                        </p:par>
+                      </p:childTnLst>
+                    </p:cTn>
+                  </p:par>
+                  <p:par>
+                    <p:cTn id="23" fill="hold">
+                      <p:stCondLst>
+                        <p:cond delay="indefinite"/>
+                      </p:stCondLst>
+                      <p:childTnLst>
+                        <p:par>
+                          <p:cTn id="24" fill="hold">
+                            <p:stCondLst>
+                              <p:cond delay="0"/>
+                            </p:stCondLst>
+                            <p:childTnLst>
+                              <p:par>
+                                <p:cTn id="25" presetID="10" presetClass="entr" presetSubtype="0" fill="hold" grpId="0" nodeType="clickEffect">
+                                  <p:stCondLst>
+                                    <p:cond delay="0"/>
+                                  </p:stCondLst>
+                                  <p:childTnLst>
+                                    <p:set>
+                                      <p:cBhvr>
+                                        <p:cTn id="26" dur="1" fill="hold">
+                                          <p:stCondLst>
+                                            <p:cond delay="0"/>
+                                          </p:stCondLst>
+                                        </p:cTn>
+                                        <p:tgtEl>
+                                          <p:spTgt spid="17"/>
+                                        </p:tgtEl>
+                                        <p:attrNameLst>
+                                          <p:attrName>style.visibility</p:attrName>
+                                        </p:attrNameLst>
+                                      </p:cBhvr>
+                                      <p:to>
+                                        <p:strVal val="visible"/>
+                                      </p:to>
+                                    </p:set>
+                                    <p:animEffect transition="in" filter="fade">
+                                      <p:cBhvr>
+                                        <p:cTn id="27" dur="500"/>
+                                        <p:tgtEl>
+                                          <p:spTgt spid="17"/>
+                                        </p:tgtEl>
+                                      </p:cBhvr>
+                                    </p:animEffect>
+                                  </p:childTnLst>
+                                </p:cTn>
+                              </p:par>
+                            </p:childTnLst>
+                          </p:cTn>
+                        </p:par>
+                      </p:childTnLst>
+                    </p:cTn>
+                  </p:par>
+                  <p:par>
+                    <p:cTn id="28" fill="hold">
+                      <p:stCondLst>
+                        <p:cond delay="indefinite"/>
+                      </p:stCondLst>
+                      <p:childTnLst>
+                        <p:par>
+                          <p:cTn id="29" fill="hold">
+                            <p:stCondLst>
+                              <p:cond delay="0"/>
+                            </p:stCondLst>
+                            <p:childTnLst>
+                              <p:par>
+                                <p:cTn id="30" presetID="10" presetClass="entr" presetSubtype="0" fill="hold" grpId="0" nodeType="clickEffect">
+                                  <p:stCondLst>
+                                    <p:cond delay="0"/>
+                                  </p:stCondLst>
+                                  <p:childTnLst>
+                                    <p:set>
+                                      <p:cBhvr>
+                                        <p:cTn id="31" dur="1" fill="hold">
+                                          <p:stCondLst>
+                                            <p:cond delay="0"/>
+                                          </p:stCondLst>
+                                        </p:cTn>
+                                        <p:tgtEl>
+                                          <p:spTgt spid="20"/>
+                                        </p:tgtEl>
+                                        <p:attrNameLst>
+                                          <p:attrName>style.visibility</p:attrName>
+                                        </p:attrNameLst>
+                                      </p:cBhvr>
+                                      <p:to>
+                                        <p:strVal val="visible"/>
+                                      </p:to>
+                                    </p:set>
+                                    <p:animEffect transition="in" filter="fade">
+                                      <p:cBhvr>
+                                        <p:cTn id="32" dur="500"/>
+                                        <p:tgtEl>
+                                          <p:spTgt spid="20"/>
+                                        </p:tgtEl>
+                                      </p:cBhvr>
+                                    </p:animEffect>
+                                  </p:childTnLst>
+                                </p:cTn>
+                              </p:par>
+                            </p:childTnLst>
+                          </p:cTn>
+                        </p:par>
+                      </p:childTnLst>
+                    </p:cTn>
+                  </p:par>
+                  <p:par>
+                    <p:cTn id="33" fill="hold">
+                      <p:stCondLst>
+                        <p:cond delay="indefinite"/>
+                      </p:stCondLst>
+                      <p:childTnLst>
+                        <p:par>
+                          <p:cTn id="34" fill="hold">
+                            <p:stCondLst>
+                              <p:cond delay="0"/>
+                            </p:stCondLst>
+                            <p:childTnLst>
+                              <p:par>
+                                <p:cTn id="35" presetID="10" presetClass="entr" presetSubtype="0" fill="hold" grpId="0" nodeType="clickEffect">
+                                  <p:stCondLst>
+                                    <p:cond delay="0"/>
+                                  </p:stCondLst>
+                                  <p:childTnLst>
+                                    <p:set>
+                                      <p:cBhvr>
+                                        <p:cTn id="36" dur="1" fill="hold">
+                                          <p:stCondLst>
+                                            <p:cond delay="0"/>
+                                          </p:stCondLst>
+                                        </p:cTn>
+                                        <p:tgtEl>
+                                          <p:spTgt spid="18"/>
+                                        </p:tgtEl>
+                                        <p:attrNameLst>
+                                          <p:attrName>style.visibility</p:attrName>
+                                        </p:attrNameLst>
+                                      </p:cBhvr>
+                                      <p:to>
+                                        <p:strVal val="visible"/>
+                                      </p:to>
+                                    </p:set>
+                                    <p:animEffect transition="in" filter="fade">
+                                      <p:cBhvr>
+                                        <p:cTn id="37" dur="500"/>
+                                        <p:tgtEl>
+                                          <p:spTgt spid="18"/>
+                                        </p:tgtEl>
+                                      </p:cBhvr>
+                                    </p:animEffect>
+                                  </p:childTnLst>
+                                </p:cTn>
+                              </p:par>
+                            </p:childTnLst>
+                          </p:cTn>
+                        </p:par>
+                      </p:childTnLst>
+                    </p:cTn>
+                  </p:par>
+                  <p:par>
+                    <p:cTn id="38" fill="hold">
+                      <p:stCondLst>
+                        <p:cond delay="indefinite"/>
+                      </p:stCondLst>
+                      <p:childTnLst>
+                        <p:par>
+                          <p:cTn id="39" fill="hold">
+                            <p:stCondLst>
+                              <p:cond delay="0"/>
+                            </p:stCondLst>
+                            <p:childTnLst>
+                              <p:par>
+                                <p:cTn id="40" presetID="10" presetClass="entr" presetSubtype="0" fill="hold" grpId="0" nodeType="clickEffect">
+                                  <p:stCondLst>
+                                    <p:cond delay="0"/>
+                                  </p:stCondLst>
+                                  <p:childTnLst>
+                                    <p:set>
+                                      <p:cBhvr>
+                                        <p:cTn id="41" dur="1" fill="hold">
+                                          <p:stCondLst>
+                                            <p:cond delay="0"/>
+                                          </p:stCondLst>
+                                        </p:cTn>
+                                        <p:tgtEl>
+                                          <p:spTgt spid="19"/>
+                                        </p:tgtEl>
+                                        <p:attrNameLst>
+                                          <p:attrName>style.visibility</p:attrName>
+                                        </p:attrNameLst>
+                                      </p:cBhvr>
+                                      <p:to>
+                                        <p:strVal val="visible"/>
+                                      </p:to>
+                                    </p:set>
+                                    <p:animEffect transition="in" filter="fade">
+                                      <p:cBhvr>
+                                        <p:cTn id="42" dur="500"/>
+                                        <p:tgtEl>
+                                          <p:spTgt spid="19"/>
+                                        </p:tgtEl>
+                                      </p:cBhvr>
+                                    </p:animEffect>
+                                  </p:childTnLst>
+                                </p:cTn>
+                              </p:par>
+                            </p:childTnLst>
+                          </p:cTn>
+                        </p:par>
+                      </p:childTnLst>
+                    </p:cTn>
+                  </p:par>
+                </p:childTnLst>
+              </p:cTn>
+              <p:prevCondLst>
+                <p:cond evt="onPrev" delay="0">
+                  <p:tgtEl>
+                    <p:sldTgt/>
+                  </p:tgtEl>
+                </p:cond>
+              </p:prevCondLst>
+              <p:nextCondLst>
+                <p:cond evt="onNext" delay="0">
+                  <p:tgtEl>
+                    <p:sldTgt/>
+                  </p:tgtEl>
+                </p:cond>
+              </p:nextCondLst>
+            </p:seq>
+          </p:childTnLst>
+        </p:cTn>
+      </p:par>
+    </p:tnLst>
+    <p:bldLst>
+      <p:bldP spid="12" grpId="0" animBg="1"/>
+      <p:bldP spid="16" grpId="0" animBg="1"/>
+      <p:bldP spid="17" grpId="0" animBg="1"/>
+      <p:bldP spid="18" grpId="0" animBg="1"/>
+      <p:bldP spid="19" grpId="0" animBg="1"/>
+      <p:bldP spid="20" grpId="0" animBg="1"/>
+      <p:bldP spid="21" grpId="0" animBg="1"/>
+      <p:bldP spid="22" grpId="0" animBg="1"/>
+    </p:bldLst>
+  </p:timing>
 </p:sld>
 </file>
 
@@ -15656,7 +16607,7 @@
           <p:cNvPr id="25" name="Google Shape;370;p43">
             <a:extLst>
               <a:ext uri="{FF2B5EF4-FFF2-40B4-BE49-F238E27FC236}">
-                <a16:creationId xmlns:a16="http://schemas.microsoft.com/office/drawing/2014/main" id="{DC92DCB4-2BC9-4F08-974F-A5F48C978E95}"/>
+                <a16:creationId xmlns:a16="http://schemas.microsoft.com/office/drawing/2014/main" xmlns="" id="{DC92DCB4-2BC9-4F08-974F-A5F48C978E95}"/>
               </a:ext>
             </a:extLst>
           </p:cNvPr>
@@ -15687,9 +16638,6 @@
           <a:lstStyle/>
           <a:p>
             <a:pPr marL="228600" lvl="0" indent="-228600">
-              <a:spcBef>
-                <a:spcPts val="0"/>
-              </a:spcBef>
               <a:buSzPts val="2800"/>
             </a:pPr>
             <a:r>
@@ -15724,9 +16672,6 @@
           </a:p>
           <a:p>
             <a:pPr marL="228600" lvl="0" indent="-228600">
-              <a:spcBef>
-                <a:spcPts val="0"/>
-              </a:spcBef>
               <a:buSzPts val="2800"/>
             </a:pPr>
             <a:r>
@@ -15748,9 +16693,6 @@
               <a:lnSpc>
                 <a:spcPct val="90000"/>
               </a:lnSpc>
-              <a:spcBef>
-                <a:spcPts val="1000"/>
-              </a:spcBef>
               <a:spcAft>
                 <a:spcPts val="0"/>
               </a:spcAft>
@@ -15779,9 +16721,6 @@
               <a:lnSpc>
                 <a:spcPct val="90000"/>
               </a:lnSpc>
-              <a:spcBef>
-                <a:spcPts val="1000"/>
-              </a:spcBef>
               <a:spcAft>
                 <a:spcPts val="0"/>
               </a:spcAft>
@@ -15817,6 +16756,283 @@
   <p:clrMapOvr>
     <a:masterClrMapping/>
   </p:clrMapOvr>
+  <p:timing>
+    <p:tnLst>
+      <p:par>
+        <p:cTn id="1" dur="indefinite" restart="never" nodeType="tmRoot">
+          <p:childTnLst>
+            <p:seq concurrent="1" nextAc="seek">
+              <p:cTn id="2" dur="indefinite" nodeType="mainSeq">
+                <p:childTnLst>
+                  <p:par>
+                    <p:cTn id="3" fill="hold">
+                      <p:stCondLst>
+                        <p:cond delay="indefinite"/>
+                      </p:stCondLst>
+                      <p:childTnLst>
+                        <p:par>
+                          <p:cTn id="4" fill="hold">
+                            <p:stCondLst>
+                              <p:cond delay="0"/>
+                            </p:stCondLst>
+                            <p:childTnLst>
+                              <p:par>
+                                <p:cTn id="5" presetID="10" presetClass="entr" presetSubtype="0" fill="hold" grpId="0" nodeType="clickEffect">
+                                  <p:stCondLst>
+                                    <p:cond delay="0"/>
+                                  </p:stCondLst>
+                                  <p:childTnLst>
+                                    <p:set>
+                                      <p:cBhvr>
+                                        <p:cTn id="6" dur="1" fill="hold">
+                                          <p:stCondLst>
+                                            <p:cond delay="0"/>
+                                          </p:stCondLst>
+                                        </p:cTn>
+                                        <p:tgtEl>
+                                          <p:spTgt spid="25">
+                                            <p:txEl>
+                                              <p:pRg st="0" end="0"/>
+                                            </p:txEl>
+                                          </p:spTgt>
+                                        </p:tgtEl>
+                                        <p:attrNameLst>
+                                          <p:attrName>style.visibility</p:attrName>
+                                        </p:attrNameLst>
+                                      </p:cBhvr>
+                                      <p:to>
+                                        <p:strVal val="visible"/>
+                                      </p:to>
+                                    </p:set>
+                                    <p:animEffect transition="in" filter="fade">
+                                      <p:cBhvr>
+                                        <p:cTn id="7" dur="500"/>
+                                        <p:tgtEl>
+                                          <p:spTgt spid="25">
+                                            <p:txEl>
+                                              <p:pRg st="0" end="0"/>
+                                            </p:txEl>
+                                          </p:spTgt>
+                                        </p:tgtEl>
+                                      </p:cBhvr>
+                                    </p:animEffect>
+                                  </p:childTnLst>
+                                </p:cTn>
+                              </p:par>
+                            </p:childTnLst>
+                          </p:cTn>
+                        </p:par>
+                      </p:childTnLst>
+                    </p:cTn>
+                  </p:par>
+                  <p:par>
+                    <p:cTn id="8" fill="hold">
+                      <p:stCondLst>
+                        <p:cond delay="indefinite"/>
+                      </p:stCondLst>
+                      <p:childTnLst>
+                        <p:par>
+                          <p:cTn id="9" fill="hold">
+                            <p:stCondLst>
+                              <p:cond delay="0"/>
+                            </p:stCondLst>
+                            <p:childTnLst>
+                              <p:par>
+                                <p:cTn id="10" presetID="10" presetClass="entr" presetSubtype="0" fill="hold" grpId="0" nodeType="clickEffect">
+                                  <p:stCondLst>
+                                    <p:cond delay="0"/>
+                                  </p:stCondLst>
+                                  <p:childTnLst>
+                                    <p:set>
+                                      <p:cBhvr>
+                                        <p:cTn id="11" dur="1" fill="hold">
+                                          <p:stCondLst>
+                                            <p:cond delay="0"/>
+                                          </p:stCondLst>
+                                        </p:cTn>
+                                        <p:tgtEl>
+                                          <p:spTgt spid="25">
+                                            <p:txEl>
+                                              <p:pRg st="1" end="1"/>
+                                            </p:txEl>
+                                          </p:spTgt>
+                                        </p:tgtEl>
+                                        <p:attrNameLst>
+                                          <p:attrName>style.visibility</p:attrName>
+                                        </p:attrNameLst>
+                                      </p:cBhvr>
+                                      <p:to>
+                                        <p:strVal val="visible"/>
+                                      </p:to>
+                                    </p:set>
+                                    <p:animEffect transition="in" filter="fade">
+                                      <p:cBhvr>
+                                        <p:cTn id="12" dur="500"/>
+                                        <p:tgtEl>
+                                          <p:spTgt spid="25">
+                                            <p:txEl>
+                                              <p:pRg st="1" end="1"/>
+                                            </p:txEl>
+                                          </p:spTgt>
+                                        </p:tgtEl>
+                                      </p:cBhvr>
+                                    </p:animEffect>
+                                  </p:childTnLst>
+                                </p:cTn>
+                              </p:par>
+                            </p:childTnLst>
+                          </p:cTn>
+                        </p:par>
+                      </p:childTnLst>
+                    </p:cTn>
+                  </p:par>
+                  <p:par>
+                    <p:cTn id="13" fill="hold">
+                      <p:stCondLst>
+                        <p:cond delay="indefinite"/>
+                      </p:stCondLst>
+                      <p:childTnLst>
+                        <p:par>
+                          <p:cTn id="14" fill="hold">
+                            <p:stCondLst>
+                              <p:cond delay="0"/>
+                            </p:stCondLst>
+                            <p:childTnLst>
+                              <p:par>
+                                <p:cTn id="15" presetID="10" presetClass="entr" presetSubtype="0" fill="hold" grpId="0" nodeType="clickEffect">
+                                  <p:stCondLst>
+                                    <p:cond delay="0"/>
+                                  </p:stCondLst>
+                                  <p:childTnLst>
+                                    <p:set>
+                                      <p:cBhvr>
+                                        <p:cTn id="16" dur="1" fill="hold">
+                                          <p:stCondLst>
+                                            <p:cond delay="0"/>
+                                          </p:stCondLst>
+                                        </p:cTn>
+                                        <p:tgtEl>
+                                          <p:spTgt spid="25">
+                                            <p:txEl>
+                                              <p:pRg st="2" end="2"/>
+                                            </p:txEl>
+                                          </p:spTgt>
+                                        </p:tgtEl>
+                                        <p:attrNameLst>
+                                          <p:attrName>style.visibility</p:attrName>
+                                        </p:attrNameLst>
+                                      </p:cBhvr>
+                                      <p:to>
+                                        <p:strVal val="visible"/>
+                                      </p:to>
+                                    </p:set>
+                                    <p:animEffect transition="in" filter="fade">
+                                      <p:cBhvr>
+                                        <p:cTn id="17" dur="500"/>
+                                        <p:tgtEl>
+                                          <p:spTgt spid="25">
+                                            <p:txEl>
+                                              <p:pRg st="2" end="2"/>
+                                            </p:txEl>
+                                          </p:spTgt>
+                                        </p:tgtEl>
+                                      </p:cBhvr>
+                                    </p:animEffect>
+                                  </p:childTnLst>
+                                </p:cTn>
+                              </p:par>
+                            </p:childTnLst>
+                          </p:cTn>
+                        </p:par>
+                      </p:childTnLst>
+                    </p:cTn>
+                  </p:par>
+                  <p:par>
+                    <p:cTn id="18" fill="hold">
+                      <p:stCondLst>
+                        <p:cond delay="indefinite"/>
+                      </p:stCondLst>
+                      <p:childTnLst>
+                        <p:par>
+                          <p:cTn id="19" fill="hold">
+                            <p:stCondLst>
+                              <p:cond delay="0"/>
+                            </p:stCondLst>
+                            <p:childTnLst>
+                              <p:par>
+                                <p:cTn id="20" presetID="10" presetClass="entr" presetSubtype="0" fill="hold" grpId="0" nodeType="clickEffect">
+                                  <p:stCondLst>
+                                    <p:cond delay="0"/>
+                                  </p:stCondLst>
+                                  <p:childTnLst>
+                                    <p:set>
+                                      <p:cBhvr>
+                                        <p:cTn id="21" dur="1" fill="hold">
+                                          <p:stCondLst>
+                                            <p:cond delay="0"/>
+                                          </p:stCondLst>
+                                        </p:cTn>
+                                        <p:tgtEl>
+                                          <p:spTgt spid="25">
+                                            <p:txEl>
+                                              <p:pRg st="3" end="3"/>
+                                            </p:txEl>
+                                          </p:spTgt>
+                                        </p:tgtEl>
+                                        <p:attrNameLst>
+                                          <p:attrName>style.visibility</p:attrName>
+                                        </p:attrNameLst>
+                                      </p:cBhvr>
+                                      <p:to>
+                                        <p:strVal val="visible"/>
+                                      </p:to>
+                                    </p:set>
+                                    <p:animEffect transition="in" filter="fade">
+                                      <p:cBhvr>
+                                        <p:cTn id="22" dur="500"/>
+                                        <p:tgtEl>
+                                          <p:spTgt spid="25">
+                                            <p:txEl>
+                                              <p:pRg st="3" end="3"/>
+                                            </p:txEl>
+                                          </p:spTgt>
+                                        </p:tgtEl>
+                                      </p:cBhvr>
+                                    </p:animEffect>
+                                  </p:childTnLst>
+                                </p:cTn>
+                              </p:par>
+                            </p:childTnLst>
+                          </p:cTn>
+                        </p:par>
+                      </p:childTnLst>
+                    </p:cTn>
+                  </p:par>
+                </p:childTnLst>
+              </p:cTn>
+              <p:prevCondLst>
+                <p:cond evt="onPrev" delay="0">
+                  <p:tgtEl>
+                    <p:sldTgt/>
+                  </p:tgtEl>
+                </p:cond>
+              </p:prevCondLst>
+              <p:nextCondLst>
+                <p:cond evt="onNext" delay="0">
+                  <p:tgtEl>
+                    <p:sldTgt/>
+                  </p:tgtEl>
+                </p:cond>
+              </p:nextCondLst>
+            </p:seq>
+          </p:childTnLst>
+        </p:cTn>
+      </p:par>
+    </p:tnLst>
+    <p:bldLst>
+      <p:bldP spid="25" grpId="0" build="p"/>
+    </p:bldLst>
+  </p:timing>
 </p:sld>
 </file>
 
@@ -15942,7 +17158,7 @@
           <p:cNvPr id="25" name="Google Shape;370;p43">
             <a:extLst>
               <a:ext uri="{FF2B5EF4-FFF2-40B4-BE49-F238E27FC236}">
-                <a16:creationId xmlns:a16="http://schemas.microsoft.com/office/drawing/2014/main" id="{DC92DCB4-2BC9-4F08-974F-A5F48C978E95}"/>
+                <a16:creationId xmlns:a16="http://schemas.microsoft.com/office/drawing/2014/main" xmlns="" id="{DC92DCB4-2BC9-4F08-974F-A5F48C978E95}"/>
               </a:ext>
             </a:extLst>
           </p:cNvPr>
@@ -15973,9 +17189,6 @@
           <a:lstStyle/>
           <a:p>
             <a:pPr marL="228600" lvl="0" indent="-228600">
-              <a:spcBef>
-                <a:spcPts val="0"/>
-              </a:spcBef>
               <a:buSzPts val="2800"/>
             </a:pPr>
             <a:r>
@@ -15993,9 +17206,6 @@
           </a:p>
           <a:p>
             <a:pPr marL="228600" lvl="0" indent="-228600">
-              <a:spcBef>
-                <a:spcPts val="0"/>
-              </a:spcBef>
               <a:buSzPts val="2800"/>
             </a:pPr>
             <a:r>
@@ -16017,9 +17227,6 @@
               <a:lnSpc>
                 <a:spcPct val="90000"/>
               </a:lnSpc>
-              <a:spcBef>
-                <a:spcPts val="1000"/>
-              </a:spcBef>
               <a:spcAft>
                 <a:spcPts val="0"/>
               </a:spcAft>
@@ -16081,9 +17288,6 @@
               <a:lnSpc>
                 <a:spcPct val="90000"/>
               </a:lnSpc>
-              <a:spcBef>
-                <a:spcPts val="1000"/>
-              </a:spcBef>
               <a:spcAft>
                 <a:spcPts val="0"/>
               </a:spcAft>
@@ -16119,6 +17323,344 @@
   <p:clrMapOvr>
     <a:masterClrMapping/>
   </p:clrMapOvr>
+  <p:timing>
+    <p:tnLst>
+      <p:par>
+        <p:cTn id="1" dur="indefinite" restart="never" nodeType="tmRoot">
+          <p:childTnLst>
+            <p:seq concurrent="1" nextAc="seek">
+              <p:cTn id="2" dur="indefinite" nodeType="mainSeq">
+                <p:childTnLst>
+                  <p:par>
+                    <p:cTn id="3" fill="hold">
+                      <p:stCondLst>
+                        <p:cond delay="indefinite"/>
+                      </p:stCondLst>
+                      <p:childTnLst>
+                        <p:par>
+                          <p:cTn id="4" fill="hold">
+                            <p:stCondLst>
+                              <p:cond delay="0"/>
+                            </p:stCondLst>
+                            <p:childTnLst>
+                              <p:par>
+                                <p:cTn id="5" presetID="10" presetClass="entr" presetSubtype="0" fill="hold" grpId="0" nodeType="clickEffect">
+                                  <p:stCondLst>
+                                    <p:cond delay="0"/>
+                                  </p:stCondLst>
+                                  <p:childTnLst>
+                                    <p:set>
+                                      <p:cBhvr>
+                                        <p:cTn id="6" dur="1" fill="hold">
+                                          <p:stCondLst>
+                                            <p:cond delay="0"/>
+                                          </p:stCondLst>
+                                        </p:cTn>
+                                        <p:tgtEl>
+                                          <p:spTgt spid="25">
+                                            <p:txEl>
+                                              <p:pRg st="0" end="0"/>
+                                            </p:txEl>
+                                          </p:spTgt>
+                                        </p:tgtEl>
+                                        <p:attrNameLst>
+                                          <p:attrName>style.visibility</p:attrName>
+                                        </p:attrNameLst>
+                                      </p:cBhvr>
+                                      <p:to>
+                                        <p:strVal val="visible"/>
+                                      </p:to>
+                                    </p:set>
+                                    <p:animEffect transition="in" filter="fade">
+                                      <p:cBhvr>
+                                        <p:cTn id="7" dur="500"/>
+                                        <p:tgtEl>
+                                          <p:spTgt spid="25">
+                                            <p:txEl>
+                                              <p:pRg st="0" end="0"/>
+                                            </p:txEl>
+                                          </p:spTgt>
+                                        </p:tgtEl>
+                                      </p:cBhvr>
+                                    </p:animEffect>
+                                  </p:childTnLst>
+                                </p:cTn>
+                              </p:par>
+                            </p:childTnLst>
+                          </p:cTn>
+                        </p:par>
+                      </p:childTnLst>
+                    </p:cTn>
+                  </p:par>
+                  <p:par>
+                    <p:cTn id="8" fill="hold">
+                      <p:stCondLst>
+                        <p:cond delay="indefinite"/>
+                      </p:stCondLst>
+                      <p:childTnLst>
+                        <p:par>
+                          <p:cTn id="9" fill="hold">
+                            <p:stCondLst>
+                              <p:cond delay="0"/>
+                            </p:stCondLst>
+                            <p:childTnLst>
+                              <p:par>
+                                <p:cTn id="10" presetID="10" presetClass="entr" presetSubtype="0" fill="hold" grpId="0" nodeType="clickEffect">
+                                  <p:stCondLst>
+                                    <p:cond delay="0"/>
+                                  </p:stCondLst>
+                                  <p:childTnLst>
+                                    <p:set>
+                                      <p:cBhvr>
+                                        <p:cTn id="11" dur="1" fill="hold">
+                                          <p:stCondLst>
+                                            <p:cond delay="0"/>
+                                          </p:stCondLst>
+                                        </p:cTn>
+                                        <p:tgtEl>
+                                          <p:spTgt spid="25">
+                                            <p:txEl>
+                                              <p:pRg st="1" end="1"/>
+                                            </p:txEl>
+                                          </p:spTgt>
+                                        </p:tgtEl>
+                                        <p:attrNameLst>
+                                          <p:attrName>style.visibility</p:attrName>
+                                        </p:attrNameLst>
+                                      </p:cBhvr>
+                                      <p:to>
+                                        <p:strVal val="visible"/>
+                                      </p:to>
+                                    </p:set>
+                                    <p:animEffect transition="in" filter="fade">
+                                      <p:cBhvr>
+                                        <p:cTn id="12" dur="500"/>
+                                        <p:tgtEl>
+                                          <p:spTgt spid="25">
+                                            <p:txEl>
+                                              <p:pRg st="1" end="1"/>
+                                            </p:txEl>
+                                          </p:spTgt>
+                                        </p:tgtEl>
+                                      </p:cBhvr>
+                                    </p:animEffect>
+                                  </p:childTnLst>
+                                </p:cTn>
+                              </p:par>
+                            </p:childTnLst>
+                          </p:cTn>
+                        </p:par>
+                      </p:childTnLst>
+                    </p:cTn>
+                  </p:par>
+                  <p:par>
+                    <p:cTn id="13" fill="hold">
+                      <p:stCondLst>
+                        <p:cond delay="indefinite"/>
+                      </p:stCondLst>
+                      <p:childTnLst>
+                        <p:par>
+                          <p:cTn id="14" fill="hold">
+                            <p:stCondLst>
+                              <p:cond delay="0"/>
+                            </p:stCondLst>
+                            <p:childTnLst>
+                              <p:par>
+                                <p:cTn id="15" presetID="10" presetClass="entr" presetSubtype="0" fill="hold" grpId="0" nodeType="clickEffect">
+                                  <p:stCondLst>
+                                    <p:cond delay="0"/>
+                                  </p:stCondLst>
+                                  <p:childTnLst>
+                                    <p:set>
+                                      <p:cBhvr>
+                                        <p:cTn id="16" dur="1" fill="hold">
+                                          <p:stCondLst>
+                                            <p:cond delay="0"/>
+                                          </p:stCondLst>
+                                        </p:cTn>
+                                        <p:tgtEl>
+                                          <p:spTgt spid="25">
+                                            <p:txEl>
+                                              <p:pRg st="2" end="2"/>
+                                            </p:txEl>
+                                          </p:spTgt>
+                                        </p:tgtEl>
+                                        <p:attrNameLst>
+                                          <p:attrName>style.visibility</p:attrName>
+                                        </p:attrNameLst>
+                                      </p:cBhvr>
+                                      <p:to>
+                                        <p:strVal val="visible"/>
+                                      </p:to>
+                                    </p:set>
+                                    <p:animEffect transition="in" filter="fade">
+                                      <p:cBhvr>
+                                        <p:cTn id="17" dur="500"/>
+                                        <p:tgtEl>
+                                          <p:spTgt spid="25">
+                                            <p:txEl>
+                                              <p:pRg st="2" end="2"/>
+                                            </p:txEl>
+                                          </p:spTgt>
+                                        </p:tgtEl>
+                                      </p:cBhvr>
+                                    </p:animEffect>
+                                  </p:childTnLst>
+                                </p:cTn>
+                              </p:par>
+                            </p:childTnLst>
+                          </p:cTn>
+                        </p:par>
+                      </p:childTnLst>
+                    </p:cTn>
+                  </p:par>
+                  <p:par>
+                    <p:cTn id="18" fill="hold">
+                      <p:stCondLst>
+                        <p:cond delay="indefinite"/>
+                      </p:stCondLst>
+                      <p:childTnLst>
+                        <p:par>
+                          <p:cTn id="19" fill="hold">
+                            <p:stCondLst>
+                              <p:cond delay="0"/>
+                            </p:stCondLst>
+                            <p:childTnLst>
+                              <p:par>
+                                <p:cTn id="20" presetID="10" presetClass="entr" presetSubtype="0" fill="hold" grpId="0" nodeType="clickEffect">
+                                  <p:stCondLst>
+                                    <p:cond delay="0"/>
+                                  </p:stCondLst>
+                                  <p:childTnLst>
+                                    <p:set>
+                                      <p:cBhvr>
+                                        <p:cTn id="21" dur="1" fill="hold">
+                                          <p:stCondLst>
+                                            <p:cond delay="0"/>
+                                          </p:stCondLst>
+                                        </p:cTn>
+                                        <p:tgtEl>
+                                          <p:spTgt spid="25">
+                                            <p:txEl>
+                                              <p:pRg st="3" end="3"/>
+                                            </p:txEl>
+                                          </p:spTgt>
+                                        </p:tgtEl>
+                                        <p:attrNameLst>
+                                          <p:attrName>style.visibility</p:attrName>
+                                        </p:attrNameLst>
+                                      </p:cBhvr>
+                                      <p:to>
+                                        <p:strVal val="visible"/>
+                                      </p:to>
+                                    </p:set>
+                                    <p:animEffect transition="in" filter="fade">
+                                      <p:cBhvr>
+                                        <p:cTn id="22" dur="500"/>
+                                        <p:tgtEl>
+                                          <p:spTgt spid="25">
+                                            <p:txEl>
+                                              <p:pRg st="3" end="3"/>
+                                            </p:txEl>
+                                          </p:spTgt>
+                                        </p:tgtEl>
+                                      </p:cBhvr>
+                                    </p:animEffect>
+                                  </p:childTnLst>
+                                </p:cTn>
+                              </p:par>
+                            </p:childTnLst>
+                          </p:cTn>
+                        </p:par>
+                      </p:childTnLst>
+                    </p:cTn>
+                  </p:par>
+                  <p:par>
+                    <p:cTn id="23" fill="hold">
+                      <p:stCondLst>
+                        <p:cond delay="indefinite"/>
+                      </p:stCondLst>
+                      <p:childTnLst>
+                        <p:par>
+                          <p:cTn id="24" fill="hold">
+                            <p:stCondLst>
+                              <p:cond delay="0"/>
+                            </p:stCondLst>
+                            <p:childTnLst>
+                              <p:par>
+                                <p:cTn id="25" presetID="10" presetClass="entr" presetSubtype="0" fill="hold" grpId="0" nodeType="clickEffect">
+                                  <p:stCondLst>
+                                    <p:cond delay="0"/>
+                                  </p:stCondLst>
+                                  <p:childTnLst>
+                                    <p:set>
+                                      <p:cBhvr>
+                                        <p:cTn id="26" dur="1" fill="hold">
+                                          <p:stCondLst>
+                                            <p:cond delay="0"/>
+                                          </p:stCondLst>
+                                        </p:cTn>
+                                        <p:tgtEl>
+                                          <p:spTgt spid="25">
+                                            <p:txEl>
+                                              <p:pRg st="4" end="4"/>
+                                            </p:txEl>
+                                          </p:spTgt>
+                                        </p:tgtEl>
+                                        <p:attrNameLst>
+                                          <p:attrName>style.visibility</p:attrName>
+                                        </p:attrNameLst>
+                                      </p:cBhvr>
+                                      <p:to>
+                                        <p:strVal val="visible"/>
+                                      </p:to>
+                                    </p:set>
+                                    <p:animEffect transition="in" filter="fade">
+                                      <p:cBhvr>
+                                        <p:cTn id="27" dur="500"/>
+                                        <p:tgtEl>
+                                          <p:spTgt spid="25">
+                                            <p:txEl>
+                                              <p:pRg st="4" end="4"/>
+                                            </p:txEl>
+                                          </p:spTgt>
+                                        </p:tgtEl>
+                                      </p:cBhvr>
+                                    </p:animEffect>
+                                  </p:childTnLst>
+                                </p:cTn>
+                              </p:par>
+                            </p:childTnLst>
+                          </p:cTn>
+                        </p:par>
+                      </p:childTnLst>
+                    </p:cTn>
+                  </p:par>
+                </p:childTnLst>
+              </p:cTn>
+              <p:prevCondLst>
+                <p:cond evt="onPrev" delay="0">
+                  <p:tgtEl>
+                    <p:sldTgt/>
+                  </p:tgtEl>
+                </p:cond>
+              </p:prevCondLst>
+              <p:nextCondLst>
+                <p:cond evt="onNext" delay="0">
+                  <p:tgtEl>
+                    <p:sldTgt/>
+                  </p:tgtEl>
+                </p:cond>
+              </p:nextCondLst>
+            </p:seq>
+          </p:childTnLst>
+        </p:cTn>
+      </p:par>
+    </p:tnLst>
+    <p:bldLst>
+      <p:bldP spid="25" grpId="0" build="p"/>
+    </p:bldLst>
+  </p:timing>
 </p:sld>
 </file>
 
@@ -16205,8 +17747,8 @@
         </p:nvSpPr>
         <p:spPr>
           <a:xfrm>
-            <a:off x="2466976" y="1447221"/>
-            <a:ext cx="8989374" cy="3724275"/>
+            <a:off x="2879834" y="1447221"/>
+            <a:ext cx="8576516" cy="3724275"/>
           </a:xfrm>
           <a:prstGeom prst="rect">
             <a:avLst/>
@@ -16223,9 +17765,6 @@
           <a:lstStyle/>
           <a:p>
             <a:pPr marL="228600" lvl="0" indent="-228600">
-              <a:spcBef>
-                <a:spcPts val="0"/>
-              </a:spcBef>
               <a:buSzPts val="2800"/>
             </a:pPr>
             <a:r>
@@ -16235,9 +17774,6 @@
           </a:p>
           <a:p>
             <a:pPr marL="228600" lvl="0" indent="-228600">
-              <a:spcBef>
-                <a:spcPts val="0"/>
-              </a:spcBef>
               <a:buSzPts val="2800"/>
             </a:pPr>
             <a:r>
@@ -16255,9 +17791,6 @@
           </a:p>
           <a:p>
             <a:pPr marL="228600" lvl="0" indent="-228600">
-              <a:spcBef>
-                <a:spcPts val="0"/>
-              </a:spcBef>
               <a:buSzPts val="2800"/>
             </a:pPr>
             <a:r>
@@ -16267,9 +17800,6 @@
           </a:p>
           <a:p>
             <a:pPr marL="228600" indent="-228600">
-              <a:spcBef>
-                <a:spcPts val="0"/>
-              </a:spcBef>
               <a:buSzPts val="2800"/>
             </a:pPr>
             <a:r>
@@ -16296,27 +17826,18 @@
           </a:p>
           <a:p>
             <a:pPr marL="228600" lvl="0" indent="-228600">
-              <a:spcBef>
-                <a:spcPts val="0"/>
-              </a:spcBef>
               <a:buSzPts val="2800"/>
             </a:pPr>
             <a:endParaRPr lang="lt-LT" dirty="0"/>
           </a:p>
           <a:p>
             <a:pPr marL="228600" lvl="0" indent="-228600">
-              <a:spcBef>
-                <a:spcPts val="0"/>
-              </a:spcBef>
               <a:buSzPts val="2800"/>
             </a:pPr>
             <a:endParaRPr lang="lt-LT" dirty="0"/>
           </a:p>
           <a:p>
             <a:pPr marL="228600" lvl="0" indent="-228600">
-              <a:spcBef>
-                <a:spcPts val="0"/>
-              </a:spcBef>
               <a:buSzPts val="2800"/>
             </a:pPr>
             <a:endParaRPr dirty="0"/>
@@ -16369,11 +17890,318 @@
           </a:p>
         </p:txBody>
       </p:sp>
+      <p:pic>
+        <p:nvPicPr>
+          <p:cNvPr id="6" name="Picture 5"/>
+          <p:cNvPicPr>
+            <a:picLocks noChangeAspect="1"/>
+          </p:cNvPicPr>
+          <p:nvPr/>
+        </p:nvPicPr>
+        <p:blipFill>
+          <a:blip r:embed="rId3">
+            <a:extLst>
+              <a:ext uri="{28A0092B-C50C-407E-A947-70E740481C1C}">
+                <a14:useLocalDpi xmlns:a14="http://schemas.microsoft.com/office/drawing/2010/main" val="0"/>
+              </a:ext>
+            </a:extLst>
+          </a:blip>
+          <a:stretch>
+            <a:fillRect/>
+          </a:stretch>
+        </p:blipFill>
+        <p:spPr>
+          <a:xfrm>
+            <a:off x="318608" y="2465362"/>
+            <a:ext cx="2348391" cy="2348391"/>
+          </a:xfrm>
+          <a:prstGeom prst="rect">
+            <a:avLst/>
+          </a:prstGeom>
+        </p:spPr>
+      </p:pic>
     </p:spTree>
   </p:cSld>
   <p:clrMapOvr>
     <a:masterClrMapping/>
   </p:clrMapOvr>
+  <p:timing>
+    <p:tnLst>
+      <p:par>
+        <p:cTn id="1" dur="indefinite" restart="never" nodeType="tmRoot">
+          <p:childTnLst>
+            <p:seq concurrent="1" nextAc="seek">
+              <p:cTn id="2" dur="indefinite" nodeType="mainSeq">
+                <p:childTnLst>
+                  <p:par>
+                    <p:cTn id="3" fill="hold">
+                      <p:stCondLst>
+                        <p:cond delay="indefinite"/>
+                      </p:stCondLst>
+                      <p:childTnLst>
+                        <p:par>
+                          <p:cTn id="4" fill="hold">
+                            <p:stCondLst>
+                              <p:cond delay="0"/>
+                            </p:stCondLst>
+                            <p:childTnLst>
+                              <p:par>
+                                <p:cTn id="5" presetID="10" presetClass="entr" presetSubtype="0" fill="hold" grpId="0" nodeType="clickEffect">
+                                  <p:stCondLst>
+                                    <p:cond delay="0"/>
+                                  </p:stCondLst>
+                                  <p:childTnLst>
+                                    <p:set>
+                                      <p:cBhvr>
+                                        <p:cTn id="6" dur="1" fill="hold">
+                                          <p:stCondLst>
+                                            <p:cond delay="0"/>
+                                          </p:stCondLst>
+                                        </p:cTn>
+                                        <p:tgtEl>
+                                          <p:spTgt spid="370">
+                                            <p:txEl>
+                                              <p:pRg st="0" end="0"/>
+                                            </p:txEl>
+                                          </p:spTgt>
+                                        </p:tgtEl>
+                                        <p:attrNameLst>
+                                          <p:attrName>style.visibility</p:attrName>
+                                        </p:attrNameLst>
+                                      </p:cBhvr>
+                                      <p:to>
+                                        <p:strVal val="visible"/>
+                                      </p:to>
+                                    </p:set>
+                                    <p:animEffect transition="in" filter="fade">
+                                      <p:cBhvr>
+                                        <p:cTn id="7" dur="500"/>
+                                        <p:tgtEl>
+                                          <p:spTgt spid="370">
+                                            <p:txEl>
+                                              <p:pRg st="0" end="0"/>
+                                            </p:txEl>
+                                          </p:spTgt>
+                                        </p:tgtEl>
+                                      </p:cBhvr>
+                                    </p:animEffect>
+                                  </p:childTnLst>
+                                </p:cTn>
+                              </p:par>
+                            </p:childTnLst>
+                          </p:cTn>
+                        </p:par>
+                      </p:childTnLst>
+                    </p:cTn>
+                  </p:par>
+                  <p:par>
+                    <p:cTn id="8" fill="hold">
+                      <p:stCondLst>
+                        <p:cond delay="indefinite"/>
+                      </p:stCondLst>
+                      <p:childTnLst>
+                        <p:par>
+                          <p:cTn id="9" fill="hold">
+                            <p:stCondLst>
+                              <p:cond delay="0"/>
+                            </p:stCondLst>
+                            <p:childTnLst>
+                              <p:par>
+                                <p:cTn id="10" presetID="10" presetClass="entr" presetSubtype="0" fill="hold" grpId="0" nodeType="clickEffect">
+                                  <p:stCondLst>
+                                    <p:cond delay="0"/>
+                                  </p:stCondLst>
+                                  <p:childTnLst>
+                                    <p:set>
+                                      <p:cBhvr>
+                                        <p:cTn id="11" dur="1" fill="hold">
+                                          <p:stCondLst>
+                                            <p:cond delay="0"/>
+                                          </p:stCondLst>
+                                        </p:cTn>
+                                        <p:tgtEl>
+                                          <p:spTgt spid="370">
+                                            <p:txEl>
+                                              <p:pRg st="1" end="1"/>
+                                            </p:txEl>
+                                          </p:spTgt>
+                                        </p:tgtEl>
+                                        <p:attrNameLst>
+                                          <p:attrName>style.visibility</p:attrName>
+                                        </p:attrNameLst>
+                                      </p:cBhvr>
+                                      <p:to>
+                                        <p:strVal val="visible"/>
+                                      </p:to>
+                                    </p:set>
+                                    <p:animEffect transition="in" filter="fade">
+                                      <p:cBhvr>
+                                        <p:cTn id="12" dur="500"/>
+                                        <p:tgtEl>
+                                          <p:spTgt spid="370">
+                                            <p:txEl>
+                                              <p:pRg st="1" end="1"/>
+                                            </p:txEl>
+                                          </p:spTgt>
+                                        </p:tgtEl>
+                                      </p:cBhvr>
+                                    </p:animEffect>
+                                  </p:childTnLst>
+                                </p:cTn>
+                              </p:par>
+                            </p:childTnLst>
+                          </p:cTn>
+                        </p:par>
+                      </p:childTnLst>
+                    </p:cTn>
+                  </p:par>
+                  <p:par>
+                    <p:cTn id="13" fill="hold">
+                      <p:stCondLst>
+                        <p:cond delay="indefinite"/>
+                      </p:stCondLst>
+                      <p:childTnLst>
+                        <p:par>
+                          <p:cTn id="14" fill="hold">
+                            <p:stCondLst>
+                              <p:cond delay="0"/>
+                            </p:stCondLst>
+                            <p:childTnLst>
+                              <p:par>
+                                <p:cTn id="15" presetID="10" presetClass="entr" presetSubtype="0" fill="hold" grpId="0" nodeType="clickEffect">
+                                  <p:stCondLst>
+                                    <p:cond delay="0"/>
+                                  </p:stCondLst>
+                                  <p:childTnLst>
+                                    <p:set>
+                                      <p:cBhvr>
+                                        <p:cTn id="16" dur="1" fill="hold">
+                                          <p:stCondLst>
+                                            <p:cond delay="0"/>
+                                          </p:stCondLst>
+                                        </p:cTn>
+                                        <p:tgtEl>
+                                          <p:spTgt spid="370">
+                                            <p:txEl>
+                                              <p:pRg st="2" end="2"/>
+                                            </p:txEl>
+                                          </p:spTgt>
+                                        </p:tgtEl>
+                                        <p:attrNameLst>
+                                          <p:attrName>style.visibility</p:attrName>
+                                        </p:attrNameLst>
+                                      </p:cBhvr>
+                                      <p:to>
+                                        <p:strVal val="visible"/>
+                                      </p:to>
+                                    </p:set>
+                                    <p:animEffect transition="in" filter="fade">
+                                      <p:cBhvr>
+                                        <p:cTn id="17" dur="500"/>
+                                        <p:tgtEl>
+                                          <p:spTgt spid="370">
+                                            <p:txEl>
+                                              <p:pRg st="2" end="2"/>
+                                            </p:txEl>
+                                          </p:spTgt>
+                                        </p:tgtEl>
+                                      </p:cBhvr>
+                                    </p:animEffect>
+                                  </p:childTnLst>
+                                </p:cTn>
+                              </p:par>
+                            </p:childTnLst>
+                          </p:cTn>
+                        </p:par>
+                      </p:childTnLst>
+                    </p:cTn>
+                  </p:par>
+                  <p:par>
+                    <p:cTn id="18" fill="hold">
+                      <p:stCondLst>
+                        <p:cond delay="indefinite"/>
+                      </p:stCondLst>
+                      <p:childTnLst>
+                        <p:par>
+                          <p:cTn id="19" fill="hold">
+                            <p:stCondLst>
+                              <p:cond delay="0"/>
+                            </p:stCondLst>
+                            <p:childTnLst>
+                              <p:par>
+                                <p:cTn id="20" presetID="10" presetClass="entr" presetSubtype="0" fill="hold" grpId="0" nodeType="clickEffect">
+                                  <p:stCondLst>
+                                    <p:cond delay="0"/>
+                                  </p:stCondLst>
+                                  <p:childTnLst>
+                                    <p:set>
+                                      <p:cBhvr>
+                                        <p:cTn id="21" dur="1" fill="hold">
+                                          <p:stCondLst>
+                                            <p:cond delay="0"/>
+                                          </p:stCondLst>
+                                        </p:cTn>
+                                        <p:tgtEl>
+                                          <p:spTgt spid="370">
+                                            <p:txEl>
+                                              <p:pRg st="3" end="3"/>
+                                            </p:txEl>
+                                          </p:spTgt>
+                                        </p:tgtEl>
+                                        <p:attrNameLst>
+                                          <p:attrName>style.visibility</p:attrName>
+                                        </p:attrNameLst>
+                                      </p:cBhvr>
+                                      <p:to>
+                                        <p:strVal val="visible"/>
+                                      </p:to>
+                                    </p:set>
+                                    <p:animEffect transition="in" filter="fade">
+                                      <p:cBhvr>
+                                        <p:cTn id="22" dur="500"/>
+                                        <p:tgtEl>
+                                          <p:spTgt spid="370">
+                                            <p:txEl>
+                                              <p:pRg st="3" end="3"/>
+                                            </p:txEl>
+                                          </p:spTgt>
+                                        </p:tgtEl>
+                                      </p:cBhvr>
+                                    </p:animEffect>
+                                  </p:childTnLst>
+                                </p:cTn>
+                              </p:par>
+                            </p:childTnLst>
+                          </p:cTn>
+                        </p:par>
+                      </p:childTnLst>
+                    </p:cTn>
+                  </p:par>
+                </p:childTnLst>
+              </p:cTn>
+              <p:prevCondLst>
+                <p:cond evt="onPrev" delay="0">
+                  <p:tgtEl>
+                    <p:sldTgt/>
+                  </p:tgtEl>
+                </p:cond>
+              </p:prevCondLst>
+              <p:nextCondLst>
+                <p:cond evt="onNext" delay="0">
+                  <p:tgtEl>
+                    <p:sldTgt/>
+                  </p:tgtEl>
+                </p:cond>
+              </p:nextCondLst>
+            </p:seq>
+          </p:childTnLst>
+        </p:cTn>
+      </p:par>
+    </p:tnLst>
+    <p:bldLst>
+      <p:bldP spid="370" grpId="0" build="p"/>
+    </p:bldLst>
+  </p:timing>
 </p:sld>
 </file>
 
@@ -16488,7 +18316,7 @@
               <a:buSzPts val="3600"/>
               <a:buNone/>
             </a:pPr>
-            <a:endParaRPr sz="3600" b="1"/>
+            <a:endParaRPr sz="3600" b="1" dirty="0"/>
           </a:p>
           <a:p>
             <a:pPr marL="0" lvl="0" indent="0" algn="ctr" rtl="0">
@@ -16508,10 +18336,38 @@
               <a:buNone/>
             </a:pPr>
             <a:r>
-              <a:rPr lang="lt-LT" sz="3600" b="1"/>
-              <a:t>Thank for your attention!</a:t>
+              <a:rPr lang="lt-LT" sz="3600" b="1" dirty="0" err="1"/>
+              <a:t>Thank</a:t>
             </a:r>
-            <a:endParaRPr sz="3600" b="1"/>
+            <a:r>
+              <a:rPr lang="lt-LT" sz="3600" b="1" dirty="0"/>
+              <a:t> </a:t>
+            </a:r>
+            <a:r>
+              <a:rPr lang="lt-LT" sz="3600" b="1" dirty="0" err="1"/>
+              <a:t>for</a:t>
+            </a:r>
+            <a:r>
+              <a:rPr lang="lt-LT" sz="3600" b="1" dirty="0"/>
+              <a:t> </a:t>
+            </a:r>
+            <a:r>
+              <a:rPr lang="lt-LT" sz="3600" b="1" dirty="0" err="1"/>
+              <a:t>your</a:t>
+            </a:r>
+            <a:r>
+              <a:rPr lang="lt-LT" sz="3600" b="1" dirty="0"/>
+              <a:t> </a:t>
+            </a:r>
+            <a:r>
+              <a:rPr lang="lt-LT" sz="3600" b="1" dirty="0" err="1"/>
+              <a:t>attention</a:t>
+            </a:r>
+            <a:r>
+              <a:rPr lang="lt-LT" sz="3600" b="1" dirty="0"/>
+              <a:t>!</a:t>
+            </a:r>
+            <a:endParaRPr sz="3600" b="1" dirty="0"/>
           </a:p>
           <a:p>
             <a:pPr marL="0" lvl="0" indent="0" algn="ctr" rtl="0">
@@ -16530,7 +18386,7 @@
               <a:buSzPts val="3600"/>
               <a:buNone/>
             </a:pPr>
-            <a:endParaRPr sz="3600" b="1"/>
+            <a:endParaRPr sz="3600" b="1" dirty="0"/>
           </a:p>
         </p:txBody>
       </p:sp>
@@ -16539,6 +18395,103 @@
   <p:clrMapOvr>
     <a:masterClrMapping/>
   </p:clrMapOvr>
+  <p:timing>
+    <p:tnLst>
+      <p:par>
+        <p:cTn id="1" dur="indefinite" restart="never" nodeType="tmRoot">
+          <p:childTnLst>
+            <p:seq concurrent="1" nextAc="seek">
+              <p:cTn id="2" dur="indefinite" nodeType="mainSeq">
+                <p:childTnLst>
+                  <p:par>
+                    <p:cTn id="3" fill="hold">
+                      <p:stCondLst>
+                        <p:cond delay="indefinite"/>
+                        <p:cond evt="onBegin" delay="0">
+                          <p:tn val="2"/>
+                        </p:cond>
+                      </p:stCondLst>
+                      <p:childTnLst>
+                        <p:par>
+                          <p:cTn id="4" fill="hold">
+                            <p:stCondLst>
+                              <p:cond delay="0"/>
+                            </p:stCondLst>
+                            <p:childTnLst>
+                              <p:par>
+                                <p:cTn id="5" presetID="10" presetClass="entr" presetSubtype="0" fill="hold" grpId="0" nodeType="withEffect">
+                                  <p:stCondLst>
+                                    <p:cond delay="0"/>
+                                  </p:stCondLst>
+                                  <p:childTnLst>
+                                    <p:set>
+                                      <p:cBhvr>
+                                        <p:cTn id="6" dur="1" fill="hold">
+                                          <p:stCondLst>
+                                            <p:cond delay="0"/>
+                                          </p:stCondLst>
+                                        </p:cTn>
+                                        <p:tgtEl>
+                                          <p:spTgt spid="384">
+                                            <p:txEl>
+                                              <p:pRg st="1" end="1"/>
+                                            </p:txEl>
+                                          </p:spTgt>
+                                        </p:tgtEl>
+                                        <p:attrNameLst>
+                                          <p:attrName>style.visibility</p:attrName>
+                                        </p:attrNameLst>
+                                      </p:cBhvr>
+                                      <p:to>
+                                        <p:strVal val="visible"/>
+                                      </p:to>
+                                    </p:set>
+                                    <p:animEffect transition="in" filter="fade">
+                                      <p:cBhvr>
+                                        <p:cTn id="7" dur="500"/>
+                                        <p:tgtEl>
+                                          <p:spTgt spid="384">
+                                            <p:txEl>
+                                              <p:pRg st="1" end="1"/>
+                                            </p:txEl>
+                                          </p:spTgt>
+                                        </p:tgtEl>
+                                      </p:cBhvr>
+                                    </p:animEffect>
+                                  </p:childTnLst>
+                                </p:cTn>
+                              </p:par>
+                            </p:childTnLst>
+                          </p:cTn>
+                        </p:par>
+                      </p:childTnLst>
+                    </p:cTn>
+                  </p:par>
+                </p:childTnLst>
+              </p:cTn>
+              <p:prevCondLst>
+                <p:cond evt="onPrev" delay="0">
+                  <p:tgtEl>
+                    <p:sldTgt/>
+                  </p:tgtEl>
+                </p:cond>
+              </p:prevCondLst>
+              <p:nextCondLst>
+                <p:cond evt="onNext" delay="0">
+                  <p:tgtEl>
+                    <p:sldTgt/>
+                  </p:tgtEl>
+                </p:cond>
+              </p:nextCondLst>
+            </p:seq>
+          </p:childTnLst>
+        </p:cTn>
+      </p:par>
+    </p:tnLst>
+    <p:bldLst>
+      <p:bldP spid="384" grpId="0" build="p"/>
+    </p:bldLst>
+  </p:timing>
 </p:sld>
 </file>
 

--- a/Modules/Software engineering (P175B015)/Video/Waterfall.pptx
+++ b/Modules/Software engineering (P175B015)/Video/Waterfall.pptx
@@ -2640,770 +2640,6 @@
       <dsp:cNvGrpSpPr/>
     </dsp:nvGrpSpPr>
     <dsp:grpSpPr/>
-    <dsp:sp modelId="{8FA16E64-89F1-4AFE-BDF7-C0100DA46968}">
-      <dsp:nvSpPr>
-        <dsp:cNvPr id="0" name=""/>
-        <dsp:cNvSpPr/>
-      </dsp:nvSpPr>
-      <dsp:spPr>
-        <a:xfrm rot="5400000">
-          <a:off x="343160" y="2978362"/>
-          <a:ext cx="1033011" cy="1718908"/>
-        </a:xfrm>
-        <a:prstGeom prst="corner">
-          <a:avLst>
-            <a:gd name="adj1" fmla="val 16120"/>
-            <a:gd name="adj2" fmla="val 16110"/>
-          </a:avLst>
-        </a:prstGeom>
-        <a:solidFill>
-          <a:schemeClr val="accent1">
-            <a:hueOff val="0"/>
-            <a:satOff val="0"/>
-            <a:lumOff val="0"/>
-            <a:alphaOff val="0"/>
-          </a:schemeClr>
-        </a:solidFill>
-        <a:ln w="25400" cap="flat" cmpd="sng" algn="ctr">
-          <a:solidFill>
-            <a:schemeClr val="accent1">
-              <a:hueOff val="0"/>
-              <a:satOff val="0"/>
-              <a:lumOff val="0"/>
-              <a:alphaOff val="0"/>
-            </a:schemeClr>
-          </a:solidFill>
-          <a:prstDash val="solid"/>
-        </a:ln>
-        <a:effectLst/>
-      </dsp:spPr>
-      <dsp:style>
-        <a:lnRef idx="2">
-          <a:scrgbClr r="0" g="0" b="0"/>
-        </a:lnRef>
-        <a:fillRef idx="1">
-          <a:scrgbClr r="0" g="0" b="0"/>
-        </a:fillRef>
-        <a:effectRef idx="0">
-          <a:scrgbClr r="0" g="0" b="0"/>
-        </a:effectRef>
-        <a:fontRef idx="minor">
-          <a:schemeClr val="lt1"/>
-        </a:fontRef>
-      </dsp:style>
-    </dsp:sp>
-    <dsp:sp modelId="{E4F6E4DC-C09F-4DC8-9CF9-7F6C66EC4000}">
-      <dsp:nvSpPr>
-        <dsp:cNvPr id="0" name=""/>
-        <dsp:cNvSpPr/>
-      </dsp:nvSpPr>
-      <dsp:spPr>
-        <a:xfrm>
-          <a:off x="170725" y="3491945"/>
-          <a:ext cx="1551840" cy="1360278"/>
-        </a:xfrm>
-        <a:prstGeom prst="rect">
-          <a:avLst/>
-        </a:prstGeom>
-        <a:noFill/>
-        <a:ln>
-          <a:noFill/>
-        </a:ln>
-        <a:effectLst/>
-      </dsp:spPr>
-      <dsp:style>
-        <a:lnRef idx="0">
-          <a:scrgbClr r="0" g="0" b="0"/>
-        </a:lnRef>
-        <a:fillRef idx="0">
-          <a:scrgbClr r="0" g="0" b="0"/>
-        </a:fillRef>
-        <a:effectRef idx="0">
-          <a:scrgbClr r="0" g="0" b="0"/>
-        </a:effectRef>
-        <a:fontRef idx="minor"/>
-      </dsp:style>
-      <dsp:txBody>
-        <a:bodyPr spcFirstLastPara="0" vert="horz" wrap="square" lIns="60960" tIns="60960" rIns="60960" bIns="60960" numCol="1" spcCol="1270" anchor="t" anchorCtr="0">
-          <a:noAutofit/>
-        </a:bodyPr>
-        <a:lstStyle/>
-        <a:p>
-          <a:pPr lvl="0" algn="l" defTabSz="711200">
-            <a:lnSpc>
-              <a:spcPct val="90000"/>
-            </a:lnSpc>
-            <a:spcBef>
-              <a:spcPct val="0"/>
-            </a:spcBef>
-            <a:spcAft>
-              <a:spcPct val="35000"/>
-            </a:spcAft>
-          </a:pPr>
-          <a:r>
-            <a:rPr lang="lt-LT" sz="1600" kern="1200" dirty="0"/>
-            <a:t>Maintenance</a:t>
-          </a:r>
-          <a:endParaRPr lang="en-US" sz="1600" kern="1200" dirty="0"/>
-        </a:p>
-      </dsp:txBody>
-      <dsp:txXfrm>
-        <a:off x="170725" y="3491945"/>
-        <a:ext cx="1551840" cy="1360278"/>
-      </dsp:txXfrm>
-    </dsp:sp>
-    <dsp:sp modelId="{69616DFE-4697-480A-ADEB-006724904149}">
-      <dsp:nvSpPr>
-        <dsp:cNvPr id="0" name=""/>
-        <dsp:cNvSpPr/>
-      </dsp:nvSpPr>
-      <dsp:spPr>
-        <a:xfrm>
-          <a:off x="1429765" y="2851814"/>
-          <a:ext cx="292800" cy="292800"/>
-        </a:xfrm>
-        <a:prstGeom prst="triangle">
-          <a:avLst>
-            <a:gd name="adj" fmla="val 100000"/>
-          </a:avLst>
-        </a:prstGeom>
-        <a:solidFill>
-          <a:schemeClr val="accent1">
-            <a:hueOff val="0"/>
-            <a:satOff val="0"/>
-            <a:lumOff val="0"/>
-            <a:alphaOff val="0"/>
-          </a:schemeClr>
-        </a:solidFill>
-        <a:ln w="25400" cap="flat" cmpd="sng" algn="ctr">
-          <a:solidFill>
-            <a:schemeClr val="accent1">
-              <a:hueOff val="0"/>
-              <a:satOff val="0"/>
-              <a:lumOff val="0"/>
-              <a:alphaOff val="0"/>
-            </a:schemeClr>
-          </a:solidFill>
-          <a:prstDash val="solid"/>
-        </a:ln>
-        <a:effectLst/>
-      </dsp:spPr>
-      <dsp:style>
-        <a:lnRef idx="2">
-          <a:scrgbClr r="0" g="0" b="0"/>
-        </a:lnRef>
-        <a:fillRef idx="1">
-          <a:scrgbClr r="0" g="0" b="0"/>
-        </a:fillRef>
-        <a:effectRef idx="0">
-          <a:scrgbClr r="0" g="0" b="0"/>
-        </a:effectRef>
-        <a:fontRef idx="minor">
-          <a:schemeClr val="lt1"/>
-        </a:fontRef>
-      </dsp:style>
-    </dsp:sp>
-    <dsp:sp modelId="{634F338A-7CD2-496B-A10E-D1093363E0E4}">
-      <dsp:nvSpPr>
-        <dsp:cNvPr id="0" name=""/>
-        <dsp:cNvSpPr/>
-      </dsp:nvSpPr>
-      <dsp:spPr>
-        <a:xfrm rot="5400000">
-          <a:off x="2242916" y="2508265"/>
-          <a:ext cx="1033011" cy="1718908"/>
-        </a:xfrm>
-        <a:prstGeom prst="corner">
-          <a:avLst>
-            <a:gd name="adj1" fmla="val 16120"/>
-            <a:gd name="adj2" fmla="val 16110"/>
-          </a:avLst>
-        </a:prstGeom>
-        <a:solidFill>
-          <a:schemeClr val="accent1">
-            <a:hueOff val="0"/>
-            <a:satOff val="0"/>
-            <a:lumOff val="0"/>
-            <a:alphaOff val="0"/>
-          </a:schemeClr>
-        </a:solidFill>
-        <a:ln w="25400" cap="flat" cmpd="sng" algn="ctr">
-          <a:solidFill>
-            <a:schemeClr val="accent1">
-              <a:hueOff val="0"/>
-              <a:satOff val="0"/>
-              <a:lumOff val="0"/>
-              <a:alphaOff val="0"/>
-            </a:schemeClr>
-          </a:solidFill>
-          <a:prstDash val="solid"/>
-        </a:ln>
-        <a:effectLst/>
-      </dsp:spPr>
-      <dsp:style>
-        <a:lnRef idx="2">
-          <a:scrgbClr r="0" g="0" b="0"/>
-        </a:lnRef>
-        <a:fillRef idx="1">
-          <a:scrgbClr r="0" g="0" b="0"/>
-        </a:fillRef>
-        <a:effectRef idx="0">
-          <a:scrgbClr r="0" g="0" b="0"/>
-        </a:effectRef>
-        <a:fontRef idx="minor">
-          <a:schemeClr val="lt1"/>
-        </a:fontRef>
-      </dsp:style>
-    </dsp:sp>
-    <dsp:sp modelId="{55E179FC-D1E9-437B-99A3-AD15EE17BF8F}">
-      <dsp:nvSpPr>
-        <dsp:cNvPr id="0" name=""/>
-        <dsp:cNvSpPr/>
-      </dsp:nvSpPr>
-      <dsp:spPr>
-        <a:xfrm>
-          <a:off x="2070480" y="3021848"/>
-          <a:ext cx="1551840" cy="1360278"/>
-        </a:xfrm>
-        <a:prstGeom prst="rect">
-          <a:avLst/>
-        </a:prstGeom>
-        <a:noFill/>
-        <a:ln>
-          <a:noFill/>
-        </a:ln>
-        <a:effectLst/>
-      </dsp:spPr>
-      <dsp:style>
-        <a:lnRef idx="0">
-          <a:scrgbClr r="0" g="0" b="0"/>
-        </a:lnRef>
-        <a:fillRef idx="0">
-          <a:scrgbClr r="0" g="0" b="0"/>
-        </a:fillRef>
-        <a:effectRef idx="0">
-          <a:scrgbClr r="0" g="0" b="0"/>
-        </a:effectRef>
-        <a:fontRef idx="minor"/>
-      </dsp:style>
-      <dsp:txBody>
-        <a:bodyPr spcFirstLastPara="0" vert="horz" wrap="square" lIns="60960" tIns="60960" rIns="60960" bIns="60960" numCol="1" spcCol="1270" anchor="t" anchorCtr="0">
-          <a:noAutofit/>
-        </a:bodyPr>
-        <a:lstStyle/>
-        <a:p>
-          <a:pPr lvl="0" algn="l" defTabSz="711200">
-            <a:lnSpc>
-              <a:spcPct val="90000"/>
-            </a:lnSpc>
-            <a:spcBef>
-              <a:spcPct val="0"/>
-            </a:spcBef>
-            <a:spcAft>
-              <a:spcPct val="35000"/>
-            </a:spcAft>
-          </a:pPr>
-          <a:r>
-            <a:rPr lang="lt-LT" sz="1600" kern="1200" dirty="0"/>
-            <a:t>Verification</a:t>
-          </a:r>
-          <a:endParaRPr lang="en-US" sz="1600" kern="1200" dirty="0"/>
-        </a:p>
-      </dsp:txBody>
-      <dsp:txXfrm>
-        <a:off x="2070480" y="3021848"/>
-        <a:ext cx="1551840" cy="1360278"/>
-      </dsp:txXfrm>
-    </dsp:sp>
-    <dsp:sp modelId="{C6C02A0C-E5AC-4550-A35B-83572995622F}">
-      <dsp:nvSpPr>
-        <dsp:cNvPr id="0" name=""/>
-        <dsp:cNvSpPr/>
-      </dsp:nvSpPr>
-      <dsp:spPr>
-        <a:xfrm>
-          <a:off x="3329521" y="2381717"/>
-          <a:ext cx="292800" cy="292800"/>
-        </a:xfrm>
-        <a:prstGeom prst="triangle">
-          <a:avLst>
-            <a:gd name="adj" fmla="val 100000"/>
-          </a:avLst>
-        </a:prstGeom>
-        <a:solidFill>
-          <a:schemeClr val="accent1">
-            <a:hueOff val="0"/>
-            <a:satOff val="0"/>
-            <a:lumOff val="0"/>
-            <a:alphaOff val="0"/>
-          </a:schemeClr>
-        </a:solidFill>
-        <a:ln w="25400" cap="flat" cmpd="sng" algn="ctr">
-          <a:solidFill>
-            <a:schemeClr val="accent1">
-              <a:hueOff val="0"/>
-              <a:satOff val="0"/>
-              <a:lumOff val="0"/>
-              <a:alphaOff val="0"/>
-            </a:schemeClr>
-          </a:solidFill>
-          <a:prstDash val="solid"/>
-        </a:ln>
-        <a:effectLst/>
-      </dsp:spPr>
-      <dsp:style>
-        <a:lnRef idx="2">
-          <a:scrgbClr r="0" g="0" b="0"/>
-        </a:lnRef>
-        <a:fillRef idx="1">
-          <a:scrgbClr r="0" g="0" b="0"/>
-        </a:fillRef>
-        <a:effectRef idx="0">
-          <a:scrgbClr r="0" g="0" b="0"/>
-        </a:effectRef>
-        <a:fontRef idx="minor">
-          <a:schemeClr val="lt1"/>
-        </a:fontRef>
-      </dsp:style>
-    </dsp:sp>
-    <dsp:sp modelId="{979AD54B-A7B5-4FD7-A448-3F42CBF6AE7C}">
-      <dsp:nvSpPr>
-        <dsp:cNvPr id="0" name=""/>
-        <dsp:cNvSpPr/>
-      </dsp:nvSpPr>
-      <dsp:spPr>
-        <a:xfrm rot="5400000">
-          <a:off x="4142671" y="2038169"/>
-          <a:ext cx="1033011" cy="1718908"/>
-        </a:xfrm>
-        <a:prstGeom prst="corner">
-          <a:avLst>
-            <a:gd name="adj1" fmla="val 16120"/>
-            <a:gd name="adj2" fmla="val 16110"/>
-          </a:avLst>
-        </a:prstGeom>
-        <a:solidFill>
-          <a:schemeClr val="accent1">
-            <a:hueOff val="0"/>
-            <a:satOff val="0"/>
-            <a:lumOff val="0"/>
-            <a:alphaOff val="0"/>
-          </a:schemeClr>
-        </a:solidFill>
-        <a:ln w="25400" cap="flat" cmpd="sng" algn="ctr">
-          <a:solidFill>
-            <a:schemeClr val="accent1">
-              <a:hueOff val="0"/>
-              <a:satOff val="0"/>
-              <a:lumOff val="0"/>
-              <a:alphaOff val="0"/>
-            </a:schemeClr>
-          </a:solidFill>
-          <a:prstDash val="solid"/>
-        </a:ln>
-        <a:effectLst/>
-      </dsp:spPr>
-      <dsp:style>
-        <a:lnRef idx="2">
-          <a:scrgbClr r="0" g="0" b="0"/>
-        </a:lnRef>
-        <a:fillRef idx="1">
-          <a:scrgbClr r="0" g="0" b="0"/>
-        </a:fillRef>
-        <a:effectRef idx="0">
-          <a:scrgbClr r="0" g="0" b="0"/>
-        </a:effectRef>
-        <a:fontRef idx="minor">
-          <a:schemeClr val="lt1"/>
-        </a:fontRef>
-      </dsp:style>
-    </dsp:sp>
-    <dsp:sp modelId="{04FAE965-D6F6-4981-BCC7-31FF53A955FD}">
-      <dsp:nvSpPr>
-        <dsp:cNvPr id="0" name=""/>
-        <dsp:cNvSpPr/>
-      </dsp:nvSpPr>
-      <dsp:spPr>
-        <a:xfrm>
-          <a:off x="3970236" y="2551752"/>
-          <a:ext cx="1551840" cy="1360278"/>
-        </a:xfrm>
-        <a:prstGeom prst="rect">
-          <a:avLst/>
-        </a:prstGeom>
-        <a:noFill/>
-        <a:ln>
-          <a:noFill/>
-        </a:ln>
-        <a:effectLst/>
-      </dsp:spPr>
-      <dsp:style>
-        <a:lnRef idx="0">
-          <a:scrgbClr r="0" g="0" b="0"/>
-        </a:lnRef>
-        <a:fillRef idx="0">
-          <a:scrgbClr r="0" g="0" b="0"/>
-        </a:fillRef>
-        <a:effectRef idx="0">
-          <a:scrgbClr r="0" g="0" b="0"/>
-        </a:effectRef>
-        <a:fontRef idx="minor"/>
-      </dsp:style>
-      <dsp:txBody>
-        <a:bodyPr spcFirstLastPara="0" vert="horz" wrap="square" lIns="60960" tIns="60960" rIns="60960" bIns="60960" numCol="1" spcCol="1270" anchor="t" anchorCtr="0">
-          <a:noAutofit/>
-        </a:bodyPr>
-        <a:lstStyle/>
-        <a:p>
-          <a:pPr lvl="0" algn="l" defTabSz="711200">
-            <a:lnSpc>
-              <a:spcPct val="90000"/>
-            </a:lnSpc>
-            <a:spcBef>
-              <a:spcPct val="0"/>
-            </a:spcBef>
-            <a:spcAft>
-              <a:spcPct val="35000"/>
-            </a:spcAft>
-          </a:pPr>
-          <a:r>
-            <a:rPr lang="lt-LT" sz="1600" kern="1200" dirty="0"/>
-            <a:t>Implementation</a:t>
-          </a:r>
-          <a:endParaRPr lang="en-US" sz="1600" kern="1200" dirty="0"/>
-        </a:p>
-      </dsp:txBody>
-      <dsp:txXfrm>
-        <a:off x="3970236" y="2551752"/>
-        <a:ext cx="1551840" cy="1360278"/>
-      </dsp:txXfrm>
-    </dsp:sp>
-    <dsp:sp modelId="{C250917D-9CD6-48D0-95F9-58E2314B4D7A}">
-      <dsp:nvSpPr>
-        <dsp:cNvPr id="0" name=""/>
-        <dsp:cNvSpPr/>
-      </dsp:nvSpPr>
-      <dsp:spPr>
-        <a:xfrm>
-          <a:off x="5229276" y="1911621"/>
-          <a:ext cx="292800" cy="292800"/>
-        </a:xfrm>
-        <a:prstGeom prst="triangle">
-          <a:avLst>
-            <a:gd name="adj" fmla="val 100000"/>
-          </a:avLst>
-        </a:prstGeom>
-        <a:solidFill>
-          <a:schemeClr val="accent1">
-            <a:hueOff val="0"/>
-            <a:satOff val="0"/>
-            <a:lumOff val="0"/>
-            <a:alphaOff val="0"/>
-          </a:schemeClr>
-        </a:solidFill>
-        <a:ln w="25400" cap="flat" cmpd="sng" algn="ctr">
-          <a:solidFill>
-            <a:schemeClr val="accent1">
-              <a:hueOff val="0"/>
-              <a:satOff val="0"/>
-              <a:lumOff val="0"/>
-              <a:alphaOff val="0"/>
-            </a:schemeClr>
-          </a:solidFill>
-          <a:prstDash val="solid"/>
-        </a:ln>
-        <a:effectLst/>
-      </dsp:spPr>
-      <dsp:style>
-        <a:lnRef idx="2">
-          <a:scrgbClr r="0" g="0" b="0"/>
-        </a:lnRef>
-        <a:fillRef idx="1">
-          <a:scrgbClr r="0" g="0" b="0"/>
-        </a:fillRef>
-        <a:effectRef idx="0">
-          <a:scrgbClr r="0" g="0" b="0"/>
-        </a:effectRef>
-        <a:fontRef idx="minor">
-          <a:schemeClr val="lt1"/>
-        </a:fontRef>
-      </dsp:style>
-    </dsp:sp>
-    <dsp:sp modelId="{3C87185A-8320-4816-BF22-0152EF7D86E2}">
-      <dsp:nvSpPr>
-        <dsp:cNvPr id="0" name=""/>
-        <dsp:cNvSpPr/>
-      </dsp:nvSpPr>
-      <dsp:spPr>
-        <a:xfrm rot="5400000">
-          <a:off x="6042427" y="1568072"/>
-          <a:ext cx="1033011" cy="1718908"/>
-        </a:xfrm>
-        <a:prstGeom prst="corner">
-          <a:avLst>
-            <a:gd name="adj1" fmla="val 16120"/>
-            <a:gd name="adj2" fmla="val 16110"/>
-          </a:avLst>
-        </a:prstGeom>
-        <a:solidFill>
-          <a:schemeClr val="accent1">
-            <a:hueOff val="0"/>
-            <a:satOff val="0"/>
-            <a:lumOff val="0"/>
-            <a:alphaOff val="0"/>
-          </a:schemeClr>
-        </a:solidFill>
-        <a:ln w="25400" cap="flat" cmpd="sng" algn="ctr">
-          <a:solidFill>
-            <a:schemeClr val="accent1">
-              <a:hueOff val="0"/>
-              <a:satOff val="0"/>
-              <a:lumOff val="0"/>
-              <a:alphaOff val="0"/>
-            </a:schemeClr>
-          </a:solidFill>
-          <a:prstDash val="solid"/>
-        </a:ln>
-        <a:effectLst/>
-      </dsp:spPr>
-      <dsp:style>
-        <a:lnRef idx="2">
-          <a:scrgbClr r="0" g="0" b="0"/>
-        </a:lnRef>
-        <a:fillRef idx="1">
-          <a:scrgbClr r="0" g="0" b="0"/>
-        </a:fillRef>
-        <a:effectRef idx="0">
-          <a:scrgbClr r="0" g="0" b="0"/>
-        </a:effectRef>
-        <a:fontRef idx="minor">
-          <a:schemeClr val="lt1"/>
-        </a:fontRef>
-      </dsp:style>
-    </dsp:sp>
-    <dsp:sp modelId="{00C07322-5AC2-4EB8-BFD0-4B01E2F0BB09}">
-      <dsp:nvSpPr>
-        <dsp:cNvPr id="0" name=""/>
-        <dsp:cNvSpPr/>
-      </dsp:nvSpPr>
-      <dsp:spPr>
-        <a:xfrm>
-          <a:off x="5869991" y="2081656"/>
-          <a:ext cx="1551840" cy="1360278"/>
-        </a:xfrm>
-        <a:prstGeom prst="rect">
-          <a:avLst/>
-        </a:prstGeom>
-        <a:noFill/>
-        <a:ln>
-          <a:noFill/>
-        </a:ln>
-        <a:effectLst/>
-      </dsp:spPr>
-      <dsp:style>
-        <a:lnRef idx="0">
-          <a:scrgbClr r="0" g="0" b="0"/>
-        </a:lnRef>
-        <a:fillRef idx="0">
-          <a:scrgbClr r="0" g="0" b="0"/>
-        </a:fillRef>
-        <a:effectRef idx="0">
-          <a:scrgbClr r="0" g="0" b="0"/>
-        </a:effectRef>
-        <a:fontRef idx="minor"/>
-      </dsp:style>
-      <dsp:txBody>
-        <a:bodyPr spcFirstLastPara="0" vert="horz" wrap="square" lIns="60960" tIns="60960" rIns="60960" bIns="60960" numCol="1" spcCol="1270" anchor="t" anchorCtr="0">
-          <a:noAutofit/>
-        </a:bodyPr>
-        <a:lstStyle/>
-        <a:p>
-          <a:pPr lvl="0" algn="l" defTabSz="711200">
-            <a:lnSpc>
-              <a:spcPct val="90000"/>
-            </a:lnSpc>
-            <a:spcBef>
-              <a:spcPct val="0"/>
-            </a:spcBef>
-            <a:spcAft>
-              <a:spcPct val="35000"/>
-            </a:spcAft>
-          </a:pPr>
-          <a:r>
-            <a:rPr lang="lt-LT" sz="1600" kern="1200" dirty="0"/>
-            <a:t>Design</a:t>
-          </a:r>
-          <a:endParaRPr lang="en-US" sz="1600" kern="1200" dirty="0"/>
-        </a:p>
-      </dsp:txBody>
-      <dsp:txXfrm>
-        <a:off x="5869991" y="2081656"/>
-        <a:ext cx="1551840" cy="1360278"/>
-      </dsp:txXfrm>
-    </dsp:sp>
-    <dsp:sp modelId="{C4349A5C-530E-4842-99E5-7DB3C0818A1E}">
-      <dsp:nvSpPr>
-        <dsp:cNvPr id="0" name=""/>
-        <dsp:cNvSpPr/>
-      </dsp:nvSpPr>
-      <dsp:spPr>
-        <a:xfrm>
-          <a:off x="7129032" y="1441524"/>
-          <a:ext cx="292800" cy="292800"/>
-        </a:xfrm>
-        <a:prstGeom prst="triangle">
-          <a:avLst>
-            <a:gd name="adj" fmla="val 100000"/>
-          </a:avLst>
-        </a:prstGeom>
-        <a:solidFill>
-          <a:schemeClr val="accent1">
-            <a:hueOff val="0"/>
-            <a:satOff val="0"/>
-            <a:lumOff val="0"/>
-            <a:alphaOff val="0"/>
-          </a:schemeClr>
-        </a:solidFill>
-        <a:ln w="25400" cap="flat" cmpd="sng" algn="ctr">
-          <a:solidFill>
-            <a:schemeClr val="accent1">
-              <a:hueOff val="0"/>
-              <a:satOff val="0"/>
-              <a:lumOff val="0"/>
-              <a:alphaOff val="0"/>
-            </a:schemeClr>
-          </a:solidFill>
-          <a:prstDash val="solid"/>
-        </a:ln>
-        <a:effectLst/>
-      </dsp:spPr>
-      <dsp:style>
-        <a:lnRef idx="2">
-          <a:scrgbClr r="0" g="0" b="0"/>
-        </a:lnRef>
-        <a:fillRef idx="1">
-          <a:scrgbClr r="0" g="0" b="0"/>
-        </a:fillRef>
-        <a:effectRef idx="0">
-          <a:scrgbClr r="0" g="0" b="0"/>
-        </a:effectRef>
-        <a:fontRef idx="minor">
-          <a:schemeClr val="lt1"/>
-        </a:fontRef>
-      </dsp:style>
-    </dsp:sp>
-    <dsp:sp modelId="{8BAA9727-2A35-4DE7-BF18-7CDEC0B09C6B}">
-      <dsp:nvSpPr>
-        <dsp:cNvPr id="0" name=""/>
-        <dsp:cNvSpPr/>
-      </dsp:nvSpPr>
-      <dsp:spPr>
-        <a:xfrm rot="5400000">
-          <a:off x="7942182" y="1097976"/>
-          <a:ext cx="1033011" cy="1718908"/>
-        </a:xfrm>
-        <a:prstGeom prst="corner">
-          <a:avLst>
-            <a:gd name="adj1" fmla="val 16120"/>
-            <a:gd name="adj2" fmla="val 16110"/>
-          </a:avLst>
-        </a:prstGeom>
-        <a:solidFill>
-          <a:schemeClr val="accent1">
-            <a:hueOff val="0"/>
-            <a:satOff val="0"/>
-            <a:lumOff val="0"/>
-            <a:alphaOff val="0"/>
-          </a:schemeClr>
-        </a:solidFill>
-        <a:ln w="25400" cap="flat" cmpd="sng" algn="ctr">
-          <a:solidFill>
-            <a:schemeClr val="accent1">
-              <a:hueOff val="0"/>
-              <a:satOff val="0"/>
-              <a:lumOff val="0"/>
-              <a:alphaOff val="0"/>
-            </a:schemeClr>
-          </a:solidFill>
-          <a:prstDash val="solid"/>
-        </a:ln>
-        <a:effectLst/>
-      </dsp:spPr>
-      <dsp:style>
-        <a:lnRef idx="2">
-          <a:scrgbClr r="0" g="0" b="0"/>
-        </a:lnRef>
-        <a:fillRef idx="1">
-          <a:scrgbClr r="0" g="0" b="0"/>
-        </a:fillRef>
-        <a:effectRef idx="0">
-          <a:scrgbClr r="0" g="0" b="0"/>
-        </a:effectRef>
-        <a:fontRef idx="minor">
-          <a:schemeClr val="lt1"/>
-        </a:fontRef>
-      </dsp:style>
-    </dsp:sp>
-    <dsp:sp modelId="{3A9ED688-A313-4C83-AC05-488766732BA0}">
-      <dsp:nvSpPr>
-        <dsp:cNvPr id="0" name=""/>
-        <dsp:cNvSpPr/>
-      </dsp:nvSpPr>
-      <dsp:spPr>
-        <a:xfrm>
-          <a:off x="7769747" y="1611559"/>
-          <a:ext cx="1551840" cy="1360278"/>
-        </a:xfrm>
-        <a:prstGeom prst="rect">
-          <a:avLst/>
-        </a:prstGeom>
-        <a:noFill/>
-        <a:ln>
-          <a:noFill/>
-        </a:ln>
-        <a:effectLst/>
-      </dsp:spPr>
-      <dsp:style>
-        <a:lnRef idx="0">
-          <a:scrgbClr r="0" g="0" b="0"/>
-        </a:lnRef>
-        <a:fillRef idx="0">
-          <a:scrgbClr r="0" g="0" b="0"/>
-        </a:fillRef>
-        <a:effectRef idx="0">
-          <a:scrgbClr r="0" g="0" b="0"/>
-        </a:effectRef>
-        <a:fontRef idx="minor"/>
-      </dsp:style>
-      <dsp:txBody>
-        <a:bodyPr spcFirstLastPara="0" vert="horz" wrap="square" lIns="60960" tIns="60960" rIns="60960" bIns="60960" numCol="1" spcCol="1270" anchor="t" anchorCtr="0">
-          <a:noAutofit/>
-        </a:bodyPr>
-        <a:lstStyle/>
-        <a:p>
-          <a:pPr lvl="0" algn="l" defTabSz="711200">
-            <a:lnSpc>
-              <a:spcPct val="90000"/>
-            </a:lnSpc>
-            <a:spcBef>
-              <a:spcPct val="0"/>
-            </a:spcBef>
-            <a:spcAft>
-              <a:spcPct val="35000"/>
-            </a:spcAft>
-          </a:pPr>
-          <a:r>
-            <a:rPr lang="lt-LT" sz="1600" kern="1200" dirty="0"/>
-            <a:t>Requirements</a:t>
-          </a:r>
-          <a:endParaRPr lang="en-US" sz="1600" kern="1200" dirty="0"/>
-        </a:p>
-      </dsp:txBody>
-      <dsp:txXfrm>
-        <a:off x="7769747" y="1611559"/>
-        <a:ext cx="1551840" cy="1360278"/>
-      </dsp:txXfrm>
-    </dsp:sp>
   </dsp:spTree>
 </dsp:drawing>
 </file>
@@ -3416,770 +2652,6 @@
       <dsp:cNvGrpSpPr/>
     </dsp:nvGrpSpPr>
     <dsp:grpSpPr/>
-    <dsp:sp modelId="{8FA16E64-89F1-4AFE-BDF7-C0100DA46968}">
-      <dsp:nvSpPr>
-        <dsp:cNvPr id="0" name=""/>
-        <dsp:cNvSpPr/>
-      </dsp:nvSpPr>
-      <dsp:spPr>
-        <a:xfrm rot="5400000">
-          <a:off x="347176" y="2863817"/>
-          <a:ext cx="1032050" cy="1717309"/>
-        </a:xfrm>
-        <a:prstGeom prst="corner">
-          <a:avLst>
-            <a:gd name="adj1" fmla="val 16120"/>
-            <a:gd name="adj2" fmla="val 16110"/>
-          </a:avLst>
-        </a:prstGeom>
-        <a:solidFill>
-          <a:schemeClr val="accent1">
-            <a:hueOff val="0"/>
-            <a:satOff val="0"/>
-            <a:lumOff val="0"/>
-            <a:alphaOff val="0"/>
-          </a:schemeClr>
-        </a:solidFill>
-        <a:ln w="25400" cap="flat" cmpd="sng" algn="ctr">
-          <a:solidFill>
-            <a:schemeClr val="accent1">
-              <a:hueOff val="0"/>
-              <a:satOff val="0"/>
-              <a:lumOff val="0"/>
-              <a:alphaOff val="0"/>
-            </a:schemeClr>
-          </a:solidFill>
-          <a:prstDash val="solid"/>
-        </a:ln>
-        <a:effectLst/>
-      </dsp:spPr>
-      <dsp:style>
-        <a:lnRef idx="2">
-          <a:scrgbClr r="0" g="0" b="0"/>
-        </a:lnRef>
-        <a:fillRef idx="1">
-          <a:scrgbClr r="0" g="0" b="0"/>
-        </a:fillRef>
-        <a:effectRef idx="0">
-          <a:scrgbClr r="0" g="0" b="0"/>
-        </a:effectRef>
-        <a:fontRef idx="minor">
-          <a:schemeClr val="lt1"/>
-        </a:fontRef>
-      </dsp:style>
-    </dsp:sp>
-    <dsp:sp modelId="{E4F6E4DC-C09F-4DC8-9CF9-7F6C66EC4000}">
-      <dsp:nvSpPr>
-        <dsp:cNvPr id="0" name=""/>
-        <dsp:cNvSpPr/>
-      </dsp:nvSpPr>
-      <dsp:spPr>
-        <a:xfrm>
-          <a:off x="174901" y="3376923"/>
-          <a:ext cx="1550396" cy="1359013"/>
-        </a:xfrm>
-        <a:prstGeom prst="rect">
-          <a:avLst/>
-        </a:prstGeom>
-        <a:noFill/>
-        <a:ln>
-          <a:noFill/>
-        </a:ln>
-        <a:effectLst/>
-      </dsp:spPr>
-      <dsp:style>
-        <a:lnRef idx="0">
-          <a:scrgbClr r="0" g="0" b="0"/>
-        </a:lnRef>
-        <a:fillRef idx="0">
-          <a:scrgbClr r="0" g="0" b="0"/>
-        </a:fillRef>
-        <a:effectRef idx="0">
-          <a:scrgbClr r="0" g="0" b="0"/>
-        </a:effectRef>
-        <a:fontRef idx="minor"/>
-      </dsp:style>
-      <dsp:txBody>
-        <a:bodyPr spcFirstLastPara="0" vert="horz" wrap="square" lIns="60960" tIns="60960" rIns="60960" bIns="60960" numCol="1" spcCol="1270" anchor="t" anchorCtr="0">
-          <a:noAutofit/>
-        </a:bodyPr>
-        <a:lstStyle/>
-        <a:p>
-          <a:pPr lvl="0" algn="l" defTabSz="711200">
-            <a:lnSpc>
-              <a:spcPct val="90000"/>
-            </a:lnSpc>
-            <a:spcBef>
-              <a:spcPct val="0"/>
-            </a:spcBef>
-            <a:spcAft>
-              <a:spcPct val="35000"/>
-            </a:spcAft>
-          </a:pPr>
-          <a:r>
-            <a:rPr lang="lt-LT" sz="1600" kern="1200" dirty="0"/>
-            <a:t>Maintenance</a:t>
-          </a:r>
-          <a:endParaRPr lang="en-US" sz="1600" kern="1200" dirty="0"/>
-        </a:p>
-      </dsp:txBody>
-      <dsp:txXfrm>
-        <a:off x="174901" y="3376923"/>
-        <a:ext cx="1550396" cy="1359013"/>
-      </dsp:txXfrm>
-    </dsp:sp>
-    <dsp:sp modelId="{69616DFE-4697-480A-ADEB-006724904149}">
-      <dsp:nvSpPr>
-        <dsp:cNvPr id="0" name=""/>
-        <dsp:cNvSpPr/>
-      </dsp:nvSpPr>
-      <dsp:spPr>
-        <a:xfrm>
-          <a:off x="1432771" y="2737387"/>
-          <a:ext cx="292527" cy="292527"/>
-        </a:xfrm>
-        <a:prstGeom prst="triangle">
-          <a:avLst>
-            <a:gd name="adj" fmla="val 100000"/>
-          </a:avLst>
-        </a:prstGeom>
-        <a:solidFill>
-          <a:schemeClr val="accent1">
-            <a:hueOff val="0"/>
-            <a:satOff val="0"/>
-            <a:lumOff val="0"/>
-            <a:alphaOff val="0"/>
-          </a:schemeClr>
-        </a:solidFill>
-        <a:ln w="25400" cap="flat" cmpd="sng" algn="ctr">
-          <a:solidFill>
-            <a:schemeClr val="accent1">
-              <a:hueOff val="0"/>
-              <a:satOff val="0"/>
-              <a:lumOff val="0"/>
-              <a:alphaOff val="0"/>
-            </a:schemeClr>
-          </a:solidFill>
-          <a:prstDash val="solid"/>
-        </a:ln>
-        <a:effectLst/>
-      </dsp:spPr>
-      <dsp:style>
-        <a:lnRef idx="2">
-          <a:scrgbClr r="0" g="0" b="0"/>
-        </a:lnRef>
-        <a:fillRef idx="1">
-          <a:scrgbClr r="0" g="0" b="0"/>
-        </a:fillRef>
-        <a:effectRef idx="0">
-          <a:scrgbClr r="0" g="0" b="0"/>
-        </a:effectRef>
-        <a:fontRef idx="minor">
-          <a:schemeClr val="lt1"/>
-        </a:fontRef>
-      </dsp:style>
-    </dsp:sp>
-    <dsp:sp modelId="{634F338A-7CD2-496B-A10E-D1093363E0E4}">
-      <dsp:nvSpPr>
-        <dsp:cNvPr id="0" name=""/>
-        <dsp:cNvSpPr/>
-      </dsp:nvSpPr>
-      <dsp:spPr>
-        <a:xfrm rot="5400000">
-          <a:off x="2245165" y="2394158"/>
-          <a:ext cx="1032050" cy="1717309"/>
-        </a:xfrm>
-        <a:prstGeom prst="corner">
-          <a:avLst>
-            <a:gd name="adj1" fmla="val 16120"/>
-            <a:gd name="adj2" fmla="val 16110"/>
-          </a:avLst>
-        </a:prstGeom>
-        <a:solidFill>
-          <a:schemeClr val="accent1">
-            <a:hueOff val="0"/>
-            <a:satOff val="0"/>
-            <a:lumOff val="0"/>
-            <a:alphaOff val="0"/>
-          </a:schemeClr>
-        </a:solidFill>
-        <a:ln w="25400" cap="flat" cmpd="sng" algn="ctr">
-          <a:solidFill>
-            <a:schemeClr val="accent1">
-              <a:hueOff val="0"/>
-              <a:satOff val="0"/>
-              <a:lumOff val="0"/>
-              <a:alphaOff val="0"/>
-            </a:schemeClr>
-          </a:solidFill>
-          <a:prstDash val="solid"/>
-        </a:ln>
-        <a:effectLst/>
-      </dsp:spPr>
-      <dsp:style>
-        <a:lnRef idx="2">
-          <a:scrgbClr r="0" g="0" b="0"/>
-        </a:lnRef>
-        <a:fillRef idx="1">
-          <a:scrgbClr r="0" g="0" b="0"/>
-        </a:fillRef>
-        <a:effectRef idx="0">
-          <a:scrgbClr r="0" g="0" b="0"/>
-        </a:effectRef>
-        <a:fontRef idx="minor">
-          <a:schemeClr val="lt1"/>
-        </a:fontRef>
-      </dsp:style>
-    </dsp:sp>
-    <dsp:sp modelId="{55E179FC-D1E9-437B-99A3-AD15EE17BF8F}">
-      <dsp:nvSpPr>
-        <dsp:cNvPr id="0" name=""/>
-        <dsp:cNvSpPr/>
-      </dsp:nvSpPr>
-      <dsp:spPr>
-        <a:xfrm>
-          <a:off x="2072890" y="2907263"/>
-          <a:ext cx="1550396" cy="1359013"/>
-        </a:xfrm>
-        <a:prstGeom prst="rect">
-          <a:avLst/>
-        </a:prstGeom>
-        <a:noFill/>
-        <a:ln>
-          <a:noFill/>
-        </a:ln>
-        <a:effectLst/>
-      </dsp:spPr>
-      <dsp:style>
-        <a:lnRef idx="0">
-          <a:scrgbClr r="0" g="0" b="0"/>
-        </a:lnRef>
-        <a:fillRef idx="0">
-          <a:scrgbClr r="0" g="0" b="0"/>
-        </a:fillRef>
-        <a:effectRef idx="0">
-          <a:scrgbClr r="0" g="0" b="0"/>
-        </a:effectRef>
-        <a:fontRef idx="minor"/>
-      </dsp:style>
-      <dsp:txBody>
-        <a:bodyPr spcFirstLastPara="0" vert="horz" wrap="square" lIns="60960" tIns="60960" rIns="60960" bIns="60960" numCol="1" spcCol="1270" anchor="t" anchorCtr="0">
-          <a:noAutofit/>
-        </a:bodyPr>
-        <a:lstStyle/>
-        <a:p>
-          <a:pPr lvl="0" algn="l" defTabSz="711200">
-            <a:lnSpc>
-              <a:spcPct val="90000"/>
-            </a:lnSpc>
-            <a:spcBef>
-              <a:spcPct val="0"/>
-            </a:spcBef>
-            <a:spcAft>
-              <a:spcPct val="35000"/>
-            </a:spcAft>
-          </a:pPr>
-          <a:r>
-            <a:rPr lang="lt-LT" sz="1600" kern="1200" dirty="0"/>
-            <a:t>Verification</a:t>
-          </a:r>
-          <a:endParaRPr lang="en-US" sz="1600" kern="1200" dirty="0"/>
-        </a:p>
-      </dsp:txBody>
-      <dsp:txXfrm>
-        <a:off x="2072890" y="2907263"/>
-        <a:ext cx="1550396" cy="1359013"/>
-      </dsp:txXfrm>
-    </dsp:sp>
-    <dsp:sp modelId="{C6C02A0C-E5AC-4550-A35B-83572995622F}">
-      <dsp:nvSpPr>
-        <dsp:cNvPr id="0" name=""/>
-        <dsp:cNvSpPr/>
-      </dsp:nvSpPr>
-      <dsp:spPr>
-        <a:xfrm>
-          <a:off x="3330759" y="2267728"/>
-          <a:ext cx="292527" cy="292527"/>
-        </a:xfrm>
-        <a:prstGeom prst="triangle">
-          <a:avLst>
-            <a:gd name="adj" fmla="val 100000"/>
-          </a:avLst>
-        </a:prstGeom>
-        <a:solidFill>
-          <a:schemeClr val="accent1">
-            <a:hueOff val="0"/>
-            <a:satOff val="0"/>
-            <a:lumOff val="0"/>
-            <a:alphaOff val="0"/>
-          </a:schemeClr>
-        </a:solidFill>
-        <a:ln w="25400" cap="flat" cmpd="sng" algn="ctr">
-          <a:solidFill>
-            <a:schemeClr val="accent1">
-              <a:hueOff val="0"/>
-              <a:satOff val="0"/>
-              <a:lumOff val="0"/>
-              <a:alphaOff val="0"/>
-            </a:schemeClr>
-          </a:solidFill>
-          <a:prstDash val="solid"/>
-        </a:ln>
-        <a:effectLst/>
-      </dsp:spPr>
-      <dsp:style>
-        <a:lnRef idx="2">
-          <a:scrgbClr r="0" g="0" b="0"/>
-        </a:lnRef>
-        <a:fillRef idx="1">
-          <a:scrgbClr r="0" g="0" b="0"/>
-        </a:fillRef>
-        <a:effectRef idx="0">
-          <a:scrgbClr r="0" g="0" b="0"/>
-        </a:effectRef>
-        <a:fontRef idx="minor">
-          <a:schemeClr val="lt1"/>
-        </a:fontRef>
-      </dsp:style>
-    </dsp:sp>
-    <dsp:sp modelId="{979AD54B-A7B5-4FD7-A448-3F42CBF6AE7C}">
-      <dsp:nvSpPr>
-        <dsp:cNvPr id="0" name=""/>
-        <dsp:cNvSpPr/>
-      </dsp:nvSpPr>
-      <dsp:spPr>
-        <a:xfrm rot="5400000">
-          <a:off x="4143153" y="1924499"/>
-          <a:ext cx="1032050" cy="1717309"/>
-        </a:xfrm>
-        <a:prstGeom prst="corner">
-          <a:avLst>
-            <a:gd name="adj1" fmla="val 16120"/>
-            <a:gd name="adj2" fmla="val 16110"/>
-          </a:avLst>
-        </a:prstGeom>
-        <a:solidFill>
-          <a:schemeClr val="accent1">
-            <a:hueOff val="0"/>
-            <a:satOff val="0"/>
-            <a:lumOff val="0"/>
-            <a:alphaOff val="0"/>
-          </a:schemeClr>
-        </a:solidFill>
-        <a:ln w="25400" cap="flat" cmpd="sng" algn="ctr">
-          <a:solidFill>
-            <a:schemeClr val="accent1">
-              <a:hueOff val="0"/>
-              <a:satOff val="0"/>
-              <a:lumOff val="0"/>
-              <a:alphaOff val="0"/>
-            </a:schemeClr>
-          </a:solidFill>
-          <a:prstDash val="solid"/>
-        </a:ln>
-        <a:effectLst/>
-      </dsp:spPr>
-      <dsp:style>
-        <a:lnRef idx="2">
-          <a:scrgbClr r="0" g="0" b="0"/>
-        </a:lnRef>
-        <a:fillRef idx="1">
-          <a:scrgbClr r="0" g="0" b="0"/>
-        </a:fillRef>
-        <a:effectRef idx="0">
-          <a:scrgbClr r="0" g="0" b="0"/>
-        </a:effectRef>
-        <a:fontRef idx="minor">
-          <a:schemeClr val="lt1"/>
-        </a:fontRef>
-      </dsp:style>
-    </dsp:sp>
-    <dsp:sp modelId="{04FAE965-D6F6-4981-BCC7-31FF53A955FD}">
-      <dsp:nvSpPr>
-        <dsp:cNvPr id="0" name=""/>
-        <dsp:cNvSpPr/>
-      </dsp:nvSpPr>
-      <dsp:spPr>
-        <a:xfrm>
-          <a:off x="3970878" y="2437604"/>
-          <a:ext cx="1550396" cy="1359013"/>
-        </a:xfrm>
-        <a:prstGeom prst="rect">
-          <a:avLst/>
-        </a:prstGeom>
-        <a:noFill/>
-        <a:ln>
-          <a:noFill/>
-        </a:ln>
-        <a:effectLst/>
-      </dsp:spPr>
-      <dsp:style>
-        <a:lnRef idx="0">
-          <a:scrgbClr r="0" g="0" b="0"/>
-        </a:lnRef>
-        <a:fillRef idx="0">
-          <a:scrgbClr r="0" g="0" b="0"/>
-        </a:fillRef>
-        <a:effectRef idx="0">
-          <a:scrgbClr r="0" g="0" b="0"/>
-        </a:effectRef>
-        <a:fontRef idx="minor"/>
-      </dsp:style>
-      <dsp:txBody>
-        <a:bodyPr spcFirstLastPara="0" vert="horz" wrap="square" lIns="60960" tIns="60960" rIns="60960" bIns="60960" numCol="1" spcCol="1270" anchor="t" anchorCtr="0">
-          <a:noAutofit/>
-        </a:bodyPr>
-        <a:lstStyle/>
-        <a:p>
-          <a:pPr lvl="0" algn="l" defTabSz="711200">
-            <a:lnSpc>
-              <a:spcPct val="90000"/>
-            </a:lnSpc>
-            <a:spcBef>
-              <a:spcPct val="0"/>
-            </a:spcBef>
-            <a:spcAft>
-              <a:spcPct val="35000"/>
-            </a:spcAft>
-          </a:pPr>
-          <a:r>
-            <a:rPr lang="lt-LT" sz="1600" kern="1200" dirty="0"/>
-            <a:t>Implementation</a:t>
-          </a:r>
-          <a:endParaRPr lang="en-US" sz="1600" kern="1200" dirty="0"/>
-        </a:p>
-      </dsp:txBody>
-      <dsp:txXfrm>
-        <a:off x="3970878" y="2437604"/>
-        <a:ext cx="1550396" cy="1359013"/>
-      </dsp:txXfrm>
-    </dsp:sp>
-    <dsp:sp modelId="{C250917D-9CD6-48D0-95F9-58E2314B4D7A}">
-      <dsp:nvSpPr>
-        <dsp:cNvPr id="0" name=""/>
-        <dsp:cNvSpPr/>
-      </dsp:nvSpPr>
-      <dsp:spPr>
-        <a:xfrm>
-          <a:off x="5228747" y="1798069"/>
-          <a:ext cx="292527" cy="292527"/>
-        </a:xfrm>
-        <a:prstGeom prst="triangle">
-          <a:avLst>
-            <a:gd name="adj" fmla="val 100000"/>
-          </a:avLst>
-        </a:prstGeom>
-        <a:solidFill>
-          <a:schemeClr val="accent1">
-            <a:hueOff val="0"/>
-            <a:satOff val="0"/>
-            <a:lumOff val="0"/>
-            <a:alphaOff val="0"/>
-          </a:schemeClr>
-        </a:solidFill>
-        <a:ln w="25400" cap="flat" cmpd="sng" algn="ctr">
-          <a:solidFill>
-            <a:schemeClr val="accent1">
-              <a:hueOff val="0"/>
-              <a:satOff val="0"/>
-              <a:lumOff val="0"/>
-              <a:alphaOff val="0"/>
-            </a:schemeClr>
-          </a:solidFill>
-          <a:prstDash val="solid"/>
-        </a:ln>
-        <a:effectLst/>
-      </dsp:spPr>
-      <dsp:style>
-        <a:lnRef idx="2">
-          <a:scrgbClr r="0" g="0" b="0"/>
-        </a:lnRef>
-        <a:fillRef idx="1">
-          <a:scrgbClr r="0" g="0" b="0"/>
-        </a:fillRef>
-        <a:effectRef idx="0">
-          <a:scrgbClr r="0" g="0" b="0"/>
-        </a:effectRef>
-        <a:fontRef idx="minor">
-          <a:schemeClr val="lt1"/>
-        </a:fontRef>
-      </dsp:style>
-    </dsp:sp>
-    <dsp:sp modelId="{3C87185A-8320-4816-BF22-0152EF7D86E2}">
-      <dsp:nvSpPr>
-        <dsp:cNvPr id="0" name=""/>
-        <dsp:cNvSpPr/>
-      </dsp:nvSpPr>
-      <dsp:spPr>
-        <a:xfrm rot="5400000">
-          <a:off x="6041142" y="1454840"/>
-          <a:ext cx="1032050" cy="1717309"/>
-        </a:xfrm>
-        <a:prstGeom prst="corner">
-          <a:avLst>
-            <a:gd name="adj1" fmla="val 16120"/>
-            <a:gd name="adj2" fmla="val 16110"/>
-          </a:avLst>
-        </a:prstGeom>
-        <a:solidFill>
-          <a:schemeClr val="accent1">
-            <a:hueOff val="0"/>
-            <a:satOff val="0"/>
-            <a:lumOff val="0"/>
-            <a:alphaOff val="0"/>
-          </a:schemeClr>
-        </a:solidFill>
-        <a:ln w="25400" cap="flat" cmpd="sng" algn="ctr">
-          <a:solidFill>
-            <a:schemeClr val="accent1">
-              <a:hueOff val="0"/>
-              <a:satOff val="0"/>
-              <a:lumOff val="0"/>
-              <a:alphaOff val="0"/>
-            </a:schemeClr>
-          </a:solidFill>
-          <a:prstDash val="solid"/>
-        </a:ln>
-        <a:effectLst/>
-      </dsp:spPr>
-      <dsp:style>
-        <a:lnRef idx="2">
-          <a:scrgbClr r="0" g="0" b="0"/>
-        </a:lnRef>
-        <a:fillRef idx="1">
-          <a:scrgbClr r="0" g="0" b="0"/>
-        </a:fillRef>
-        <a:effectRef idx="0">
-          <a:scrgbClr r="0" g="0" b="0"/>
-        </a:effectRef>
-        <a:fontRef idx="minor">
-          <a:schemeClr val="lt1"/>
-        </a:fontRef>
-      </dsp:style>
-    </dsp:sp>
-    <dsp:sp modelId="{00C07322-5AC2-4EB8-BFD0-4B01E2F0BB09}">
-      <dsp:nvSpPr>
-        <dsp:cNvPr id="0" name=""/>
-        <dsp:cNvSpPr/>
-      </dsp:nvSpPr>
-      <dsp:spPr>
-        <a:xfrm>
-          <a:off x="5868867" y="1967945"/>
-          <a:ext cx="1550396" cy="1359013"/>
-        </a:xfrm>
-        <a:prstGeom prst="rect">
-          <a:avLst/>
-        </a:prstGeom>
-        <a:noFill/>
-        <a:ln>
-          <a:noFill/>
-        </a:ln>
-        <a:effectLst/>
-      </dsp:spPr>
-      <dsp:style>
-        <a:lnRef idx="0">
-          <a:scrgbClr r="0" g="0" b="0"/>
-        </a:lnRef>
-        <a:fillRef idx="0">
-          <a:scrgbClr r="0" g="0" b="0"/>
-        </a:fillRef>
-        <a:effectRef idx="0">
-          <a:scrgbClr r="0" g="0" b="0"/>
-        </a:effectRef>
-        <a:fontRef idx="minor"/>
-      </dsp:style>
-      <dsp:txBody>
-        <a:bodyPr spcFirstLastPara="0" vert="horz" wrap="square" lIns="60960" tIns="60960" rIns="60960" bIns="60960" numCol="1" spcCol="1270" anchor="t" anchorCtr="0">
-          <a:noAutofit/>
-        </a:bodyPr>
-        <a:lstStyle/>
-        <a:p>
-          <a:pPr lvl="0" algn="l" defTabSz="711200">
-            <a:lnSpc>
-              <a:spcPct val="90000"/>
-            </a:lnSpc>
-            <a:spcBef>
-              <a:spcPct val="0"/>
-            </a:spcBef>
-            <a:spcAft>
-              <a:spcPct val="35000"/>
-            </a:spcAft>
-          </a:pPr>
-          <a:r>
-            <a:rPr lang="lt-LT" sz="1600" kern="1200" dirty="0"/>
-            <a:t>Design</a:t>
-          </a:r>
-          <a:endParaRPr lang="en-US" sz="1600" kern="1200" dirty="0"/>
-        </a:p>
-      </dsp:txBody>
-      <dsp:txXfrm>
-        <a:off x="5868867" y="1967945"/>
-        <a:ext cx="1550396" cy="1359013"/>
-      </dsp:txXfrm>
-    </dsp:sp>
-    <dsp:sp modelId="{C4349A5C-530E-4842-99E5-7DB3C0818A1E}">
-      <dsp:nvSpPr>
-        <dsp:cNvPr id="0" name=""/>
-        <dsp:cNvSpPr/>
-      </dsp:nvSpPr>
-      <dsp:spPr>
-        <a:xfrm>
-          <a:off x="7126736" y="1328409"/>
-          <a:ext cx="292527" cy="292527"/>
-        </a:xfrm>
-        <a:prstGeom prst="triangle">
-          <a:avLst>
-            <a:gd name="adj" fmla="val 100000"/>
-          </a:avLst>
-        </a:prstGeom>
-        <a:solidFill>
-          <a:schemeClr val="accent1">
-            <a:hueOff val="0"/>
-            <a:satOff val="0"/>
-            <a:lumOff val="0"/>
-            <a:alphaOff val="0"/>
-          </a:schemeClr>
-        </a:solidFill>
-        <a:ln w="25400" cap="flat" cmpd="sng" algn="ctr">
-          <a:solidFill>
-            <a:schemeClr val="accent1">
-              <a:hueOff val="0"/>
-              <a:satOff val="0"/>
-              <a:lumOff val="0"/>
-              <a:alphaOff val="0"/>
-            </a:schemeClr>
-          </a:solidFill>
-          <a:prstDash val="solid"/>
-        </a:ln>
-        <a:effectLst/>
-      </dsp:spPr>
-      <dsp:style>
-        <a:lnRef idx="2">
-          <a:scrgbClr r="0" g="0" b="0"/>
-        </a:lnRef>
-        <a:fillRef idx="1">
-          <a:scrgbClr r="0" g="0" b="0"/>
-        </a:fillRef>
-        <a:effectRef idx="0">
-          <a:scrgbClr r="0" g="0" b="0"/>
-        </a:effectRef>
-        <a:fontRef idx="minor">
-          <a:schemeClr val="lt1"/>
-        </a:fontRef>
-      </dsp:style>
-    </dsp:sp>
-    <dsp:sp modelId="{8BAA9727-2A35-4DE7-BF18-7CDEC0B09C6B}">
-      <dsp:nvSpPr>
-        <dsp:cNvPr id="0" name=""/>
-        <dsp:cNvSpPr/>
-      </dsp:nvSpPr>
-      <dsp:spPr>
-        <a:xfrm rot="5400000">
-          <a:off x="7939130" y="985181"/>
-          <a:ext cx="1032050" cy="1717309"/>
-        </a:xfrm>
-        <a:prstGeom prst="corner">
-          <a:avLst>
-            <a:gd name="adj1" fmla="val 16120"/>
-            <a:gd name="adj2" fmla="val 16110"/>
-          </a:avLst>
-        </a:prstGeom>
-        <a:solidFill>
-          <a:schemeClr val="accent1">
-            <a:hueOff val="0"/>
-            <a:satOff val="0"/>
-            <a:lumOff val="0"/>
-            <a:alphaOff val="0"/>
-          </a:schemeClr>
-        </a:solidFill>
-        <a:ln w="25400" cap="flat" cmpd="sng" algn="ctr">
-          <a:solidFill>
-            <a:schemeClr val="accent1">
-              <a:hueOff val="0"/>
-              <a:satOff val="0"/>
-              <a:lumOff val="0"/>
-              <a:alphaOff val="0"/>
-            </a:schemeClr>
-          </a:solidFill>
-          <a:prstDash val="solid"/>
-        </a:ln>
-        <a:effectLst/>
-      </dsp:spPr>
-      <dsp:style>
-        <a:lnRef idx="2">
-          <a:scrgbClr r="0" g="0" b="0"/>
-        </a:lnRef>
-        <a:fillRef idx="1">
-          <a:scrgbClr r="0" g="0" b="0"/>
-        </a:fillRef>
-        <a:effectRef idx="0">
-          <a:scrgbClr r="0" g="0" b="0"/>
-        </a:effectRef>
-        <a:fontRef idx="minor">
-          <a:schemeClr val="lt1"/>
-        </a:fontRef>
-      </dsp:style>
-    </dsp:sp>
-    <dsp:sp modelId="{3A9ED688-A313-4C83-AC05-488766732BA0}">
-      <dsp:nvSpPr>
-        <dsp:cNvPr id="0" name=""/>
-        <dsp:cNvSpPr/>
-      </dsp:nvSpPr>
-      <dsp:spPr>
-        <a:xfrm>
-          <a:off x="7766855" y="1498286"/>
-          <a:ext cx="1550396" cy="1359013"/>
-        </a:xfrm>
-        <a:prstGeom prst="rect">
-          <a:avLst/>
-        </a:prstGeom>
-        <a:noFill/>
-        <a:ln>
-          <a:noFill/>
-        </a:ln>
-        <a:effectLst/>
-      </dsp:spPr>
-      <dsp:style>
-        <a:lnRef idx="0">
-          <a:scrgbClr r="0" g="0" b="0"/>
-        </a:lnRef>
-        <a:fillRef idx="0">
-          <a:scrgbClr r="0" g="0" b="0"/>
-        </a:fillRef>
-        <a:effectRef idx="0">
-          <a:scrgbClr r="0" g="0" b="0"/>
-        </a:effectRef>
-        <a:fontRef idx="minor"/>
-      </dsp:style>
-      <dsp:txBody>
-        <a:bodyPr spcFirstLastPara="0" vert="horz" wrap="square" lIns="60960" tIns="60960" rIns="60960" bIns="60960" numCol="1" spcCol="1270" anchor="t" anchorCtr="0">
-          <a:noAutofit/>
-        </a:bodyPr>
-        <a:lstStyle/>
-        <a:p>
-          <a:pPr lvl="0" algn="l" defTabSz="711200">
-            <a:lnSpc>
-              <a:spcPct val="90000"/>
-            </a:lnSpc>
-            <a:spcBef>
-              <a:spcPct val="0"/>
-            </a:spcBef>
-            <a:spcAft>
-              <a:spcPct val="35000"/>
-            </a:spcAft>
-          </a:pPr>
-          <a:r>
-            <a:rPr lang="lt-LT" sz="1600" kern="1200" dirty="0"/>
-            <a:t>Requirements</a:t>
-          </a:r>
-          <a:endParaRPr lang="en-US" sz="1600" kern="1200" dirty="0"/>
-        </a:p>
-      </dsp:txBody>
-      <dsp:txXfrm>
-        <a:off x="7766855" y="1498286"/>
-        <a:ext cx="1550396" cy="1359013"/>
-      </dsp:txXfrm>
-    </dsp:sp>
   </dsp:spTree>
 </dsp:drawing>
 </file>
@@ -13889,7 +12361,7 @@
           <p:cNvPr id="12" name="Group 11">
             <a:extLst>
               <a:ext uri="{FF2B5EF4-FFF2-40B4-BE49-F238E27FC236}">
-                <a16:creationId xmlns:a16="http://schemas.microsoft.com/office/drawing/2014/main" xmlns="" id="{359C54E7-2C86-48C5-BB8A-3F47492D58D9}"/>
+                <a16:creationId xmlns="" xmlns:a16="http://schemas.microsoft.com/office/drawing/2014/main" id="{359C54E7-2C86-48C5-BB8A-3F47492D58D9}"/>
               </a:ext>
             </a:extLst>
           </p:cNvPr>
@@ -13909,7 +12381,7 @@
             <p:cNvPr id="13" name="Picture 12">
               <a:extLst>
                 <a:ext uri="{FF2B5EF4-FFF2-40B4-BE49-F238E27FC236}">
-                  <a16:creationId xmlns:a16="http://schemas.microsoft.com/office/drawing/2014/main" xmlns="" id="{FC4CCA8F-0253-4F85-9781-1D87F7373F13}"/>
+                  <a16:creationId xmlns="" xmlns:a16="http://schemas.microsoft.com/office/drawing/2014/main" id="{FC4CCA8F-0253-4F85-9781-1D87F7373F13}"/>
                 </a:ext>
               </a:extLst>
             </p:cNvPr>
@@ -13939,7 +12411,7 @@
             <p:cNvPr id="14" name="TextBox 13">
               <a:extLst>
                 <a:ext uri="{FF2B5EF4-FFF2-40B4-BE49-F238E27FC236}">
-                  <a16:creationId xmlns:a16="http://schemas.microsoft.com/office/drawing/2014/main" xmlns="" id="{DCDC4FD0-315A-4B26-9B5D-07FA213E0F7D}"/>
+                  <a16:creationId xmlns="" xmlns:a16="http://schemas.microsoft.com/office/drawing/2014/main" id="{DCDC4FD0-315A-4B26-9B5D-07FA213E0F7D}"/>
                 </a:ext>
               </a:extLst>
             </p:cNvPr>
@@ -13975,7 +12447,7 @@
             <p:cNvPr id="15" name="TextBox 14">
               <a:extLst>
                 <a:ext uri="{FF2B5EF4-FFF2-40B4-BE49-F238E27FC236}">
-                  <a16:creationId xmlns:a16="http://schemas.microsoft.com/office/drawing/2014/main" xmlns="" id="{C088A869-1375-48EB-90AF-6151E3EBDEDD}"/>
+                  <a16:creationId xmlns="" xmlns:a16="http://schemas.microsoft.com/office/drawing/2014/main" id="{C088A869-1375-48EB-90AF-6151E3EBDEDD}"/>
                 </a:ext>
               </a:extLst>
             </p:cNvPr>
@@ -14011,7 +12483,7 @@
             <p:cNvPr id="16" name="TextBox 15">
               <a:extLst>
                 <a:ext uri="{FF2B5EF4-FFF2-40B4-BE49-F238E27FC236}">
-                  <a16:creationId xmlns:a16="http://schemas.microsoft.com/office/drawing/2014/main" xmlns="" id="{814DF880-3529-497A-885F-6C0FE6160ECA}"/>
+                  <a16:creationId xmlns="" xmlns:a16="http://schemas.microsoft.com/office/drawing/2014/main" id="{814DF880-3529-497A-885F-6C0FE6160ECA}"/>
                 </a:ext>
               </a:extLst>
             </p:cNvPr>
@@ -14047,7 +12519,7 @@
             <p:cNvPr id="17" name="TextBox 16">
               <a:extLst>
                 <a:ext uri="{FF2B5EF4-FFF2-40B4-BE49-F238E27FC236}">
-                  <a16:creationId xmlns:a16="http://schemas.microsoft.com/office/drawing/2014/main" xmlns="" id="{98388024-CEB1-4E2D-AD64-E9F17F619663}"/>
+                  <a16:creationId xmlns="" xmlns:a16="http://schemas.microsoft.com/office/drawing/2014/main" id="{98388024-CEB1-4E2D-AD64-E9F17F619663}"/>
                 </a:ext>
               </a:extLst>
             </p:cNvPr>
@@ -14083,7 +12555,7 @@
             <p:cNvPr id="18" name="TextBox 17">
               <a:extLst>
                 <a:ext uri="{FF2B5EF4-FFF2-40B4-BE49-F238E27FC236}">
-                  <a16:creationId xmlns:a16="http://schemas.microsoft.com/office/drawing/2014/main" xmlns="" id="{B9D367BE-E2A0-45DD-9F05-F3F4B78C884E}"/>
+                  <a16:creationId xmlns="" xmlns:a16="http://schemas.microsoft.com/office/drawing/2014/main" id="{B9D367BE-E2A0-45DD-9F05-F3F4B78C884E}"/>
                 </a:ext>
               </a:extLst>
             </p:cNvPr>
@@ -14280,7 +12752,7 @@
           <p:cNvPr id="4" name="Rectangle 3">
             <a:extLst>
               <a:ext uri="{FF2B5EF4-FFF2-40B4-BE49-F238E27FC236}">
-                <a16:creationId xmlns:a16="http://schemas.microsoft.com/office/drawing/2014/main" xmlns="" id="{70865D4E-208B-4F1C-8B7F-1A220865E49B}"/>
+                <a16:creationId xmlns="" xmlns:a16="http://schemas.microsoft.com/office/drawing/2014/main" id="{70865D4E-208B-4F1C-8B7F-1A220865E49B}"/>
               </a:ext>
             </a:extLst>
           </p:cNvPr>
@@ -14289,7 +12761,7 @@
         </p:nvSpPr>
         <p:spPr>
           <a:xfrm>
-            <a:off x="6761018" y="4700280"/>
+            <a:off x="6296490" y="4389898"/>
             <a:ext cx="2069798" cy="923330"/>
           </a:xfrm>
           <a:prstGeom prst="rect">
@@ -14599,7 +13071,7 @@
           <p:cNvPr id="11" name="Diagram 10">
             <a:extLst>
               <a:ext uri="{FF2B5EF4-FFF2-40B4-BE49-F238E27FC236}">
-                <a16:creationId xmlns:a16="http://schemas.microsoft.com/office/drawing/2014/main" xmlns="" id="{1665F02D-F0B9-4958-B1A2-AADE17D0B673}"/>
+                <a16:creationId xmlns="" xmlns:a16="http://schemas.microsoft.com/office/drawing/2014/main" id="{1665F02D-F0B9-4958-B1A2-AADE17D0B673}"/>
               </a:ext>
             </a:extLst>
           </p:cNvPr>
@@ -14627,7 +13099,7 @@
           <p:cNvPr id="12" name="Arrow: Bent-Up 11">
             <a:extLst>
               <a:ext uri="{FF2B5EF4-FFF2-40B4-BE49-F238E27FC236}">
-                <a16:creationId xmlns:a16="http://schemas.microsoft.com/office/drawing/2014/main" xmlns="" id="{FD241AF5-23B2-445C-A2A6-F400FDFBABF3}"/>
+                <a16:creationId xmlns="" xmlns:a16="http://schemas.microsoft.com/office/drawing/2014/main" id="{FD241AF5-23B2-445C-A2A6-F400FDFBABF3}"/>
               </a:ext>
             </a:extLst>
           </p:cNvPr>
@@ -14679,7 +13151,7 @@
           <p:cNvPr id="16" name="Arrow: Bent-Up 15">
             <a:extLst>
               <a:ext uri="{FF2B5EF4-FFF2-40B4-BE49-F238E27FC236}">
-                <a16:creationId xmlns:a16="http://schemas.microsoft.com/office/drawing/2014/main" xmlns="" id="{4AEF0D3F-6371-46FF-A8F8-8D87C48FA25B}"/>
+                <a16:creationId xmlns="" xmlns:a16="http://schemas.microsoft.com/office/drawing/2014/main" id="{4AEF0D3F-6371-46FF-A8F8-8D87C48FA25B}"/>
               </a:ext>
             </a:extLst>
           </p:cNvPr>
@@ -14731,7 +13203,7 @@
           <p:cNvPr id="17" name="Arrow: Bent-Up 16">
             <a:extLst>
               <a:ext uri="{FF2B5EF4-FFF2-40B4-BE49-F238E27FC236}">
-                <a16:creationId xmlns:a16="http://schemas.microsoft.com/office/drawing/2014/main" xmlns="" id="{84049944-4F48-4A1F-8C2F-AA96BB11E820}"/>
+                <a16:creationId xmlns="" xmlns:a16="http://schemas.microsoft.com/office/drawing/2014/main" id="{84049944-4F48-4A1F-8C2F-AA96BB11E820}"/>
               </a:ext>
             </a:extLst>
           </p:cNvPr>
@@ -14783,7 +13255,7 @@
           <p:cNvPr id="18" name="Arrow: Bent-Up 17">
             <a:extLst>
               <a:ext uri="{FF2B5EF4-FFF2-40B4-BE49-F238E27FC236}">
-                <a16:creationId xmlns:a16="http://schemas.microsoft.com/office/drawing/2014/main" xmlns="" id="{E0532B11-C289-44E7-843C-91BA563B3904}"/>
+                <a16:creationId xmlns="" xmlns:a16="http://schemas.microsoft.com/office/drawing/2014/main" id="{E0532B11-C289-44E7-843C-91BA563B3904}"/>
               </a:ext>
             </a:extLst>
           </p:cNvPr>
@@ -14835,7 +13307,7 @@
           <p:cNvPr id="23" name="L-Shape 22">
             <a:extLst>
               <a:ext uri="{FF2B5EF4-FFF2-40B4-BE49-F238E27FC236}">
-                <a16:creationId xmlns:a16="http://schemas.microsoft.com/office/drawing/2014/main" xmlns="" id="{24918A8D-99EB-4617-9472-C757708B4573}"/>
+                <a16:creationId xmlns="" xmlns:a16="http://schemas.microsoft.com/office/drawing/2014/main" id="{24918A8D-99EB-4617-9472-C757708B4573}"/>
               </a:ext>
             </a:extLst>
           </p:cNvPr>
@@ -14889,7 +13361,7 @@
           <p:cNvPr id="24" name="Isosceles Triangle 23">
             <a:extLst>
               <a:ext uri="{FF2B5EF4-FFF2-40B4-BE49-F238E27FC236}">
-                <a16:creationId xmlns:a16="http://schemas.microsoft.com/office/drawing/2014/main" xmlns="" id="{90A470B4-555F-40C4-880B-01ACABAE06ED}"/>
+                <a16:creationId xmlns="" xmlns:a16="http://schemas.microsoft.com/office/drawing/2014/main" id="{90A470B4-555F-40C4-880B-01ACABAE06ED}"/>
               </a:ext>
             </a:extLst>
           </p:cNvPr>
@@ -14942,7 +13414,7 @@
           <p:cNvPr id="13" name="TextBox 12">
             <a:extLst>
               <a:ext uri="{FF2B5EF4-FFF2-40B4-BE49-F238E27FC236}">
-                <a16:creationId xmlns:a16="http://schemas.microsoft.com/office/drawing/2014/main" xmlns="" id="{7A8DA1D0-9DDE-4BF1-B3DF-F18F704265FC}"/>
+                <a16:creationId xmlns="" xmlns:a16="http://schemas.microsoft.com/office/drawing/2014/main" id="{7A8DA1D0-9DDE-4BF1-B3DF-F18F704265FC}"/>
               </a:ext>
             </a:extLst>
           </p:cNvPr>
@@ -14978,7 +13450,7 @@
           <p:cNvPr id="26" name="TextBox 25">
             <a:extLst>
               <a:ext uri="{FF2B5EF4-FFF2-40B4-BE49-F238E27FC236}">
-                <a16:creationId xmlns:a16="http://schemas.microsoft.com/office/drawing/2014/main" xmlns="" id="{9C06B8AB-BAFD-4A97-B2D0-42FC65D6DA04}"/>
+                <a16:creationId xmlns="" xmlns:a16="http://schemas.microsoft.com/office/drawing/2014/main" id="{9C06B8AB-BAFD-4A97-B2D0-42FC65D6DA04}"/>
               </a:ext>
             </a:extLst>
           </p:cNvPr>
@@ -15396,7 +13868,7 @@
           <p:cNvPr id="11" name="Diagram 10">
             <a:extLst>
               <a:ext uri="{FF2B5EF4-FFF2-40B4-BE49-F238E27FC236}">
-                <a16:creationId xmlns:a16="http://schemas.microsoft.com/office/drawing/2014/main" xmlns="" id="{1665F02D-F0B9-4958-B1A2-AADE17D0B673}"/>
+                <a16:creationId xmlns="" xmlns:a16="http://schemas.microsoft.com/office/drawing/2014/main" id="{1665F02D-F0B9-4958-B1A2-AADE17D0B673}"/>
               </a:ext>
             </a:extLst>
           </p:cNvPr>
@@ -15418,7 +13890,7 @@
           <p:cNvPr id="12" name="Arrow: Bent-Up 11">
             <a:extLst>
               <a:ext uri="{FF2B5EF4-FFF2-40B4-BE49-F238E27FC236}">
-                <a16:creationId xmlns:a16="http://schemas.microsoft.com/office/drawing/2014/main" xmlns="" id="{FD241AF5-23B2-445C-A2A6-F400FDFBABF3}"/>
+                <a16:creationId xmlns="" xmlns:a16="http://schemas.microsoft.com/office/drawing/2014/main" id="{FD241AF5-23B2-445C-A2A6-F400FDFBABF3}"/>
               </a:ext>
             </a:extLst>
           </p:cNvPr>
@@ -15470,7 +13942,7 @@
           <p:cNvPr id="16" name="Arrow: Bent-Up 15">
             <a:extLst>
               <a:ext uri="{FF2B5EF4-FFF2-40B4-BE49-F238E27FC236}">
-                <a16:creationId xmlns:a16="http://schemas.microsoft.com/office/drawing/2014/main" xmlns="" id="{4AEF0D3F-6371-46FF-A8F8-8D87C48FA25B}"/>
+                <a16:creationId xmlns="" xmlns:a16="http://schemas.microsoft.com/office/drawing/2014/main" id="{4AEF0D3F-6371-46FF-A8F8-8D87C48FA25B}"/>
               </a:ext>
             </a:extLst>
           </p:cNvPr>
@@ -15522,7 +13994,7 @@
           <p:cNvPr id="17" name="Arrow: Bent-Up 16">
             <a:extLst>
               <a:ext uri="{FF2B5EF4-FFF2-40B4-BE49-F238E27FC236}">
-                <a16:creationId xmlns:a16="http://schemas.microsoft.com/office/drawing/2014/main" xmlns="" id="{84049944-4F48-4A1F-8C2F-AA96BB11E820}"/>
+                <a16:creationId xmlns="" xmlns:a16="http://schemas.microsoft.com/office/drawing/2014/main" id="{84049944-4F48-4A1F-8C2F-AA96BB11E820}"/>
               </a:ext>
             </a:extLst>
           </p:cNvPr>
@@ -15574,7 +14046,7 @@
           <p:cNvPr id="18" name="Arrow: Bent-Up 17">
             <a:extLst>
               <a:ext uri="{FF2B5EF4-FFF2-40B4-BE49-F238E27FC236}">
-                <a16:creationId xmlns:a16="http://schemas.microsoft.com/office/drawing/2014/main" xmlns="" id="{E0532B11-C289-44E7-843C-91BA563B3904}"/>
+                <a16:creationId xmlns="" xmlns:a16="http://schemas.microsoft.com/office/drawing/2014/main" id="{E0532B11-C289-44E7-843C-91BA563B3904}"/>
               </a:ext>
             </a:extLst>
           </p:cNvPr>
@@ -15626,7 +14098,7 @@
           <p:cNvPr id="19" name="Arrow: Bent-Up 18">
             <a:extLst>
               <a:ext uri="{FF2B5EF4-FFF2-40B4-BE49-F238E27FC236}">
-                <a16:creationId xmlns:a16="http://schemas.microsoft.com/office/drawing/2014/main" xmlns="" id="{81B86CB4-563F-4E8E-97AF-2DD049DF77CC}"/>
+                <a16:creationId xmlns="" xmlns:a16="http://schemas.microsoft.com/office/drawing/2014/main" id="{81B86CB4-563F-4E8E-97AF-2DD049DF77CC}"/>
               </a:ext>
             </a:extLst>
           </p:cNvPr>
@@ -15678,7 +14150,7 @@
           <p:cNvPr id="20" name="Arrow: Bent-Up 19">
             <a:extLst>
               <a:ext uri="{FF2B5EF4-FFF2-40B4-BE49-F238E27FC236}">
-                <a16:creationId xmlns:a16="http://schemas.microsoft.com/office/drawing/2014/main" xmlns="" id="{D172BEF6-3B5D-4038-9FB3-BC30990ABC26}"/>
+                <a16:creationId xmlns="" xmlns:a16="http://schemas.microsoft.com/office/drawing/2014/main" id="{D172BEF6-3B5D-4038-9FB3-BC30990ABC26}"/>
               </a:ext>
             </a:extLst>
           </p:cNvPr>
@@ -15730,7 +14202,7 @@
           <p:cNvPr id="21" name="Arrow: Bent-Up 20">
             <a:extLst>
               <a:ext uri="{FF2B5EF4-FFF2-40B4-BE49-F238E27FC236}">
-                <a16:creationId xmlns:a16="http://schemas.microsoft.com/office/drawing/2014/main" xmlns="" id="{B7A1E5A2-A8AB-49D8-9898-66B1E1A92E0D}"/>
+                <a16:creationId xmlns="" xmlns:a16="http://schemas.microsoft.com/office/drawing/2014/main" id="{B7A1E5A2-A8AB-49D8-9898-66B1E1A92E0D}"/>
               </a:ext>
             </a:extLst>
           </p:cNvPr>
@@ -15782,7 +14254,7 @@
           <p:cNvPr id="22" name="Arrow: Bent-Up 21">
             <a:extLst>
               <a:ext uri="{FF2B5EF4-FFF2-40B4-BE49-F238E27FC236}">
-                <a16:creationId xmlns:a16="http://schemas.microsoft.com/office/drawing/2014/main" xmlns="" id="{89F5CED7-7CF5-40DB-AAD0-2751B0EEFE8F}"/>
+                <a16:creationId xmlns="" xmlns:a16="http://schemas.microsoft.com/office/drawing/2014/main" id="{89F5CED7-7CF5-40DB-AAD0-2751B0EEFE8F}"/>
               </a:ext>
             </a:extLst>
           </p:cNvPr>
@@ -15834,7 +14306,7 @@
           <p:cNvPr id="23" name="L-Shape 22">
             <a:extLst>
               <a:ext uri="{FF2B5EF4-FFF2-40B4-BE49-F238E27FC236}">
-                <a16:creationId xmlns:a16="http://schemas.microsoft.com/office/drawing/2014/main" xmlns="" id="{24918A8D-99EB-4617-9472-C757708B4573}"/>
+                <a16:creationId xmlns="" xmlns:a16="http://schemas.microsoft.com/office/drawing/2014/main" id="{24918A8D-99EB-4617-9472-C757708B4573}"/>
               </a:ext>
             </a:extLst>
           </p:cNvPr>
@@ -15888,7 +14360,7 @@
           <p:cNvPr id="24" name="Isosceles Triangle 23">
             <a:extLst>
               <a:ext uri="{FF2B5EF4-FFF2-40B4-BE49-F238E27FC236}">
-                <a16:creationId xmlns:a16="http://schemas.microsoft.com/office/drawing/2014/main" xmlns="" id="{90A470B4-555F-40C4-880B-01ACABAE06ED}"/>
+                <a16:creationId xmlns="" xmlns:a16="http://schemas.microsoft.com/office/drawing/2014/main" id="{90A470B4-555F-40C4-880B-01ACABAE06ED}"/>
               </a:ext>
             </a:extLst>
           </p:cNvPr>
@@ -15941,7 +14413,7 @@
           <p:cNvPr id="13" name="TextBox 12">
             <a:extLst>
               <a:ext uri="{FF2B5EF4-FFF2-40B4-BE49-F238E27FC236}">
-                <a16:creationId xmlns:a16="http://schemas.microsoft.com/office/drawing/2014/main" xmlns="" id="{7A8DA1D0-9DDE-4BF1-B3DF-F18F704265FC}"/>
+                <a16:creationId xmlns="" xmlns:a16="http://schemas.microsoft.com/office/drawing/2014/main" id="{7A8DA1D0-9DDE-4BF1-B3DF-F18F704265FC}"/>
               </a:ext>
             </a:extLst>
           </p:cNvPr>
@@ -15977,7 +14449,7 @@
           <p:cNvPr id="26" name="TextBox 25">
             <a:extLst>
               <a:ext uri="{FF2B5EF4-FFF2-40B4-BE49-F238E27FC236}">
-                <a16:creationId xmlns:a16="http://schemas.microsoft.com/office/drawing/2014/main" xmlns="" id="{9C06B8AB-BAFD-4A97-B2D0-42FC65D6DA04}"/>
+                <a16:creationId xmlns="" xmlns:a16="http://schemas.microsoft.com/office/drawing/2014/main" id="{9C06B8AB-BAFD-4A97-B2D0-42FC65D6DA04}"/>
               </a:ext>
             </a:extLst>
           </p:cNvPr>
@@ -16607,7 +15079,7 @@
           <p:cNvPr id="25" name="Google Shape;370;p43">
             <a:extLst>
               <a:ext uri="{FF2B5EF4-FFF2-40B4-BE49-F238E27FC236}">
-                <a16:creationId xmlns:a16="http://schemas.microsoft.com/office/drawing/2014/main" xmlns="" id="{DC92DCB4-2BC9-4F08-974F-A5F48C978E95}"/>
+                <a16:creationId xmlns="" xmlns:a16="http://schemas.microsoft.com/office/drawing/2014/main" id="{DC92DCB4-2BC9-4F08-974F-A5F48C978E95}"/>
               </a:ext>
             </a:extLst>
           </p:cNvPr>
@@ -17158,7 +15630,7 @@
           <p:cNvPr id="25" name="Google Shape;370;p43">
             <a:extLst>
               <a:ext uri="{FF2B5EF4-FFF2-40B4-BE49-F238E27FC236}">
-                <a16:creationId xmlns:a16="http://schemas.microsoft.com/office/drawing/2014/main" xmlns="" id="{DC92DCB4-2BC9-4F08-974F-A5F48C978E95}"/>
+                <a16:creationId xmlns="" xmlns:a16="http://schemas.microsoft.com/office/drawing/2014/main" id="{DC92DCB4-2BC9-4F08-974F-A5F48C978E95}"/>
               </a:ext>
             </a:extLst>
           </p:cNvPr>
